--- a/AndroidSecurityPresentation.pptx
+++ b/AndroidSecurityPresentation.pptx
@@ -10,10 +10,10 @@
     <p:sldMasterId id="2147483697" r:id="rId6"/>
   </p:sldMasterIdLst>
   <p:notesMasterIdLst>
-    <p:notesMasterId r:id="rId23"/>
+    <p:notesMasterId r:id="rId24"/>
   </p:notesMasterIdLst>
   <p:handoutMasterIdLst>
-    <p:handoutMasterId r:id="rId24"/>
+    <p:handoutMasterId r:id="rId25"/>
   </p:handoutMasterIdLst>
   <p:sldIdLst>
     <p:sldId id="356" r:id="rId7"/>
@@ -27,11 +27,12 @@
     <p:sldId id="365" r:id="rId15"/>
     <p:sldId id="366" r:id="rId16"/>
     <p:sldId id="367" r:id="rId17"/>
-    <p:sldId id="368" r:id="rId18"/>
-    <p:sldId id="370" r:id="rId19"/>
-    <p:sldId id="369" r:id="rId20"/>
-    <p:sldId id="371" r:id="rId21"/>
-    <p:sldId id="372" r:id="rId22"/>
+    <p:sldId id="373" r:id="rId18"/>
+    <p:sldId id="368" r:id="rId19"/>
+    <p:sldId id="370" r:id="rId20"/>
+    <p:sldId id="369" r:id="rId21"/>
+    <p:sldId id="371" r:id="rId22"/>
+    <p:sldId id="372" r:id="rId23"/>
   </p:sldIdLst>
   <p:sldSz cx="9144000" cy="5143500" type="screen16x9"/>
   <p:notesSz cx="9925050" cy="6665913"/>
@@ -8179,94 +8180,6 @@
       </p:grpSpPr>
       <p:sp>
         <p:nvSpPr>
-          <p:cNvPr id="2" name="Inhaltsplatzhalter 1">
-            <a:extLst>
-              <a:ext uri="{FF2B5EF4-FFF2-40B4-BE49-F238E27FC236}">
-                <a16:creationId xmlns:a16="http://schemas.microsoft.com/office/drawing/2014/main" id="{7D8FEF91-8FC3-4663-8166-1FA84242C238}"/>
-              </a:ext>
-            </a:extLst>
-          </p:cNvPr>
-          <p:cNvSpPr>
-            <a:spLocks noGrp="1"/>
-          </p:cNvSpPr>
-          <p:nvPr>
-            <p:ph idx="1"/>
-          </p:nvPr>
-        </p:nvSpPr>
-        <p:spPr/>
-        <p:txBody>
-          <a:bodyPr/>
-          <a:lstStyle/>
-          <a:p>
-            <a:pPr marL="285750" indent="-285750">
-              <a:buFontTx/>
-              <a:buChar char="-"/>
-            </a:pPr>
-            <a:r>
-              <a:rPr lang="de-DE" dirty="0"/>
-              <a:t>Just a JAR </a:t>
-            </a:r>
-            <a:r>
-              <a:rPr lang="de-DE" dirty="0" err="1"/>
-              <a:t>running</a:t>
-            </a:r>
-            <a:endParaRPr lang="de-DE" dirty="0"/>
-          </a:p>
-          <a:p>
-            <a:pPr marL="285750" indent="-285750">
-              <a:buFontTx/>
-              <a:buChar char="-"/>
-            </a:pPr>
-            <a:r>
-              <a:rPr lang="de-DE" dirty="0" err="1"/>
-              <a:t>Printing</a:t>
-            </a:r>
-            <a:r>
-              <a:rPr lang="de-DE" dirty="0"/>
-              <a:t> out </a:t>
-            </a:r>
-            <a:r>
-              <a:rPr lang="de-DE" dirty="0" err="1"/>
-              <a:t>the</a:t>
-            </a:r>
-            <a:r>
-              <a:rPr lang="de-DE" dirty="0"/>
-              <a:t> </a:t>
-            </a:r>
-            <a:r>
-              <a:rPr lang="de-DE" dirty="0" err="1"/>
-              <a:t>content</a:t>
-            </a:r>
-            <a:r>
-              <a:rPr lang="de-DE" dirty="0"/>
-              <a:t> </a:t>
-            </a:r>
-            <a:r>
-              <a:rPr lang="de-DE" dirty="0" err="1"/>
-              <a:t>of</a:t>
-            </a:r>
-            <a:r>
-              <a:rPr lang="de-DE" dirty="0"/>
-              <a:t> </a:t>
-            </a:r>
-            <a:r>
-              <a:rPr lang="de-DE" dirty="0" err="1"/>
-              <a:t>the</a:t>
-            </a:r>
-            <a:r>
-              <a:rPr lang="de-DE" dirty="0"/>
-              <a:t> TCP </a:t>
-            </a:r>
-            <a:r>
-              <a:rPr lang="de-DE" dirty="0" err="1"/>
-              <a:t>messages</a:t>
-            </a:r>
-            <a:endParaRPr lang="de-DE" dirty="0"/>
-          </a:p>
-        </p:txBody>
-      </p:sp>
-      <p:sp>
-        <p:nvSpPr>
           <p:cNvPr id="3" name="Titel 2">
             <a:extLst>
               <a:ext uri="{FF2B5EF4-FFF2-40B4-BE49-F238E27FC236}">
@@ -8357,6 +8270,1221 @@
           </a:p>
         </p:txBody>
       </p:sp>
+      <p:sp>
+        <p:nvSpPr>
+          <p:cNvPr id="6" name="Rectangle 1">
+            <a:extLst>
+              <a:ext uri="{FF2B5EF4-FFF2-40B4-BE49-F238E27FC236}">
+                <a16:creationId xmlns:a16="http://schemas.microsoft.com/office/drawing/2014/main" id="{74C68E90-9DE6-486D-800F-F16520C2C94A}"/>
+              </a:ext>
+            </a:extLst>
+          </p:cNvPr>
+          <p:cNvSpPr>
+            <a:spLocks noChangeArrowheads="1"/>
+          </p:cNvSpPr>
+          <p:nvPr/>
+        </p:nvSpPr>
+        <p:spPr bwMode="auto">
+          <a:xfrm>
+            <a:off x="319090" y="1480833"/>
+            <a:ext cx="7058343" cy="3108543"/>
+          </a:xfrm>
+          <a:prstGeom prst="rect">
+            <a:avLst/>
+          </a:prstGeom>
+          <a:noFill/>
+          <a:ln>
+            <a:noFill/>
+          </a:ln>
+          <a:effectLst/>
+        </p:spPr>
+        <p:txBody>
+          <a:bodyPr vert="horz" wrap="none" lIns="91440" tIns="45720" rIns="91440" bIns="45720" numCol="1" anchor="ctr" anchorCtr="0" compatLnSpc="1">
+            <a:prstTxWarp prst="textNoShape">
+              <a:avLst/>
+            </a:prstTxWarp>
+            <a:spAutoFit/>
+          </a:bodyPr>
+          <a:lstStyle/>
+          <a:p>
+            <a:pPr marL="0" marR="0" lvl="0" indent="0" algn="l" defTabSz="914400" rtl="0" eaLnBrk="0" fontAlgn="base" latinLnBrk="0" hangingPunct="0">
+              <a:lnSpc>
+                <a:spcPct val="100000"/>
+              </a:lnSpc>
+              <a:spcBef>
+                <a:spcPct val="0"/>
+              </a:spcBef>
+              <a:spcAft>
+                <a:spcPct val="0"/>
+              </a:spcAft>
+              <a:buClrTx/>
+              <a:buSzTx/>
+              <a:buFontTx/>
+              <a:buNone/>
+              <a:tabLst/>
+            </a:pPr>
+            <a:r>
+              <a:rPr kumimoji="0" lang="de-DE" altLang="de-DE" sz="1400" b="1" i="0" u="none" strike="noStrike" cap="none" normalizeH="0" baseline="0" dirty="0">
+                <a:ln>
+                  <a:noFill/>
+                </a:ln>
+                <a:solidFill>
+                  <a:srgbClr val="000080"/>
+                </a:solidFill>
+                <a:effectLst/>
+                <a:latin typeface="Courier New" panose="02070309020205020404" pitchFamily="49" charset="0"/>
+                <a:cs typeface="Courier New" panose="02070309020205020404" pitchFamily="49" charset="0"/>
+              </a:rPr>
+              <a:t>private </a:t>
+            </a:r>
+            <a:r>
+              <a:rPr kumimoji="0" lang="de-DE" altLang="de-DE" sz="1400" b="1" i="0" u="none" strike="noStrike" cap="none" normalizeH="0" baseline="0" dirty="0" err="1">
+                <a:ln>
+                  <a:noFill/>
+                </a:ln>
+                <a:solidFill>
+                  <a:srgbClr val="000080"/>
+                </a:solidFill>
+                <a:effectLst/>
+                <a:latin typeface="Courier New" panose="02070309020205020404" pitchFamily="49" charset="0"/>
+                <a:cs typeface="Courier New" panose="02070309020205020404" pitchFamily="49" charset="0"/>
+              </a:rPr>
+              <a:t>void</a:t>
+            </a:r>
+            <a:r>
+              <a:rPr kumimoji="0" lang="de-DE" altLang="de-DE" sz="1400" b="1" i="0" u="none" strike="noStrike" cap="none" normalizeH="0" baseline="0" dirty="0">
+                <a:ln>
+                  <a:noFill/>
+                </a:ln>
+                <a:solidFill>
+                  <a:srgbClr val="000080"/>
+                </a:solidFill>
+                <a:effectLst/>
+                <a:latin typeface="Courier New" panose="02070309020205020404" pitchFamily="49" charset="0"/>
+                <a:cs typeface="Courier New" panose="02070309020205020404" pitchFamily="49" charset="0"/>
+              </a:rPr>
+              <a:t> </a:t>
+            </a:r>
+            <a:r>
+              <a:rPr kumimoji="0" lang="de-DE" altLang="de-DE" sz="1400" b="0" i="0" u="none" strike="noStrike" cap="none" normalizeH="0" baseline="0" dirty="0" err="1">
+                <a:ln>
+                  <a:noFill/>
+                </a:ln>
+                <a:solidFill>
+                  <a:srgbClr val="000000"/>
+                </a:solidFill>
+                <a:effectLst/>
+                <a:latin typeface="Courier New" panose="02070309020205020404" pitchFamily="49" charset="0"/>
+                <a:cs typeface="Courier New" panose="02070309020205020404" pitchFamily="49" charset="0"/>
+              </a:rPr>
+              <a:t>serve</a:t>
+            </a:r>
+            <a:r>
+              <a:rPr kumimoji="0" lang="de-DE" altLang="de-DE" sz="1400" b="0" i="0" u="none" strike="noStrike" cap="none" normalizeH="0" baseline="0" dirty="0">
+                <a:ln>
+                  <a:noFill/>
+                </a:ln>
+                <a:solidFill>
+                  <a:srgbClr val="000000"/>
+                </a:solidFill>
+                <a:effectLst/>
+                <a:latin typeface="Courier New" panose="02070309020205020404" pitchFamily="49" charset="0"/>
+                <a:cs typeface="Courier New" panose="02070309020205020404" pitchFamily="49" charset="0"/>
+              </a:rPr>
+              <a:t>() </a:t>
+            </a:r>
+            <a:r>
+              <a:rPr kumimoji="0" lang="de-DE" altLang="de-DE" sz="1400" b="1" i="0" u="none" strike="noStrike" cap="none" normalizeH="0" baseline="0" dirty="0" err="1">
+                <a:ln>
+                  <a:noFill/>
+                </a:ln>
+                <a:solidFill>
+                  <a:srgbClr val="000080"/>
+                </a:solidFill>
+                <a:effectLst/>
+                <a:latin typeface="Courier New" panose="02070309020205020404" pitchFamily="49" charset="0"/>
+                <a:cs typeface="Courier New" panose="02070309020205020404" pitchFamily="49" charset="0"/>
+              </a:rPr>
+              <a:t>throws</a:t>
+            </a:r>
+            <a:r>
+              <a:rPr kumimoji="0" lang="de-DE" altLang="de-DE" sz="1400" b="1" i="0" u="none" strike="noStrike" cap="none" normalizeH="0" baseline="0" dirty="0">
+                <a:ln>
+                  <a:noFill/>
+                </a:ln>
+                <a:solidFill>
+                  <a:srgbClr val="000080"/>
+                </a:solidFill>
+                <a:effectLst/>
+                <a:latin typeface="Courier New" panose="02070309020205020404" pitchFamily="49" charset="0"/>
+                <a:cs typeface="Courier New" panose="02070309020205020404" pitchFamily="49" charset="0"/>
+              </a:rPr>
+              <a:t> </a:t>
+            </a:r>
+            <a:r>
+              <a:rPr kumimoji="0" lang="de-DE" altLang="de-DE" sz="1400" b="0" i="0" u="none" strike="noStrike" cap="none" normalizeH="0" baseline="0" dirty="0" err="1">
+                <a:ln>
+                  <a:noFill/>
+                </a:ln>
+                <a:solidFill>
+                  <a:srgbClr val="000000"/>
+                </a:solidFill>
+                <a:effectLst/>
+                <a:latin typeface="Courier New" panose="02070309020205020404" pitchFamily="49" charset="0"/>
+                <a:cs typeface="Courier New" panose="02070309020205020404" pitchFamily="49" charset="0"/>
+              </a:rPr>
+              <a:t>IOException</a:t>
+            </a:r>
+            <a:r>
+              <a:rPr kumimoji="0" lang="de-DE" altLang="de-DE" sz="1400" b="0" i="0" u="none" strike="noStrike" cap="none" normalizeH="0" baseline="0" dirty="0">
+                <a:ln>
+                  <a:noFill/>
+                </a:ln>
+                <a:solidFill>
+                  <a:srgbClr val="000000"/>
+                </a:solidFill>
+                <a:effectLst/>
+                <a:latin typeface="Courier New" panose="02070309020205020404" pitchFamily="49" charset="0"/>
+                <a:cs typeface="Courier New" panose="02070309020205020404" pitchFamily="49" charset="0"/>
+              </a:rPr>
+              <a:t> {</a:t>
+            </a:r>
+            <a:br>
+              <a:rPr kumimoji="0" lang="de-DE" altLang="de-DE" sz="1400" b="0" i="0" u="none" strike="noStrike" cap="none" normalizeH="0" baseline="0" dirty="0">
+                <a:ln>
+                  <a:noFill/>
+                </a:ln>
+                <a:solidFill>
+                  <a:srgbClr val="000000"/>
+                </a:solidFill>
+                <a:effectLst/>
+                <a:latin typeface="Courier New" panose="02070309020205020404" pitchFamily="49" charset="0"/>
+                <a:cs typeface="Courier New" panose="02070309020205020404" pitchFamily="49" charset="0"/>
+              </a:rPr>
+            </a:br>
+            <a:r>
+              <a:rPr kumimoji="0" lang="de-DE" altLang="de-DE" sz="1400" b="0" i="0" u="none" strike="noStrike" cap="none" normalizeH="0" baseline="0" dirty="0">
+                <a:ln>
+                  <a:noFill/>
+                </a:ln>
+                <a:solidFill>
+                  <a:srgbClr val="000000"/>
+                </a:solidFill>
+                <a:effectLst/>
+                <a:latin typeface="Courier New" panose="02070309020205020404" pitchFamily="49" charset="0"/>
+                <a:cs typeface="Courier New" panose="02070309020205020404" pitchFamily="49" charset="0"/>
+              </a:rPr>
+              <a:t>    String </a:t>
+            </a:r>
+            <a:r>
+              <a:rPr kumimoji="0" lang="de-DE" altLang="de-DE" sz="1400" b="0" i="0" u="none" strike="noStrike" cap="none" normalizeH="0" baseline="0" dirty="0" err="1">
+                <a:ln>
+                  <a:noFill/>
+                </a:ln>
+                <a:solidFill>
+                  <a:srgbClr val="000000"/>
+                </a:solidFill>
+                <a:effectLst/>
+                <a:latin typeface="Courier New" panose="02070309020205020404" pitchFamily="49" charset="0"/>
+                <a:cs typeface="Courier New" panose="02070309020205020404" pitchFamily="49" charset="0"/>
+              </a:rPr>
+              <a:t>clientSentence</a:t>
+            </a:r>
+            <a:r>
+              <a:rPr kumimoji="0" lang="de-DE" altLang="de-DE" sz="1400" b="0" i="0" u="none" strike="noStrike" cap="none" normalizeH="0" baseline="0" dirty="0">
+                <a:ln>
+                  <a:noFill/>
+                </a:ln>
+                <a:solidFill>
+                  <a:srgbClr val="000000"/>
+                </a:solidFill>
+                <a:effectLst/>
+                <a:latin typeface="Courier New" panose="02070309020205020404" pitchFamily="49" charset="0"/>
+                <a:cs typeface="Courier New" panose="02070309020205020404" pitchFamily="49" charset="0"/>
+              </a:rPr>
+              <a:t>;</a:t>
+            </a:r>
+            <a:br>
+              <a:rPr kumimoji="0" lang="de-DE" altLang="de-DE" sz="1400" b="0" i="0" u="none" strike="noStrike" cap="none" normalizeH="0" baseline="0" dirty="0">
+                <a:ln>
+                  <a:noFill/>
+                </a:ln>
+                <a:solidFill>
+                  <a:srgbClr val="000000"/>
+                </a:solidFill>
+                <a:effectLst/>
+                <a:latin typeface="Courier New" panose="02070309020205020404" pitchFamily="49" charset="0"/>
+                <a:cs typeface="Courier New" panose="02070309020205020404" pitchFamily="49" charset="0"/>
+              </a:rPr>
+            </a:br>
+            <a:r>
+              <a:rPr kumimoji="0" lang="de-DE" altLang="de-DE" sz="1400" b="0" i="0" u="none" strike="noStrike" cap="none" normalizeH="0" baseline="0" dirty="0">
+                <a:ln>
+                  <a:noFill/>
+                </a:ln>
+                <a:solidFill>
+                  <a:srgbClr val="000000"/>
+                </a:solidFill>
+                <a:effectLst/>
+                <a:latin typeface="Courier New" panose="02070309020205020404" pitchFamily="49" charset="0"/>
+                <a:cs typeface="Courier New" panose="02070309020205020404" pitchFamily="49" charset="0"/>
+              </a:rPr>
+              <a:t>    </a:t>
+            </a:r>
+            <a:r>
+              <a:rPr kumimoji="0" lang="de-DE" altLang="de-DE" sz="1400" b="0" i="0" u="none" strike="noStrike" cap="none" normalizeH="0" baseline="0" dirty="0" err="1">
+                <a:ln>
+                  <a:noFill/>
+                </a:ln>
+                <a:solidFill>
+                  <a:srgbClr val="000000"/>
+                </a:solidFill>
+                <a:effectLst/>
+                <a:latin typeface="Courier New" panose="02070309020205020404" pitchFamily="49" charset="0"/>
+                <a:cs typeface="Courier New" panose="02070309020205020404" pitchFamily="49" charset="0"/>
+              </a:rPr>
+              <a:t>ServerSocket</a:t>
+            </a:r>
+            <a:r>
+              <a:rPr kumimoji="0" lang="de-DE" altLang="de-DE" sz="1400" b="0" i="0" u="none" strike="noStrike" cap="none" normalizeH="0" baseline="0" dirty="0">
+                <a:ln>
+                  <a:noFill/>
+                </a:ln>
+                <a:solidFill>
+                  <a:srgbClr val="000000"/>
+                </a:solidFill>
+                <a:effectLst/>
+                <a:latin typeface="Courier New" panose="02070309020205020404" pitchFamily="49" charset="0"/>
+                <a:cs typeface="Courier New" panose="02070309020205020404" pitchFamily="49" charset="0"/>
+              </a:rPr>
+              <a:t> </a:t>
+            </a:r>
+            <a:r>
+              <a:rPr kumimoji="0" lang="de-DE" altLang="de-DE" sz="1400" b="0" i="0" u="none" strike="noStrike" cap="none" normalizeH="0" baseline="0" dirty="0" err="1">
+                <a:ln>
+                  <a:noFill/>
+                </a:ln>
+                <a:solidFill>
+                  <a:srgbClr val="000000"/>
+                </a:solidFill>
+                <a:effectLst/>
+                <a:latin typeface="Courier New" panose="02070309020205020404" pitchFamily="49" charset="0"/>
+                <a:cs typeface="Courier New" panose="02070309020205020404" pitchFamily="49" charset="0"/>
+              </a:rPr>
+              <a:t>welcomeSocket</a:t>
+            </a:r>
+            <a:r>
+              <a:rPr kumimoji="0" lang="de-DE" altLang="de-DE" sz="1400" b="0" i="0" u="none" strike="noStrike" cap="none" normalizeH="0" baseline="0" dirty="0">
+                <a:ln>
+                  <a:noFill/>
+                </a:ln>
+                <a:solidFill>
+                  <a:srgbClr val="000000"/>
+                </a:solidFill>
+                <a:effectLst/>
+                <a:latin typeface="Courier New" panose="02070309020205020404" pitchFamily="49" charset="0"/>
+                <a:cs typeface="Courier New" panose="02070309020205020404" pitchFamily="49" charset="0"/>
+              </a:rPr>
+              <a:t> = </a:t>
+            </a:r>
+            <a:r>
+              <a:rPr kumimoji="0" lang="de-DE" altLang="de-DE" sz="1400" b="1" i="0" u="none" strike="noStrike" cap="none" normalizeH="0" baseline="0" dirty="0" err="1">
+                <a:ln>
+                  <a:noFill/>
+                </a:ln>
+                <a:solidFill>
+                  <a:srgbClr val="000080"/>
+                </a:solidFill>
+                <a:effectLst/>
+                <a:latin typeface="Courier New" panose="02070309020205020404" pitchFamily="49" charset="0"/>
+                <a:cs typeface="Courier New" panose="02070309020205020404" pitchFamily="49" charset="0"/>
+              </a:rPr>
+              <a:t>new</a:t>
+            </a:r>
+            <a:r>
+              <a:rPr kumimoji="0" lang="de-DE" altLang="de-DE" sz="1400" b="1" i="0" u="none" strike="noStrike" cap="none" normalizeH="0" baseline="0" dirty="0">
+                <a:ln>
+                  <a:noFill/>
+                </a:ln>
+                <a:solidFill>
+                  <a:srgbClr val="000080"/>
+                </a:solidFill>
+                <a:effectLst/>
+                <a:latin typeface="Courier New" panose="02070309020205020404" pitchFamily="49" charset="0"/>
+                <a:cs typeface="Courier New" panose="02070309020205020404" pitchFamily="49" charset="0"/>
+              </a:rPr>
+              <a:t> </a:t>
+            </a:r>
+            <a:r>
+              <a:rPr kumimoji="0" lang="de-DE" altLang="de-DE" sz="1400" b="0" i="0" u="none" strike="noStrike" cap="none" normalizeH="0" baseline="0" dirty="0" err="1">
+                <a:ln>
+                  <a:noFill/>
+                </a:ln>
+                <a:solidFill>
+                  <a:srgbClr val="000000"/>
+                </a:solidFill>
+                <a:effectLst/>
+                <a:latin typeface="Courier New" panose="02070309020205020404" pitchFamily="49" charset="0"/>
+                <a:cs typeface="Courier New" panose="02070309020205020404" pitchFamily="49" charset="0"/>
+              </a:rPr>
+              <a:t>ServerSocket</a:t>
+            </a:r>
+            <a:r>
+              <a:rPr kumimoji="0" lang="de-DE" altLang="de-DE" sz="1400" b="0" i="0" u="none" strike="noStrike" cap="none" normalizeH="0" baseline="0" dirty="0">
+                <a:ln>
+                  <a:noFill/>
+                </a:ln>
+                <a:solidFill>
+                  <a:srgbClr val="000000"/>
+                </a:solidFill>
+                <a:effectLst/>
+                <a:latin typeface="Courier New" panose="02070309020205020404" pitchFamily="49" charset="0"/>
+                <a:cs typeface="Courier New" panose="02070309020205020404" pitchFamily="49" charset="0"/>
+              </a:rPr>
+              <a:t>(</a:t>
+            </a:r>
+            <a:r>
+              <a:rPr kumimoji="0" lang="de-DE" altLang="de-DE" sz="1400" b="1" i="0" u="none" strike="noStrike" cap="none" normalizeH="0" baseline="0" dirty="0" err="1">
+                <a:ln>
+                  <a:noFill/>
+                </a:ln>
+                <a:solidFill>
+                  <a:srgbClr val="660E7A"/>
+                </a:solidFill>
+                <a:effectLst/>
+                <a:latin typeface="Courier New" panose="02070309020205020404" pitchFamily="49" charset="0"/>
+                <a:cs typeface="Courier New" panose="02070309020205020404" pitchFamily="49" charset="0"/>
+              </a:rPr>
+              <a:t>port</a:t>
+            </a:r>
+            <a:r>
+              <a:rPr kumimoji="0" lang="de-DE" altLang="de-DE" sz="1400" b="0" i="0" u="none" strike="noStrike" cap="none" normalizeH="0" baseline="0" dirty="0">
+                <a:ln>
+                  <a:noFill/>
+                </a:ln>
+                <a:solidFill>
+                  <a:srgbClr val="000000"/>
+                </a:solidFill>
+                <a:effectLst/>
+                <a:latin typeface="Courier New" panose="02070309020205020404" pitchFamily="49" charset="0"/>
+                <a:cs typeface="Courier New" panose="02070309020205020404" pitchFamily="49" charset="0"/>
+              </a:rPr>
+              <a:t>);</a:t>
+            </a:r>
+            <a:br>
+              <a:rPr kumimoji="0" lang="de-DE" altLang="de-DE" sz="1400" b="0" i="0" u="none" strike="noStrike" cap="none" normalizeH="0" baseline="0" dirty="0">
+                <a:ln>
+                  <a:noFill/>
+                </a:ln>
+                <a:solidFill>
+                  <a:srgbClr val="000000"/>
+                </a:solidFill>
+                <a:effectLst/>
+                <a:latin typeface="Courier New" panose="02070309020205020404" pitchFamily="49" charset="0"/>
+                <a:cs typeface="Courier New" panose="02070309020205020404" pitchFamily="49" charset="0"/>
+              </a:rPr>
+            </a:br>
+            <a:r>
+              <a:rPr kumimoji="0" lang="de-DE" altLang="de-DE" sz="1400" b="0" i="0" u="none" strike="noStrike" cap="none" normalizeH="0" baseline="0" dirty="0">
+                <a:ln>
+                  <a:noFill/>
+                </a:ln>
+                <a:solidFill>
+                  <a:srgbClr val="000000"/>
+                </a:solidFill>
+                <a:effectLst/>
+                <a:latin typeface="Courier New" panose="02070309020205020404" pitchFamily="49" charset="0"/>
+                <a:cs typeface="Courier New" panose="02070309020205020404" pitchFamily="49" charset="0"/>
+              </a:rPr>
+              <a:t>    </a:t>
+            </a:r>
+            <a:r>
+              <a:rPr kumimoji="0" lang="de-DE" altLang="de-DE" sz="1400" b="1" i="0" u="none" strike="noStrike" cap="none" normalizeH="0" baseline="0" dirty="0" err="1">
+                <a:ln>
+                  <a:noFill/>
+                </a:ln>
+                <a:solidFill>
+                  <a:srgbClr val="000080"/>
+                </a:solidFill>
+                <a:effectLst/>
+                <a:latin typeface="Courier New" panose="02070309020205020404" pitchFamily="49" charset="0"/>
+                <a:cs typeface="Courier New" panose="02070309020205020404" pitchFamily="49" charset="0"/>
+              </a:rPr>
+              <a:t>while</a:t>
+            </a:r>
+            <a:r>
+              <a:rPr kumimoji="0" lang="de-DE" altLang="de-DE" sz="1400" b="1" i="0" u="none" strike="noStrike" cap="none" normalizeH="0" baseline="0" dirty="0">
+                <a:ln>
+                  <a:noFill/>
+                </a:ln>
+                <a:solidFill>
+                  <a:srgbClr val="000080"/>
+                </a:solidFill>
+                <a:effectLst/>
+                <a:latin typeface="Courier New" panose="02070309020205020404" pitchFamily="49" charset="0"/>
+                <a:cs typeface="Courier New" panose="02070309020205020404" pitchFamily="49" charset="0"/>
+              </a:rPr>
+              <a:t> </a:t>
+            </a:r>
+            <a:r>
+              <a:rPr kumimoji="0" lang="de-DE" altLang="de-DE" sz="1400" b="0" i="0" u="none" strike="noStrike" cap="none" normalizeH="0" baseline="0" dirty="0">
+                <a:ln>
+                  <a:noFill/>
+                </a:ln>
+                <a:solidFill>
+                  <a:srgbClr val="000000"/>
+                </a:solidFill>
+                <a:effectLst/>
+                <a:latin typeface="Courier New" panose="02070309020205020404" pitchFamily="49" charset="0"/>
+                <a:cs typeface="Courier New" panose="02070309020205020404" pitchFamily="49" charset="0"/>
+              </a:rPr>
+              <a:t>(</a:t>
+            </a:r>
+            <a:r>
+              <a:rPr kumimoji="0" lang="de-DE" altLang="de-DE" sz="1400" b="1" i="0" u="none" strike="noStrike" cap="none" normalizeH="0" baseline="0" dirty="0" err="1">
+                <a:ln>
+                  <a:noFill/>
+                </a:ln>
+                <a:solidFill>
+                  <a:srgbClr val="000080"/>
+                </a:solidFill>
+                <a:effectLst/>
+                <a:latin typeface="Courier New" panose="02070309020205020404" pitchFamily="49" charset="0"/>
+                <a:cs typeface="Courier New" panose="02070309020205020404" pitchFamily="49" charset="0"/>
+              </a:rPr>
+              <a:t>true</a:t>
+            </a:r>
+            <a:r>
+              <a:rPr kumimoji="0" lang="de-DE" altLang="de-DE" sz="1400" b="0" i="0" u="none" strike="noStrike" cap="none" normalizeH="0" baseline="0" dirty="0">
+                <a:ln>
+                  <a:noFill/>
+                </a:ln>
+                <a:solidFill>
+                  <a:srgbClr val="000000"/>
+                </a:solidFill>
+                <a:effectLst/>
+                <a:latin typeface="Courier New" panose="02070309020205020404" pitchFamily="49" charset="0"/>
+                <a:cs typeface="Courier New" panose="02070309020205020404" pitchFamily="49" charset="0"/>
+              </a:rPr>
+              <a:t>) {</a:t>
+            </a:r>
+            <a:br>
+              <a:rPr kumimoji="0" lang="de-DE" altLang="de-DE" sz="1400" b="0" i="0" u="none" strike="noStrike" cap="none" normalizeH="0" baseline="0" dirty="0">
+                <a:ln>
+                  <a:noFill/>
+                </a:ln>
+                <a:solidFill>
+                  <a:srgbClr val="000000"/>
+                </a:solidFill>
+                <a:effectLst/>
+                <a:latin typeface="Courier New" panose="02070309020205020404" pitchFamily="49" charset="0"/>
+                <a:cs typeface="Courier New" panose="02070309020205020404" pitchFamily="49" charset="0"/>
+              </a:rPr>
+            </a:br>
+            <a:r>
+              <a:rPr kumimoji="0" lang="de-DE" altLang="de-DE" sz="1400" b="0" i="0" u="none" strike="noStrike" cap="none" normalizeH="0" baseline="0" dirty="0">
+                <a:ln>
+                  <a:noFill/>
+                </a:ln>
+                <a:solidFill>
+                  <a:srgbClr val="000000"/>
+                </a:solidFill>
+                <a:effectLst/>
+                <a:latin typeface="Courier New" panose="02070309020205020404" pitchFamily="49" charset="0"/>
+                <a:cs typeface="Courier New" panose="02070309020205020404" pitchFamily="49" charset="0"/>
+              </a:rPr>
+              <a:t>        </a:t>
+            </a:r>
+            <a:r>
+              <a:rPr kumimoji="0" lang="de-DE" altLang="de-DE" sz="1400" b="1" i="0" u="none" strike="noStrike" cap="none" normalizeH="0" baseline="0" dirty="0" err="1">
+                <a:ln>
+                  <a:noFill/>
+                </a:ln>
+                <a:solidFill>
+                  <a:srgbClr val="000080"/>
+                </a:solidFill>
+                <a:effectLst/>
+                <a:latin typeface="Courier New" panose="02070309020205020404" pitchFamily="49" charset="0"/>
+                <a:cs typeface="Courier New" panose="02070309020205020404" pitchFamily="49" charset="0"/>
+              </a:rPr>
+              <a:t>try</a:t>
+            </a:r>
+            <a:r>
+              <a:rPr kumimoji="0" lang="de-DE" altLang="de-DE" sz="1400" b="1" i="0" u="none" strike="noStrike" cap="none" normalizeH="0" baseline="0" dirty="0">
+                <a:ln>
+                  <a:noFill/>
+                </a:ln>
+                <a:solidFill>
+                  <a:srgbClr val="000080"/>
+                </a:solidFill>
+                <a:effectLst/>
+                <a:latin typeface="Courier New" panose="02070309020205020404" pitchFamily="49" charset="0"/>
+                <a:cs typeface="Courier New" panose="02070309020205020404" pitchFamily="49" charset="0"/>
+              </a:rPr>
+              <a:t> </a:t>
+            </a:r>
+            <a:r>
+              <a:rPr kumimoji="0" lang="de-DE" altLang="de-DE" sz="1400" b="0" i="0" u="none" strike="noStrike" cap="none" normalizeH="0" baseline="0" dirty="0">
+                <a:ln>
+                  <a:noFill/>
+                </a:ln>
+                <a:solidFill>
+                  <a:srgbClr val="000000"/>
+                </a:solidFill>
+                <a:effectLst/>
+                <a:latin typeface="Courier New" panose="02070309020205020404" pitchFamily="49" charset="0"/>
+                <a:cs typeface="Courier New" panose="02070309020205020404" pitchFamily="49" charset="0"/>
+              </a:rPr>
+              <a:t>{</a:t>
+            </a:r>
+            <a:br>
+              <a:rPr kumimoji="0" lang="de-DE" altLang="de-DE" sz="1400" b="0" i="0" u="none" strike="noStrike" cap="none" normalizeH="0" baseline="0" dirty="0">
+                <a:ln>
+                  <a:noFill/>
+                </a:ln>
+                <a:solidFill>
+                  <a:srgbClr val="000000"/>
+                </a:solidFill>
+                <a:effectLst/>
+                <a:latin typeface="Courier New" panose="02070309020205020404" pitchFamily="49" charset="0"/>
+                <a:cs typeface="Courier New" panose="02070309020205020404" pitchFamily="49" charset="0"/>
+              </a:rPr>
+            </a:br>
+            <a:r>
+              <a:rPr kumimoji="0" lang="de-DE" altLang="de-DE" sz="1400" b="0" i="0" u="none" strike="noStrike" cap="none" normalizeH="0" baseline="0" dirty="0">
+                <a:ln>
+                  <a:noFill/>
+                </a:ln>
+                <a:solidFill>
+                  <a:srgbClr val="000000"/>
+                </a:solidFill>
+                <a:effectLst/>
+                <a:latin typeface="Courier New" panose="02070309020205020404" pitchFamily="49" charset="0"/>
+                <a:cs typeface="Courier New" panose="02070309020205020404" pitchFamily="49" charset="0"/>
+              </a:rPr>
+              <a:t>            Socket </a:t>
+            </a:r>
+            <a:r>
+              <a:rPr kumimoji="0" lang="de-DE" altLang="de-DE" sz="1400" b="0" i="0" u="none" strike="noStrike" cap="none" normalizeH="0" baseline="0" dirty="0" err="1">
+                <a:ln>
+                  <a:noFill/>
+                </a:ln>
+                <a:solidFill>
+                  <a:srgbClr val="000000"/>
+                </a:solidFill>
+                <a:effectLst/>
+                <a:latin typeface="Courier New" panose="02070309020205020404" pitchFamily="49" charset="0"/>
+                <a:cs typeface="Courier New" panose="02070309020205020404" pitchFamily="49" charset="0"/>
+              </a:rPr>
+              <a:t>connectionSocket</a:t>
+            </a:r>
+            <a:r>
+              <a:rPr kumimoji="0" lang="de-DE" altLang="de-DE" sz="1400" b="0" i="0" u="none" strike="noStrike" cap="none" normalizeH="0" baseline="0" dirty="0">
+                <a:ln>
+                  <a:noFill/>
+                </a:ln>
+                <a:solidFill>
+                  <a:srgbClr val="000000"/>
+                </a:solidFill>
+                <a:effectLst/>
+                <a:latin typeface="Courier New" panose="02070309020205020404" pitchFamily="49" charset="0"/>
+                <a:cs typeface="Courier New" panose="02070309020205020404" pitchFamily="49" charset="0"/>
+              </a:rPr>
+              <a:t> = </a:t>
+            </a:r>
+            <a:r>
+              <a:rPr kumimoji="0" lang="de-DE" altLang="de-DE" sz="1400" b="0" i="0" u="none" strike="noStrike" cap="none" normalizeH="0" baseline="0" dirty="0" err="1">
+                <a:ln>
+                  <a:noFill/>
+                </a:ln>
+                <a:solidFill>
+                  <a:srgbClr val="000000"/>
+                </a:solidFill>
+                <a:effectLst/>
+                <a:latin typeface="Courier New" panose="02070309020205020404" pitchFamily="49" charset="0"/>
+                <a:cs typeface="Courier New" panose="02070309020205020404" pitchFamily="49" charset="0"/>
+              </a:rPr>
+              <a:t>welcomeSocket.accept</a:t>
+            </a:r>
+            <a:r>
+              <a:rPr kumimoji="0" lang="de-DE" altLang="de-DE" sz="1400" b="0" i="0" u="none" strike="noStrike" cap="none" normalizeH="0" baseline="0" dirty="0">
+                <a:ln>
+                  <a:noFill/>
+                </a:ln>
+                <a:solidFill>
+                  <a:srgbClr val="000000"/>
+                </a:solidFill>
+                <a:effectLst/>
+                <a:latin typeface="Courier New" panose="02070309020205020404" pitchFamily="49" charset="0"/>
+                <a:cs typeface="Courier New" panose="02070309020205020404" pitchFamily="49" charset="0"/>
+              </a:rPr>
+              <a:t>();</a:t>
+            </a:r>
+            <a:br>
+              <a:rPr kumimoji="0" lang="de-DE" altLang="de-DE" sz="1400" b="0" i="0" u="none" strike="noStrike" cap="none" normalizeH="0" baseline="0" dirty="0">
+                <a:ln>
+                  <a:noFill/>
+                </a:ln>
+                <a:solidFill>
+                  <a:srgbClr val="000000"/>
+                </a:solidFill>
+                <a:effectLst/>
+                <a:latin typeface="Courier New" panose="02070309020205020404" pitchFamily="49" charset="0"/>
+                <a:cs typeface="Courier New" panose="02070309020205020404" pitchFamily="49" charset="0"/>
+              </a:rPr>
+            </a:br>
+            <a:r>
+              <a:rPr kumimoji="0" lang="de-DE" altLang="de-DE" sz="1400" b="0" i="0" u="none" strike="noStrike" cap="none" normalizeH="0" baseline="0" dirty="0">
+                <a:ln>
+                  <a:noFill/>
+                </a:ln>
+                <a:solidFill>
+                  <a:srgbClr val="000000"/>
+                </a:solidFill>
+                <a:effectLst/>
+                <a:latin typeface="Courier New" panose="02070309020205020404" pitchFamily="49" charset="0"/>
+                <a:cs typeface="Courier New" panose="02070309020205020404" pitchFamily="49" charset="0"/>
+              </a:rPr>
+              <a:t>            </a:t>
+            </a:r>
+            <a:r>
+              <a:rPr kumimoji="0" lang="de-DE" altLang="de-DE" sz="1400" b="0" i="0" u="none" strike="noStrike" cap="none" normalizeH="0" baseline="0" dirty="0" err="1">
+                <a:ln>
+                  <a:noFill/>
+                </a:ln>
+                <a:solidFill>
+                  <a:srgbClr val="000000"/>
+                </a:solidFill>
+                <a:effectLst/>
+                <a:latin typeface="Courier New" panose="02070309020205020404" pitchFamily="49" charset="0"/>
+                <a:cs typeface="Courier New" panose="02070309020205020404" pitchFamily="49" charset="0"/>
+              </a:rPr>
+              <a:t>BufferedReader</a:t>
+            </a:r>
+            <a:r>
+              <a:rPr kumimoji="0" lang="de-DE" altLang="de-DE" sz="1400" b="0" i="0" u="none" strike="noStrike" cap="none" normalizeH="0" baseline="0" dirty="0">
+                <a:ln>
+                  <a:noFill/>
+                </a:ln>
+                <a:solidFill>
+                  <a:srgbClr val="000000"/>
+                </a:solidFill>
+                <a:effectLst/>
+                <a:latin typeface="Courier New" panose="02070309020205020404" pitchFamily="49" charset="0"/>
+                <a:cs typeface="Courier New" panose="02070309020205020404" pitchFamily="49" charset="0"/>
+              </a:rPr>
+              <a:t> </a:t>
+            </a:r>
+            <a:r>
+              <a:rPr kumimoji="0" lang="de-DE" altLang="de-DE" sz="1400" b="0" i="0" u="none" strike="noStrike" cap="none" normalizeH="0" baseline="0" dirty="0" err="1">
+                <a:ln>
+                  <a:noFill/>
+                </a:ln>
+                <a:solidFill>
+                  <a:srgbClr val="000000"/>
+                </a:solidFill>
+                <a:effectLst/>
+                <a:latin typeface="Courier New" panose="02070309020205020404" pitchFamily="49" charset="0"/>
+                <a:cs typeface="Courier New" panose="02070309020205020404" pitchFamily="49" charset="0"/>
+              </a:rPr>
+              <a:t>inFromClient</a:t>
+            </a:r>
+            <a:r>
+              <a:rPr kumimoji="0" lang="de-DE" altLang="de-DE" sz="1400" b="0" i="0" u="none" strike="noStrike" cap="none" normalizeH="0" baseline="0" dirty="0">
+                <a:ln>
+                  <a:noFill/>
+                </a:ln>
+                <a:solidFill>
+                  <a:srgbClr val="000000"/>
+                </a:solidFill>
+                <a:effectLst/>
+                <a:latin typeface="Courier New" panose="02070309020205020404" pitchFamily="49" charset="0"/>
+                <a:cs typeface="Courier New" panose="02070309020205020404" pitchFamily="49" charset="0"/>
+              </a:rPr>
+              <a:t> = </a:t>
+            </a:r>
+            <a:r>
+              <a:rPr kumimoji="0" lang="de-DE" altLang="de-DE" sz="1400" b="1" i="0" u="none" strike="noStrike" cap="none" normalizeH="0" baseline="0" dirty="0" err="1">
+                <a:ln>
+                  <a:noFill/>
+                </a:ln>
+                <a:solidFill>
+                  <a:srgbClr val="000080"/>
+                </a:solidFill>
+                <a:effectLst/>
+                <a:latin typeface="Courier New" panose="02070309020205020404" pitchFamily="49" charset="0"/>
+                <a:cs typeface="Courier New" panose="02070309020205020404" pitchFamily="49" charset="0"/>
+              </a:rPr>
+              <a:t>new</a:t>
+            </a:r>
+            <a:r>
+              <a:rPr kumimoji="0" lang="de-DE" altLang="de-DE" sz="1400" b="1" i="0" u="none" strike="noStrike" cap="none" normalizeH="0" baseline="0" dirty="0">
+                <a:ln>
+                  <a:noFill/>
+                </a:ln>
+                <a:solidFill>
+                  <a:srgbClr val="000080"/>
+                </a:solidFill>
+                <a:effectLst/>
+                <a:latin typeface="Courier New" panose="02070309020205020404" pitchFamily="49" charset="0"/>
+                <a:cs typeface="Courier New" panose="02070309020205020404" pitchFamily="49" charset="0"/>
+              </a:rPr>
+              <a:t> </a:t>
+            </a:r>
+            <a:r>
+              <a:rPr kumimoji="0" lang="de-DE" altLang="de-DE" sz="1400" b="0" i="0" u="none" strike="noStrike" cap="none" normalizeH="0" baseline="0" dirty="0" err="1">
+                <a:ln>
+                  <a:noFill/>
+                </a:ln>
+                <a:solidFill>
+                  <a:srgbClr val="000000"/>
+                </a:solidFill>
+                <a:effectLst/>
+                <a:latin typeface="Courier New" panose="02070309020205020404" pitchFamily="49" charset="0"/>
+                <a:cs typeface="Courier New" panose="02070309020205020404" pitchFamily="49" charset="0"/>
+              </a:rPr>
+              <a:t>BufferedReader</a:t>
+            </a:r>
+            <a:r>
+              <a:rPr kumimoji="0" lang="de-DE" altLang="de-DE" sz="1400" b="0" i="0" u="none" strike="noStrike" cap="none" normalizeH="0" baseline="0" dirty="0">
+                <a:ln>
+                  <a:noFill/>
+                </a:ln>
+                <a:solidFill>
+                  <a:srgbClr val="000000"/>
+                </a:solidFill>
+                <a:effectLst/>
+                <a:latin typeface="Courier New" panose="02070309020205020404" pitchFamily="49" charset="0"/>
+                <a:cs typeface="Courier New" panose="02070309020205020404" pitchFamily="49" charset="0"/>
+              </a:rPr>
+              <a:t>(</a:t>
+            </a:r>
+            <a:r>
+              <a:rPr kumimoji="0" lang="de-DE" altLang="de-DE" sz="1400" b="1" i="0" u="none" strike="noStrike" cap="none" normalizeH="0" baseline="0" dirty="0">
+                <a:ln>
+                  <a:noFill/>
+                </a:ln>
+                <a:solidFill>
+                  <a:srgbClr val="000080"/>
+                </a:solidFill>
+                <a:effectLst/>
+                <a:latin typeface="Courier New" panose="02070309020205020404" pitchFamily="49" charset="0"/>
+                <a:cs typeface="Courier New" panose="02070309020205020404" pitchFamily="49" charset="0"/>
+              </a:rPr>
+              <a:t>…</a:t>
+            </a:r>
+            <a:r>
+              <a:rPr kumimoji="0" lang="de-DE" altLang="de-DE" sz="1400" b="0" i="0" u="none" strike="noStrike" cap="none" normalizeH="0" baseline="0" dirty="0">
+                <a:ln>
+                  <a:noFill/>
+                </a:ln>
+                <a:solidFill>
+                  <a:srgbClr val="000000"/>
+                </a:solidFill>
+                <a:effectLst/>
+                <a:latin typeface="Courier New" panose="02070309020205020404" pitchFamily="49" charset="0"/>
+                <a:cs typeface="Courier New" panose="02070309020205020404" pitchFamily="49" charset="0"/>
+              </a:rPr>
+              <a:t>);</a:t>
+            </a:r>
+            <a:br>
+              <a:rPr kumimoji="0" lang="de-DE" altLang="de-DE" sz="1400" b="0" i="0" u="none" strike="noStrike" cap="none" normalizeH="0" baseline="0" dirty="0">
+                <a:ln>
+                  <a:noFill/>
+                </a:ln>
+                <a:solidFill>
+                  <a:srgbClr val="000000"/>
+                </a:solidFill>
+                <a:effectLst/>
+                <a:latin typeface="Courier New" panose="02070309020205020404" pitchFamily="49" charset="0"/>
+                <a:cs typeface="Courier New" panose="02070309020205020404" pitchFamily="49" charset="0"/>
+              </a:rPr>
+            </a:br>
+            <a:r>
+              <a:rPr kumimoji="0" lang="de-DE" altLang="de-DE" sz="1400" b="0" i="0" u="none" strike="noStrike" cap="none" normalizeH="0" baseline="0" dirty="0">
+                <a:ln>
+                  <a:noFill/>
+                </a:ln>
+                <a:solidFill>
+                  <a:srgbClr val="000000"/>
+                </a:solidFill>
+                <a:effectLst/>
+                <a:latin typeface="Courier New" panose="02070309020205020404" pitchFamily="49" charset="0"/>
+                <a:cs typeface="Courier New" panose="02070309020205020404" pitchFamily="49" charset="0"/>
+              </a:rPr>
+              <a:t>            </a:t>
+            </a:r>
+            <a:r>
+              <a:rPr kumimoji="0" lang="de-DE" altLang="de-DE" sz="1400" b="0" i="0" u="none" strike="noStrike" cap="none" normalizeH="0" baseline="0" dirty="0" err="1">
+                <a:ln>
+                  <a:noFill/>
+                </a:ln>
+                <a:solidFill>
+                  <a:srgbClr val="000000"/>
+                </a:solidFill>
+                <a:effectLst/>
+                <a:latin typeface="Courier New" panose="02070309020205020404" pitchFamily="49" charset="0"/>
+                <a:cs typeface="Courier New" panose="02070309020205020404" pitchFamily="49" charset="0"/>
+              </a:rPr>
+              <a:t>clientSentence</a:t>
+            </a:r>
+            <a:r>
+              <a:rPr kumimoji="0" lang="de-DE" altLang="de-DE" sz="1400" b="0" i="0" u="none" strike="noStrike" cap="none" normalizeH="0" baseline="0" dirty="0">
+                <a:ln>
+                  <a:noFill/>
+                </a:ln>
+                <a:solidFill>
+                  <a:srgbClr val="000000"/>
+                </a:solidFill>
+                <a:effectLst/>
+                <a:latin typeface="Courier New" panose="02070309020205020404" pitchFamily="49" charset="0"/>
+                <a:cs typeface="Courier New" panose="02070309020205020404" pitchFamily="49" charset="0"/>
+              </a:rPr>
+              <a:t> = </a:t>
+            </a:r>
+            <a:r>
+              <a:rPr kumimoji="0" lang="de-DE" altLang="de-DE" sz="1400" b="0" i="0" u="none" strike="noStrike" cap="none" normalizeH="0" baseline="0" dirty="0" err="1">
+                <a:ln>
+                  <a:noFill/>
+                </a:ln>
+                <a:solidFill>
+                  <a:srgbClr val="000000"/>
+                </a:solidFill>
+                <a:effectLst/>
+                <a:latin typeface="Courier New" panose="02070309020205020404" pitchFamily="49" charset="0"/>
+                <a:cs typeface="Courier New" panose="02070309020205020404" pitchFamily="49" charset="0"/>
+              </a:rPr>
+              <a:t>inFromClient.readLine</a:t>
+            </a:r>
+            <a:r>
+              <a:rPr kumimoji="0" lang="de-DE" altLang="de-DE" sz="1400" b="0" i="0" u="none" strike="noStrike" cap="none" normalizeH="0" baseline="0" dirty="0">
+                <a:ln>
+                  <a:noFill/>
+                </a:ln>
+                <a:solidFill>
+                  <a:srgbClr val="000000"/>
+                </a:solidFill>
+                <a:effectLst/>
+                <a:latin typeface="Courier New" panose="02070309020205020404" pitchFamily="49" charset="0"/>
+                <a:cs typeface="Courier New" panose="02070309020205020404" pitchFamily="49" charset="0"/>
+              </a:rPr>
+              <a:t>();</a:t>
+            </a:r>
+            <a:br>
+              <a:rPr kumimoji="0" lang="de-DE" altLang="de-DE" sz="1400" b="0" i="0" u="none" strike="noStrike" cap="none" normalizeH="0" baseline="0" dirty="0">
+                <a:ln>
+                  <a:noFill/>
+                </a:ln>
+                <a:solidFill>
+                  <a:srgbClr val="000000"/>
+                </a:solidFill>
+                <a:effectLst/>
+                <a:latin typeface="Courier New" panose="02070309020205020404" pitchFamily="49" charset="0"/>
+                <a:cs typeface="Courier New" panose="02070309020205020404" pitchFamily="49" charset="0"/>
+              </a:rPr>
+            </a:br>
+            <a:r>
+              <a:rPr kumimoji="0" lang="de-DE" altLang="de-DE" sz="1400" b="0" i="0" u="none" strike="noStrike" cap="none" normalizeH="0" baseline="0" dirty="0">
+                <a:ln>
+                  <a:noFill/>
+                </a:ln>
+                <a:solidFill>
+                  <a:srgbClr val="000000"/>
+                </a:solidFill>
+                <a:effectLst/>
+                <a:latin typeface="Courier New" panose="02070309020205020404" pitchFamily="49" charset="0"/>
+                <a:cs typeface="Courier New" panose="02070309020205020404" pitchFamily="49" charset="0"/>
+              </a:rPr>
+              <a:t>            </a:t>
+            </a:r>
+            <a:r>
+              <a:rPr kumimoji="0" lang="de-DE" altLang="de-DE" sz="1400" b="0" i="0" u="none" strike="noStrike" cap="none" normalizeH="0" baseline="0" dirty="0" err="1">
+                <a:ln>
+                  <a:noFill/>
+                </a:ln>
+                <a:solidFill>
+                  <a:srgbClr val="000000"/>
+                </a:solidFill>
+                <a:effectLst/>
+                <a:latin typeface="Courier New" panose="02070309020205020404" pitchFamily="49" charset="0"/>
+                <a:cs typeface="Courier New" panose="02070309020205020404" pitchFamily="49" charset="0"/>
+              </a:rPr>
+              <a:t>handleClientResponse</a:t>
+            </a:r>
+            <a:r>
+              <a:rPr kumimoji="0" lang="de-DE" altLang="de-DE" sz="1400" b="0" i="0" u="none" strike="noStrike" cap="none" normalizeH="0" baseline="0" dirty="0">
+                <a:ln>
+                  <a:noFill/>
+                </a:ln>
+                <a:solidFill>
+                  <a:srgbClr val="000000"/>
+                </a:solidFill>
+                <a:effectLst/>
+                <a:latin typeface="Courier New" panose="02070309020205020404" pitchFamily="49" charset="0"/>
+                <a:cs typeface="Courier New" panose="02070309020205020404" pitchFamily="49" charset="0"/>
+              </a:rPr>
+              <a:t>(</a:t>
+            </a:r>
+            <a:r>
+              <a:rPr kumimoji="0" lang="de-DE" altLang="de-DE" sz="1400" b="0" i="0" u="none" strike="noStrike" cap="none" normalizeH="0" baseline="0" dirty="0" err="1">
+                <a:ln>
+                  <a:noFill/>
+                </a:ln>
+                <a:solidFill>
+                  <a:srgbClr val="000000"/>
+                </a:solidFill>
+                <a:effectLst/>
+                <a:latin typeface="Courier New" panose="02070309020205020404" pitchFamily="49" charset="0"/>
+                <a:cs typeface="Courier New" panose="02070309020205020404" pitchFamily="49" charset="0"/>
+              </a:rPr>
+              <a:t>clientSentence</a:t>
+            </a:r>
+            <a:r>
+              <a:rPr kumimoji="0" lang="de-DE" altLang="de-DE" sz="1400" b="0" i="0" u="none" strike="noStrike" cap="none" normalizeH="0" baseline="0" dirty="0">
+                <a:ln>
+                  <a:noFill/>
+                </a:ln>
+                <a:solidFill>
+                  <a:srgbClr val="000000"/>
+                </a:solidFill>
+                <a:effectLst/>
+                <a:latin typeface="Courier New" panose="02070309020205020404" pitchFamily="49" charset="0"/>
+                <a:cs typeface="Courier New" panose="02070309020205020404" pitchFamily="49" charset="0"/>
+              </a:rPr>
+              <a:t>);</a:t>
+            </a:r>
+            <a:br>
+              <a:rPr kumimoji="0" lang="de-DE" altLang="de-DE" sz="1400" b="0" i="0" u="none" strike="noStrike" cap="none" normalizeH="0" baseline="0" dirty="0">
+                <a:ln>
+                  <a:noFill/>
+                </a:ln>
+                <a:solidFill>
+                  <a:srgbClr val="000000"/>
+                </a:solidFill>
+                <a:effectLst/>
+                <a:latin typeface="Courier New" panose="02070309020205020404" pitchFamily="49" charset="0"/>
+                <a:cs typeface="Courier New" panose="02070309020205020404" pitchFamily="49" charset="0"/>
+              </a:rPr>
+            </a:br>
+            <a:r>
+              <a:rPr kumimoji="0" lang="de-DE" altLang="de-DE" sz="1400" b="0" i="0" u="none" strike="noStrike" cap="none" normalizeH="0" baseline="0" dirty="0">
+                <a:ln>
+                  <a:noFill/>
+                </a:ln>
+                <a:solidFill>
+                  <a:srgbClr val="000000"/>
+                </a:solidFill>
+                <a:effectLst/>
+                <a:latin typeface="Courier New" panose="02070309020205020404" pitchFamily="49" charset="0"/>
+                <a:cs typeface="Courier New" panose="02070309020205020404" pitchFamily="49" charset="0"/>
+              </a:rPr>
+              <a:t>        } </a:t>
+            </a:r>
+            <a:r>
+              <a:rPr kumimoji="0" lang="de-DE" altLang="de-DE" sz="1400" b="1" i="0" u="none" strike="noStrike" cap="none" normalizeH="0" baseline="0" dirty="0">
+                <a:ln>
+                  <a:noFill/>
+                </a:ln>
+                <a:solidFill>
+                  <a:srgbClr val="000080"/>
+                </a:solidFill>
+                <a:effectLst/>
+                <a:latin typeface="Courier New" panose="02070309020205020404" pitchFamily="49" charset="0"/>
+                <a:cs typeface="Courier New" panose="02070309020205020404" pitchFamily="49" charset="0"/>
+              </a:rPr>
+              <a:t>catch </a:t>
+            </a:r>
+            <a:r>
+              <a:rPr kumimoji="0" lang="de-DE" altLang="de-DE" sz="1400" b="0" i="0" u="none" strike="noStrike" cap="none" normalizeH="0" baseline="0" dirty="0">
+                <a:ln>
+                  <a:noFill/>
+                </a:ln>
+                <a:solidFill>
+                  <a:srgbClr val="000000"/>
+                </a:solidFill>
+                <a:effectLst/>
+                <a:latin typeface="Courier New" panose="02070309020205020404" pitchFamily="49" charset="0"/>
+                <a:cs typeface="Courier New" panose="02070309020205020404" pitchFamily="49" charset="0"/>
+              </a:rPr>
+              <a:t>(</a:t>
+            </a:r>
+            <a:r>
+              <a:rPr kumimoji="0" lang="de-DE" altLang="de-DE" sz="1400" b="0" i="0" u="none" strike="noStrike" cap="none" normalizeH="0" baseline="0" dirty="0" err="1">
+                <a:ln>
+                  <a:noFill/>
+                </a:ln>
+                <a:solidFill>
+                  <a:srgbClr val="000000"/>
+                </a:solidFill>
+                <a:effectLst/>
+                <a:latin typeface="Courier New" panose="02070309020205020404" pitchFamily="49" charset="0"/>
+                <a:cs typeface="Courier New" panose="02070309020205020404" pitchFamily="49" charset="0"/>
+              </a:rPr>
+              <a:t>IOException</a:t>
+            </a:r>
+            <a:r>
+              <a:rPr kumimoji="0" lang="de-DE" altLang="de-DE" sz="1400" b="0" i="0" u="none" strike="noStrike" cap="none" normalizeH="0" baseline="0" dirty="0">
+                <a:ln>
+                  <a:noFill/>
+                </a:ln>
+                <a:solidFill>
+                  <a:srgbClr val="000000"/>
+                </a:solidFill>
+                <a:effectLst/>
+                <a:latin typeface="Courier New" panose="02070309020205020404" pitchFamily="49" charset="0"/>
+                <a:cs typeface="Courier New" panose="02070309020205020404" pitchFamily="49" charset="0"/>
+              </a:rPr>
+              <a:t> e) {</a:t>
+            </a:r>
+            <a:br>
+              <a:rPr kumimoji="0" lang="de-DE" altLang="de-DE" sz="1400" b="0" i="0" u="none" strike="noStrike" cap="none" normalizeH="0" baseline="0" dirty="0">
+                <a:ln>
+                  <a:noFill/>
+                </a:ln>
+                <a:solidFill>
+                  <a:srgbClr val="000000"/>
+                </a:solidFill>
+                <a:effectLst/>
+                <a:latin typeface="Courier New" panose="02070309020205020404" pitchFamily="49" charset="0"/>
+                <a:cs typeface="Courier New" panose="02070309020205020404" pitchFamily="49" charset="0"/>
+              </a:rPr>
+            </a:br>
+            <a:r>
+              <a:rPr kumimoji="0" lang="de-DE" altLang="de-DE" sz="1400" b="0" i="0" u="none" strike="noStrike" cap="none" normalizeH="0" baseline="0" dirty="0">
+                <a:ln>
+                  <a:noFill/>
+                </a:ln>
+                <a:solidFill>
+                  <a:srgbClr val="000000"/>
+                </a:solidFill>
+                <a:effectLst/>
+                <a:latin typeface="Courier New" panose="02070309020205020404" pitchFamily="49" charset="0"/>
+                <a:cs typeface="Courier New" panose="02070309020205020404" pitchFamily="49" charset="0"/>
+              </a:rPr>
+              <a:t>            </a:t>
+            </a:r>
+            <a:r>
+              <a:rPr kumimoji="0" lang="de-DE" altLang="de-DE" sz="1400" b="0" i="0" u="none" strike="noStrike" cap="none" normalizeH="0" baseline="0" dirty="0" err="1">
+                <a:ln>
+                  <a:noFill/>
+                </a:ln>
+                <a:solidFill>
+                  <a:srgbClr val="000000"/>
+                </a:solidFill>
+                <a:effectLst/>
+                <a:latin typeface="Courier New" panose="02070309020205020404" pitchFamily="49" charset="0"/>
+                <a:cs typeface="Courier New" panose="02070309020205020404" pitchFamily="49" charset="0"/>
+              </a:rPr>
+              <a:t>e.printStackTrace</a:t>
+            </a:r>
+            <a:r>
+              <a:rPr kumimoji="0" lang="de-DE" altLang="de-DE" sz="1400" b="0" i="0" u="none" strike="noStrike" cap="none" normalizeH="0" baseline="0" dirty="0">
+                <a:ln>
+                  <a:noFill/>
+                </a:ln>
+                <a:solidFill>
+                  <a:srgbClr val="000000"/>
+                </a:solidFill>
+                <a:effectLst/>
+                <a:latin typeface="Courier New" panose="02070309020205020404" pitchFamily="49" charset="0"/>
+                <a:cs typeface="Courier New" panose="02070309020205020404" pitchFamily="49" charset="0"/>
+              </a:rPr>
+              <a:t>();</a:t>
+            </a:r>
+            <a:br>
+              <a:rPr kumimoji="0" lang="de-DE" altLang="de-DE" sz="1400" b="0" i="0" u="none" strike="noStrike" cap="none" normalizeH="0" baseline="0" dirty="0">
+                <a:ln>
+                  <a:noFill/>
+                </a:ln>
+                <a:solidFill>
+                  <a:srgbClr val="000000"/>
+                </a:solidFill>
+                <a:effectLst/>
+                <a:latin typeface="Courier New" panose="02070309020205020404" pitchFamily="49" charset="0"/>
+                <a:cs typeface="Courier New" panose="02070309020205020404" pitchFamily="49" charset="0"/>
+              </a:rPr>
+            </a:br>
+            <a:r>
+              <a:rPr kumimoji="0" lang="de-DE" altLang="de-DE" sz="1400" b="0" i="0" u="none" strike="noStrike" cap="none" normalizeH="0" baseline="0" dirty="0">
+                <a:ln>
+                  <a:noFill/>
+                </a:ln>
+                <a:solidFill>
+                  <a:srgbClr val="000000"/>
+                </a:solidFill>
+                <a:effectLst/>
+                <a:latin typeface="Courier New" panose="02070309020205020404" pitchFamily="49" charset="0"/>
+                <a:cs typeface="Courier New" panose="02070309020205020404" pitchFamily="49" charset="0"/>
+              </a:rPr>
+              <a:t>        }</a:t>
+            </a:r>
+            <a:br>
+              <a:rPr kumimoji="0" lang="de-DE" altLang="de-DE" sz="1400" b="0" i="0" u="none" strike="noStrike" cap="none" normalizeH="0" baseline="0" dirty="0">
+                <a:ln>
+                  <a:noFill/>
+                </a:ln>
+                <a:solidFill>
+                  <a:srgbClr val="000000"/>
+                </a:solidFill>
+                <a:effectLst/>
+                <a:latin typeface="Courier New" panose="02070309020205020404" pitchFamily="49" charset="0"/>
+                <a:cs typeface="Courier New" panose="02070309020205020404" pitchFamily="49" charset="0"/>
+              </a:rPr>
+            </a:br>
+            <a:r>
+              <a:rPr kumimoji="0" lang="de-DE" altLang="de-DE" sz="1400" b="0" i="0" u="none" strike="noStrike" cap="none" normalizeH="0" baseline="0" dirty="0">
+                <a:ln>
+                  <a:noFill/>
+                </a:ln>
+                <a:solidFill>
+                  <a:srgbClr val="000000"/>
+                </a:solidFill>
+                <a:effectLst/>
+                <a:latin typeface="Courier New" panose="02070309020205020404" pitchFamily="49" charset="0"/>
+                <a:cs typeface="Courier New" panose="02070309020205020404" pitchFamily="49" charset="0"/>
+              </a:rPr>
+              <a:t>    }</a:t>
+            </a:r>
+            <a:br>
+              <a:rPr kumimoji="0" lang="de-DE" altLang="de-DE" sz="1400" b="0" i="0" u="none" strike="noStrike" cap="none" normalizeH="0" baseline="0" dirty="0">
+                <a:ln>
+                  <a:noFill/>
+                </a:ln>
+                <a:solidFill>
+                  <a:srgbClr val="000000"/>
+                </a:solidFill>
+                <a:effectLst/>
+                <a:latin typeface="Courier New" panose="02070309020205020404" pitchFamily="49" charset="0"/>
+                <a:cs typeface="Courier New" panose="02070309020205020404" pitchFamily="49" charset="0"/>
+              </a:rPr>
+            </a:br>
+            <a:r>
+              <a:rPr kumimoji="0" lang="de-DE" altLang="de-DE" sz="1400" b="0" i="0" u="none" strike="noStrike" cap="none" normalizeH="0" baseline="0" dirty="0">
+                <a:ln>
+                  <a:noFill/>
+                </a:ln>
+                <a:solidFill>
+                  <a:srgbClr val="000000"/>
+                </a:solidFill>
+                <a:effectLst/>
+                <a:latin typeface="Courier New" panose="02070309020205020404" pitchFamily="49" charset="0"/>
+                <a:cs typeface="Courier New" panose="02070309020205020404" pitchFamily="49" charset="0"/>
+              </a:rPr>
+              <a:t>}</a:t>
+            </a:r>
+            <a:endParaRPr kumimoji="0" lang="de-DE" altLang="de-DE" sz="1400" b="0" i="0" u="none" strike="noStrike" cap="none" normalizeH="0" baseline="0" dirty="0">
+              <a:ln>
+                <a:noFill/>
+              </a:ln>
+              <a:solidFill>
+                <a:schemeClr val="tx1"/>
+              </a:solidFill>
+              <a:effectLst/>
+              <a:latin typeface="Arial" panose="020B0604020202020204" pitchFamily="34" charset="0"/>
+            </a:endParaRPr>
+          </a:p>
+        </p:txBody>
+      </p:sp>
     </p:spTree>
     <p:extLst>
       <p:ext uri="{BB962C8B-B14F-4D97-AF65-F5344CB8AC3E}">
@@ -8371,6 +9499,1431 @@
 </file>
 
 <file path=ppt/slides/slide12.xml><?xml version="1.0" encoding="utf-8"?>
+<p:sld xmlns:a="http://schemas.openxmlformats.org/drawingml/2006/main" xmlns:r="http://schemas.openxmlformats.org/officeDocument/2006/relationships" xmlns:p="http://schemas.openxmlformats.org/presentationml/2006/main">
+  <p:cSld>
+    <p:spTree>
+      <p:nvGrpSpPr>
+        <p:cNvPr id="1" name=""/>
+        <p:cNvGrpSpPr/>
+        <p:nvPr/>
+      </p:nvGrpSpPr>
+      <p:grpSpPr>
+        <a:xfrm>
+          <a:off x="0" y="0"/>
+          <a:ext cx="0" cy="0"/>
+          <a:chOff x="0" y="0"/>
+          <a:chExt cx="0" cy="0"/>
+        </a:xfrm>
+      </p:grpSpPr>
+      <p:sp>
+        <p:nvSpPr>
+          <p:cNvPr id="2" name="Inhaltsplatzhalter 1">
+            <a:extLst>
+              <a:ext uri="{FF2B5EF4-FFF2-40B4-BE49-F238E27FC236}">
+                <a16:creationId xmlns:a16="http://schemas.microsoft.com/office/drawing/2014/main" id="{7D8FEF91-8FC3-4663-8166-1FA84242C238}"/>
+              </a:ext>
+            </a:extLst>
+          </p:cNvPr>
+          <p:cNvSpPr>
+            <a:spLocks noGrp="1"/>
+          </p:cNvSpPr>
+          <p:nvPr>
+            <p:ph idx="1"/>
+          </p:nvPr>
+        </p:nvSpPr>
+        <p:spPr/>
+        <p:txBody>
+          <a:bodyPr/>
+          <a:lstStyle/>
+          <a:p>
+            <a:pPr marL="285750" indent="-285750">
+              <a:buFontTx/>
+              <a:buChar char="-"/>
+            </a:pPr>
+            <a:r>
+              <a:rPr lang="de-DE" dirty="0"/>
+              <a:t>Just a JAR </a:t>
+            </a:r>
+            <a:r>
+              <a:rPr lang="de-DE" dirty="0" err="1"/>
+              <a:t>running</a:t>
+            </a:r>
+            <a:endParaRPr lang="de-DE" dirty="0"/>
+          </a:p>
+          <a:p>
+            <a:pPr marL="285750" indent="-285750">
+              <a:buFontTx/>
+              <a:buChar char="-"/>
+            </a:pPr>
+            <a:r>
+              <a:rPr lang="de-DE" dirty="0" err="1"/>
+              <a:t>Printing</a:t>
+            </a:r>
+            <a:r>
+              <a:rPr lang="de-DE" dirty="0"/>
+              <a:t> out </a:t>
+            </a:r>
+            <a:r>
+              <a:rPr lang="de-DE" dirty="0" err="1"/>
+              <a:t>the</a:t>
+            </a:r>
+            <a:r>
+              <a:rPr lang="de-DE" dirty="0"/>
+              <a:t> </a:t>
+            </a:r>
+            <a:r>
+              <a:rPr lang="de-DE" dirty="0" err="1"/>
+              <a:t>content</a:t>
+            </a:r>
+            <a:r>
+              <a:rPr lang="de-DE" dirty="0"/>
+              <a:t> </a:t>
+            </a:r>
+            <a:r>
+              <a:rPr lang="de-DE" dirty="0" err="1"/>
+              <a:t>of</a:t>
+            </a:r>
+            <a:r>
+              <a:rPr lang="de-DE" dirty="0"/>
+              <a:t> </a:t>
+            </a:r>
+            <a:r>
+              <a:rPr lang="de-DE" dirty="0" err="1"/>
+              <a:t>the</a:t>
+            </a:r>
+            <a:r>
+              <a:rPr lang="de-DE" dirty="0"/>
+              <a:t> TCP </a:t>
+            </a:r>
+            <a:r>
+              <a:rPr lang="de-DE" dirty="0" err="1"/>
+              <a:t>messages</a:t>
+            </a:r>
+            <a:endParaRPr lang="de-DE" dirty="0"/>
+          </a:p>
+        </p:txBody>
+      </p:sp>
+      <p:sp>
+        <p:nvSpPr>
+          <p:cNvPr id="3" name="Titel 2">
+            <a:extLst>
+              <a:ext uri="{FF2B5EF4-FFF2-40B4-BE49-F238E27FC236}">
+                <a16:creationId xmlns:a16="http://schemas.microsoft.com/office/drawing/2014/main" id="{6A8C9067-CB2D-41D3-8D1A-6A717E0B8D09}"/>
+              </a:ext>
+            </a:extLst>
+          </p:cNvPr>
+          <p:cNvSpPr>
+            <a:spLocks noGrp="1"/>
+          </p:cNvSpPr>
+          <p:nvPr>
+            <p:ph type="title"/>
+          </p:nvPr>
+        </p:nvSpPr>
+        <p:spPr>
+          <a:xfrm>
+            <a:off x="319090" y="972000"/>
+            <a:ext cx="8508999" cy="380810"/>
+          </a:xfrm>
+        </p:spPr>
+        <p:txBody>
+          <a:bodyPr/>
+          <a:lstStyle/>
+          <a:p>
+            <a:r>
+              <a:rPr lang="de-DE" dirty="0"/>
+              <a:t>TCP-Server</a:t>
+            </a:r>
+          </a:p>
+        </p:txBody>
+      </p:sp>
+      <p:sp>
+        <p:nvSpPr>
+          <p:cNvPr id="4" name="Foliennummernplatzhalter 3">
+            <a:extLst>
+              <a:ext uri="{FF2B5EF4-FFF2-40B4-BE49-F238E27FC236}">
+                <a16:creationId xmlns:a16="http://schemas.microsoft.com/office/drawing/2014/main" id="{EC20963F-5EA3-4083-AB3C-B71C842AE161}"/>
+              </a:ext>
+            </a:extLst>
+          </p:cNvPr>
+          <p:cNvSpPr>
+            <a:spLocks noGrp="1"/>
+          </p:cNvSpPr>
+          <p:nvPr>
+            <p:ph type="sldNum" sz="quarter" idx="11"/>
+          </p:nvPr>
+        </p:nvSpPr>
+        <p:spPr/>
+        <p:txBody>
+          <a:bodyPr/>
+          <a:lstStyle/>
+          <a:p>
+            <a:fld id="{CE58CB1E-F828-4F11-99E0-327109AF9DA4}" type="slidenum">
+              <a:rPr lang="de-DE" smtClean="0"/>
+              <a:pPr/>
+              <a:t>12</a:t>
+            </a:fld>
+            <a:endParaRPr lang="de-DE" dirty="0"/>
+          </a:p>
+        </p:txBody>
+      </p:sp>
+      <p:sp>
+        <p:nvSpPr>
+          <p:cNvPr id="5" name="Fußzeilenplatzhalter 4">
+            <a:extLst>
+              <a:ext uri="{FF2B5EF4-FFF2-40B4-BE49-F238E27FC236}">
+                <a16:creationId xmlns:a16="http://schemas.microsoft.com/office/drawing/2014/main" id="{8E795130-DD4F-49AD-8984-703E04C7434F}"/>
+              </a:ext>
+            </a:extLst>
+          </p:cNvPr>
+          <p:cNvSpPr>
+            <a:spLocks noGrp="1"/>
+          </p:cNvSpPr>
+          <p:nvPr>
+            <p:ph type="ftr" sz="quarter" idx="12"/>
+          </p:nvPr>
+        </p:nvSpPr>
+        <p:spPr/>
+        <p:txBody>
+          <a:bodyPr/>
+          <a:lstStyle/>
+          <a:p>
+            <a:r>
+              <a:rPr lang="de-DE"/>
+              <a:t>Dr. rer. nat. Erika Mustermann (TUM) | kann beliebig erweitert werden | Infos mit Strich trennen</a:t>
+            </a:r>
+            <a:endParaRPr lang="en-US" dirty="0"/>
+          </a:p>
+        </p:txBody>
+      </p:sp>
+      <p:sp>
+        <p:nvSpPr>
+          <p:cNvPr id="6" name="Rectangle 1">
+            <a:extLst>
+              <a:ext uri="{FF2B5EF4-FFF2-40B4-BE49-F238E27FC236}">
+                <a16:creationId xmlns:a16="http://schemas.microsoft.com/office/drawing/2014/main" id="{74C68E90-9DE6-486D-800F-F16520C2C94A}"/>
+              </a:ext>
+            </a:extLst>
+          </p:cNvPr>
+          <p:cNvSpPr>
+            <a:spLocks noChangeArrowheads="1"/>
+          </p:cNvSpPr>
+          <p:nvPr/>
+        </p:nvSpPr>
+        <p:spPr bwMode="auto">
+          <a:xfrm>
+            <a:off x="422031" y="2120913"/>
+            <a:ext cx="7058343" cy="3108543"/>
+          </a:xfrm>
+          <a:prstGeom prst="rect">
+            <a:avLst/>
+          </a:prstGeom>
+          <a:noFill/>
+          <a:ln>
+            <a:noFill/>
+          </a:ln>
+          <a:effectLst/>
+        </p:spPr>
+        <p:txBody>
+          <a:bodyPr vert="horz" wrap="none" lIns="91440" tIns="45720" rIns="91440" bIns="45720" numCol="1" anchor="ctr" anchorCtr="0" compatLnSpc="1">
+            <a:prstTxWarp prst="textNoShape">
+              <a:avLst/>
+            </a:prstTxWarp>
+            <a:spAutoFit/>
+          </a:bodyPr>
+          <a:lstStyle/>
+          <a:p>
+            <a:pPr marL="0" marR="0" lvl="0" indent="0" algn="l" defTabSz="914400" rtl="0" eaLnBrk="0" fontAlgn="base" latinLnBrk="0" hangingPunct="0">
+              <a:lnSpc>
+                <a:spcPct val="100000"/>
+              </a:lnSpc>
+              <a:spcBef>
+                <a:spcPct val="0"/>
+              </a:spcBef>
+              <a:spcAft>
+                <a:spcPct val="0"/>
+              </a:spcAft>
+              <a:buClrTx/>
+              <a:buSzTx/>
+              <a:buFontTx/>
+              <a:buNone/>
+              <a:tabLst/>
+            </a:pPr>
+            <a:r>
+              <a:rPr kumimoji="0" lang="de-DE" altLang="de-DE" sz="1400" b="1" i="0" u="none" strike="noStrike" cap="none" normalizeH="0" baseline="0" dirty="0">
+                <a:ln>
+                  <a:noFill/>
+                </a:ln>
+                <a:solidFill>
+                  <a:srgbClr val="000080"/>
+                </a:solidFill>
+                <a:effectLst/>
+                <a:latin typeface="Courier New" panose="02070309020205020404" pitchFamily="49" charset="0"/>
+                <a:cs typeface="Courier New" panose="02070309020205020404" pitchFamily="49" charset="0"/>
+              </a:rPr>
+              <a:t>private </a:t>
+            </a:r>
+            <a:r>
+              <a:rPr kumimoji="0" lang="de-DE" altLang="de-DE" sz="1400" b="1" i="0" u="none" strike="noStrike" cap="none" normalizeH="0" baseline="0" dirty="0" err="1">
+                <a:ln>
+                  <a:noFill/>
+                </a:ln>
+                <a:solidFill>
+                  <a:srgbClr val="000080"/>
+                </a:solidFill>
+                <a:effectLst/>
+                <a:latin typeface="Courier New" panose="02070309020205020404" pitchFamily="49" charset="0"/>
+                <a:cs typeface="Courier New" panose="02070309020205020404" pitchFamily="49" charset="0"/>
+              </a:rPr>
+              <a:t>void</a:t>
+            </a:r>
+            <a:r>
+              <a:rPr kumimoji="0" lang="de-DE" altLang="de-DE" sz="1400" b="1" i="0" u="none" strike="noStrike" cap="none" normalizeH="0" baseline="0" dirty="0">
+                <a:ln>
+                  <a:noFill/>
+                </a:ln>
+                <a:solidFill>
+                  <a:srgbClr val="000080"/>
+                </a:solidFill>
+                <a:effectLst/>
+                <a:latin typeface="Courier New" panose="02070309020205020404" pitchFamily="49" charset="0"/>
+                <a:cs typeface="Courier New" panose="02070309020205020404" pitchFamily="49" charset="0"/>
+              </a:rPr>
+              <a:t> </a:t>
+            </a:r>
+            <a:r>
+              <a:rPr kumimoji="0" lang="de-DE" altLang="de-DE" sz="1400" b="0" i="0" u="none" strike="noStrike" cap="none" normalizeH="0" baseline="0" dirty="0" err="1">
+                <a:ln>
+                  <a:noFill/>
+                </a:ln>
+                <a:solidFill>
+                  <a:srgbClr val="000000"/>
+                </a:solidFill>
+                <a:effectLst/>
+                <a:latin typeface="Courier New" panose="02070309020205020404" pitchFamily="49" charset="0"/>
+                <a:cs typeface="Courier New" panose="02070309020205020404" pitchFamily="49" charset="0"/>
+              </a:rPr>
+              <a:t>serve</a:t>
+            </a:r>
+            <a:r>
+              <a:rPr kumimoji="0" lang="de-DE" altLang="de-DE" sz="1400" b="0" i="0" u="none" strike="noStrike" cap="none" normalizeH="0" baseline="0" dirty="0">
+                <a:ln>
+                  <a:noFill/>
+                </a:ln>
+                <a:solidFill>
+                  <a:srgbClr val="000000"/>
+                </a:solidFill>
+                <a:effectLst/>
+                <a:latin typeface="Courier New" panose="02070309020205020404" pitchFamily="49" charset="0"/>
+                <a:cs typeface="Courier New" panose="02070309020205020404" pitchFamily="49" charset="0"/>
+              </a:rPr>
+              <a:t>() </a:t>
+            </a:r>
+            <a:r>
+              <a:rPr kumimoji="0" lang="de-DE" altLang="de-DE" sz="1400" b="1" i="0" u="none" strike="noStrike" cap="none" normalizeH="0" baseline="0" dirty="0" err="1">
+                <a:ln>
+                  <a:noFill/>
+                </a:ln>
+                <a:solidFill>
+                  <a:srgbClr val="000080"/>
+                </a:solidFill>
+                <a:effectLst/>
+                <a:latin typeface="Courier New" panose="02070309020205020404" pitchFamily="49" charset="0"/>
+                <a:cs typeface="Courier New" panose="02070309020205020404" pitchFamily="49" charset="0"/>
+              </a:rPr>
+              <a:t>throws</a:t>
+            </a:r>
+            <a:r>
+              <a:rPr kumimoji="0" lang="de-DE" altLang="de-DE" sz="1400" b="1" i="0" u="none" strike="noStrike" cap="none" normalizeH="0" baseline="0" dirty="0">
+                <a:ln>
+                  <a:noFill/>
+                </a:ln>
+                <a:solidFill>
+                  <a:srgbClr val="000080"/>
+                </a:solidFill>
+                <a:effectLst/>
+                <a:latin typeface="Courier New" panose="02070309020205020404" pitchFamily="49" charset="0"/>
+                <a:cs typeface="Courier New" panose="02070309020205020404" pitchFamily="49" charset="0"/>
+              </a:rPr>
+              <a:t> </a:t>
+            </a:r>
+            <a:r>
+              <a:rPr kumimoji="0" lang="de-DE" altLang="de-DE" sz="1400" b="0" i="0" u="none" strike="noStrike" cap="none" normalizeH="0" baseline="0" dirty="0" err="1">
+                <a:ln>
+                  <a:noFill/>
+                </a:ln>
+                <a:solidFill>
+                  <a:srgbClr val="000000"/>
+                </a:solidFill>
+                <a:effectLst/>
+                <a:latin typeface="Courier New" panose="02070309020205020404" pitchFamily="49" charset="0"/>
+                <a:cs typeface="Courier New" panose="02070309020205020404" pitchFamily="49" charset="0"/>
+              </a:rPr>
+              <a:t>IOException</a:t>
+            </a:r>
+            <a:r>
+              <a:rPr kumimoji="0" lang="de-DE" altLang="de-DE" sz="1400" b="0" i="0" u="none" strike="noStrike" cap="none" normalizeH="0" baseline="0" dirty="0">
+                <a:ln>
+                  <a:noFill/>
+                </a:ln>
+                <a:solidFill>
+                  <a:srgbClr val="000000"/>
+                </a:solidFill>
+                <a:effectLst/>
+                <a:latin typeface="Courier New" panose="02070309020205020404" pitchFamily="49" charset="0"/>
+                <a:cs typeface="Courier New" panose="02070309020205020404" pitchFamily="49" charset="0"/>
+              </a:rPr>
+              <a:t> {</a:t>
+            </a:r>
+            <a:br>
+              <a:rPr kumimoji="0" lang="de-DE" altLang="de-DE" sz="1400" b="0" i="0" u="none" strike="noStrike" cap="none" normalizeH="0" baseline="0" dirty="0">
+                <a:ln>
+                  <a:noFill/>
+                </a:ln>
+                <a:solidFill>
+                  <a:srgbClr val="000000"/>
+                </a:solidFill>
+                <a:effectLst/>
+                <a:latin typeface="Courier New" panose="02070309020205020404" pitchFamily="49" charset="0"/>
+                <a:cs typeface="Courier New" panose="02070309020205020404" pitchFamily="49" charset="0"/>
+              </a:rPr>
+            </a:br>
+            <a:r>
+              <a:rPr kumimoji="0" lang="de-DE" altLang="de-DE" sz="1400" b="0" i="0" u="none" strike="noStrike" cap="none" normalizeH="0" baseline="0" dirty="0">
+                <a:ln>
+                  <a:noFill/>
+                </a:ln>
+                <a:solidFill>
+                  <a:srgbClr val="000000"/>
+                </a:solidFill>
+                <a:effectLst/>
+                <a:latin typeface="Courier New" panose="02070309020205020404" pitchFamily="49" charset="0"/>
+                <a:cs typeface="Courier New" panose="02070309020205020404" pitchFamily="49" charset="0"/>
+              </a:rPr>
+              <a:t>    String </a:t>
+            </a:r>
+            <a:r>
+              <a:rPr kumimoji="0" lang="de-DE" altLang="de-DE" sz="1400" b="0" i="0" u="none" strike="noStrike" cap="none" normalizeH="0" baseline="0" dirty="0" err="1">
+                <a:ln>
+                  <a:noFill/>
+                </a:ln>
+                <a:solidFill>
+                  <a:srgbClr val="000000"/>
+                </a:solidFill>
+                <a:effectLst/>
+                <a:latin typeface="Courier New" panose="02070309020205020404" pitchFamily="49" charset="0"/>
+                <a:cs typeface="Courier New" panose="02070309020205020404" pitchFamily="49" charset="0"/>
+              </a:rPr>
+              <a:t>clientSentence</a:t>
+            </a:r>
+            <a:r>
+              <a:rPr kumimoji="0" lang="de-DE" altLang="de-DE" sz="1400" b="0" i="0" u="none" strike="noStrike" cap="none" normalizeH="0" baseline="0" dirty="0">
+                <a:ln>
+                  <a:noFill/>
+                </a:ln>
+                <a:solidFill>
+                  <a:srgbClr val="000000"/>
+                </a:solidFill>
+                <a:effectLst/>
+                <a:latin typeface="Courier New" panose="02070309020205020404" pitchFamily="49" charset="0"/>
+                <a:cs typeface="Courier New" panose="02070309020205020404" pitchFamily="49" charset="0"/>
+              </a:rPr>
+              <a:t>;</a:t>
+            </a:r>
+            <a:br>
+              <a:rPr kumimoji="0" lang="de-DE" altLang="de-DE" sz="1400" b="0" i="0" u="none" strike="noStrike" cap="none" normalizeH="0" baseline="0" dirty="0">
+                <a:ln>
+                  <a:noFill/>
+                </a:ln>
+                <a:solidFill>
+                  <a:srgbClr val="000000"/>
+                </a:solidFill>
+                <a:effectLst/>
+                <a:latin typeface="Courier New" panose="02070309020205020404" pitchFamily="49" charset="0"/>
+                <a:cs typeface="Courier New" panose="02070309020205020404" pitchFamily="49" charset="0"/>
+              </a:rPr>
+            </a:br>
+            <a:r>
+              <a:rPr kumimoji="0" lang="de-DE" altLang="de-DE" sz="1400" b="0" i="0" u="none" strike="noStrike" cap="none" normalizeH="0" baseline="0" dirty="0">
+                <a:ln>
+                  <a:noFill/>
+                </a:ln>
+                <a:solidFill>
+                  <a:srgbClr val="000000"/>
+                </a:solidFill>
+                <a:effectLst/>
+                <a:latin typeface="Courier New" panose="02070309020205020404" pitchFamily="49" charset="0"/>
+                <a:cs typeface="Courier New" panose="02070309020205020404" pitchFamily="49" charset="0"/>
+              </a:rPr>
+              <a:t>    </a:t>
+            </a:r>
+            <a:r>
+              <a:rPr kumimoji="0" lang="de-DE" altLang="de-DE" sz="1400" b="0" i="0" u="none" strike="noStrike" cap="none" normalizeH="0" baseline="0" dirty="0" err="1">
+                <a:ln>
+                  <a:noFill/>
+                </a:ln>
+                <a:solidFill>
+                  <a:srgbClr val="000000"/>
+                </a:solidFill>
+                <a:effectLst/>
+                <a:latin typeface="Courier New" panose="02070309020205020404" pitchFamily="49" charset="0"/>
+                <a:cs typeface="Courier New" panose="02070309020205020404" pitchFamily="49" charset="0"/>
+              </a:rPr>
+              <a:t>ServerSocket</a:t>
+            </a:r>
+            <a:r>
+              <a:rPr kumimoji="0" lang="de-DE" altLang="de-DE" sz="1400" b="0" i="0" u="none" strike="noStrike" cap="none" normalizeH="0" baseline="0" dirty="0">
+                <a:ln>
+                  <a:noFill/>
+                </a:ln>
+                <a:solidFill>
+                  <a:srgbClr val="000000"/>
+                </a:solidFill>
+                <a:effectLst/>
+                <a:latin typeface="Courier New" panose="02070309020205020404" pitchFamily="49" charset="0"/>
+                <a:cs typeface="Courier New" panose="02070309020205020404" pitchFamily="49" charset="0"/>
+              </a:rPr>
+              <a:t> </a:t>
+            </a:r>
+            <a:r>
+              <a:rPr kumimoji="0" lang="de-DE" altLang="de-DE" sz="1400" b="0" i="0" u="none" strike="noStrike" cap="none" normalizeH="0" baseline="0" dirty="0" err="1">
+                <a:ln>
+                  <a:noFill/>
+                </a:ln>
+                <a:solidFill>
+                  <a:srgbClr val="000000"/>
+                </a:solidFill>
+                <a:effectLst/>
+                <a:latin typeface="Courier New" panose="02070309020205020404" pitchFamily="49" charset="0"/>
+                <a:cs typeface="Courier New" panose="02070309020205020404" pitchFamily="49" charset="0"/>
+              </a:rPr>
+              <a:t>welcomeSocket</a:t>
+            </a:r>
+            <a:r>
+              <a:rPr kumimoji="0" lang="de-DE" altLang="de-DE" sz="1400" b="0" i="0" u="none" strike="noStrike" cap="none" normalizeH="0" baseline="0" dirty="0">
+                <a:ln>
+                  <a:noFill/>
+                </a:ln>
+                <a:solidFill>
+                  <a:srgbClr val="000000"/>
+                </a:solidFill>
+                <a:effectLst/>
+                <a:latin typeface="Courier New" panose="02070309020205020404" pitchFamily="49" charset="0"/>
+                <a:cs typeface="Courier New" panose="02070309020205020404" pitchFamily="49" charset="0"/>
+              </a:rPr>
+              <a:t> = </a:t>
+            </a:r>
+            <a:r>
+              <a:rPr kumimoji="0" lang="de-DE" altLang="de-DE" sz="1400" b="1" i="0" u="none" strike="noStrike" cap="none" normalizeH="0" baseline="0" dirty="0" err="1">
+                <a:ln>
+                  <a:noFill/>
+                </a:ln>
+                <a:solidFill>
+                  <a:srgbClr val="000080"/>
+                </a:solidFill>
+                <a:effectLst/>
+                <a:latin typeface="Courier New" panose="02070309020205020404" pitchFamily="49" charset="0"/>
+                <a:cs typeface="Courier New" panose="02070309020205020404" pitchFamily="49" charset="0"/>
+              </a:rPr>
+              <a:t>new</a:t>
+            </a:r>
+            <a:r>
+              <a:rPr kumimoji="0" lang="de-DE" altLang="de-DE" sz="1400" b="1" i="0" u="none" strike="noStrike" cap="none" normalizeH="0" baseline="0" dirty="0">
+                <a:ln>
+                  <a:noFill/>
+                </a:ln>
+                <a:solidFill>
+                  <a:srgbClr val="000080"/>
+                </a:solidFill>
+                <a:effectLst/>
+                <a:latin typeface="Courier New" panose="02070309020205020404" pitchFamily="49" charset="0"/>
+                <a:cs typeface="Courier New" panose="02070309020205020404" pitchFamily="49" charset="0"/>
+              </a:rPr>
+              <a:t> </a:t>
+            </a:r>
+            <a:r>
+              <a:rPr kumimoji="0" lang="de-DE" altLang="de-DE" sz="1400" b="0" i="0" u="none" strike="noStrike" cap="none" normalizeH="0" baseline="0" dirty="0" err="1">
+                <a:ln>
+                  <a:noFill/>
+                </a:ln>
+                <a:solidFill>
+                  <a:srgbClr val="000000"/>
+                </a:solidFill>
+                <a:effectLst/>
+                <a:latin typeface="Courier New" panose="02070309020205020404" pitchFamily="49" charset="0"/>
+                <a:cs typeface="Courier New" panose="02070309020205020404" pitchFamily="49" charset="0"/>
+              </a:rPr>
+              <a:t>ServerSocket</a:t>
+            </a:r>
+            <a:r>
+              <a:rPr kumimoji="0" lang="de-DE" altLang="de-DE" sz="1400" b="0" i="0" u="none" strike="noStrike" cap="none" normalizeH="0" baseline="0" dirty="0">
+                <a:ln>
+                  <a:noFill/>
+                </a:ln>
+                <a:solidFill>
+                  <a:srgbClr val="000000"/>
+                </a:solidFill>
+                <a:effectLst/>
+                <a:latin typeface="Courier New" panose="02070309020205020404" pitchFamily="49" charset="0"/>
+                <a:cs typeface="Courier New" panose="02070309020205020404" pitchFamily="49" charset="0"/>
+              </a:rPr>
+              <a:t>(</a:t>
+            </a:r>
+            <a:r>
+              <a:rPr kumimoji="0" lang="de-DE" altLang="de-DE" sz="1400" b="1" i="0" u="none" strike="noStrike" cap="none" normalizeH="0" baseline="0" dirty="0" err="1">
+                <a:ln>
+                  <a:noFill/>
+                </a:ln>
+                <a:solidFill>
+                  <a:srgbClr val="660E7A"/>
+                </a:solidFill>
+                <a:effectLst/>
+                <a:latin typeface="Courier New" panose="02070309020205020404" pitchFamily="49" charset="0"/>
+                <a:cs typeface="Courier New" panose="02070309020205020404" pitchFamily="49" charset="0"/>
+              </a:rPr>
+              <a:t>port</a:t>
+            </a:r>
+            <a:r>
+              <a:rPr kumimoji="0" lang="de-DE" altLang="de-DE" sz="1400" b="0" i="0" u="none" strike="noStrike" cap="none" normalizeH="0" baseline="0" dirty="0">
+                <a:ln>
+                  <a:noFill/>
+                </a:ln>
+                <a:solidFill>
+                  <a:srgbClr val="000000"/>
+                </a:solidFill>
+                <a:effectLst/>
+                <a:latin typeface="Courier New" panose="02070309020205020404" pitchFamily="49" charset="0"/>
+                <a:cs typeface="Courier New" panose="02070309020205020404" pitchFamily="49" charset="0"/>
+              </a:rPr>
+              <a:t>);</a:t>
+            </a:r>
+            <a:br>
+              <a:rPr kumimoji="0" lang="de-DE" altLang="de-DE" sz="1400" b="0" i="0" u="none" strike="noStrike" cap="none" normalizeH="0" baseline="0" dirty="0">
+                <a:ln>
+                  <a:noFill/>
+                </a:ln>
+                <a:solidFill>
+                  <a:srgbClr val="000000"/>
+                </a:solidFill>
+                <a:effectLst/>
+                <a:latin typeface="Courier New" panose="02070309020205020404" pitchFamily="49" charset="0"/>
+                <a:cs typeface="Courier New" panose="02070309020205020404" pitchFamily="49" charset="0"/>
+              </a:rPr>
+            </a:br>
+            <a:r>
+              <a:rPr kumimoji="0" lang="de-DE" altLang="de-DE" sz="1400" b="0" i="0" u="none" strike="noStrike" cap="none" normalizeH="0" baseline="0" dirty="0">
+                <a:ln>
+                  <a:noFill/>
+                </a:ln>
+                <a:solidFill>
+                  <a:srgbClr val="000000"/>
+                </a:solidFill>
+                <a:effectLst/>
+                <a:latin typeface="Courier New" panose="02070309020205020404" pitchFamily="49" charset="0"/>
+                <a:cs typeface="Courier New" panose="02070309020205020404" pitchFamily="49" charset="0"/>
+              </a:rPr>
+              <a:t>    </a:t>
+            </a:r>
+            <a:r>
+              <a:rPr kumimoji="0" lang="de-DE" altLang="de-DE" sz="1400" b="1" i="0" u="none" strike="noStrike" cap="none" normalizeH="0" baseline="0" dirty="0" err="1">
+                <a:ln>
+                  <a:noFill/>
+                </a:ln>
+                <a:solidFill>
+                  <a:srgbClr val="000080"/>
+                </a:solidFill>
+                <a:effectLst/>
+                <a:latin typeface="Courier New" panose="02070309020205020404" pitchFamily="49" charset="0"/>
+                <a:cs typeface="Courier New" panose="02070309020205020404" pitchFamily="49" charset="0"/>
+              </a:rPr>
+              <a:t>while</a:t>
+            </a:r>
+            <a:r>
+              <a:rPr kumimoji="0" lang="de-DE" altLang="de-DE" sz="1400" b="1" i="0" u="none" strike="noStrike" cap="none" normalizeH="0" baseline="0" dirty="0">
+                <a:ln>
+                  <a:noFill/>
+                </a:ln>
+                <a:solidFill>
+                  <a:srgbClr val="000080"/>
+                </a:solidFill>
+                <a:effectLst/>
+                <a:latin typeface="Courier New" panose="02070309020205020404" pitchFamily="49" charset="0"/>
+                <a:cs typeface="Courier New" panose="02070309020205020404" pitchFamily="49" charset="0"/>
+              </a:rPr>
+              <a:t> </a:t>
+            </a:r>
+            <a:r>
+              <a:rPr kumimoji="0" lang="de-DE" altLang="de-DE" sz="1400" b="0" i="0" u="none" strike="noStrike" cap="none" normalizeH="0" baseline="0" dirty="0">
+                <a:ln>
+                  <a:noFill/>
+                </a:ln>
+                <a:solidFill>
+                  <a:srgbClr val="000000"/>
+                </a:solidFill>
+                <a:effectLst/>
+                <a:latin typeface="Courier New" panose="02070309020205020404" pitchFamily="49" charset="0"/>
+                <a:cs typeface="Courier New" panose="02070309020205020404" pitchFamily="49" charset="0"/>
+              </a:rPr>
+              <a:t>(</a:t>
+            </a:r>
+            <a:r>
+              <a:rPr kumimoji="0" lang="de-DE" altLang="de-DE" sz="1400" b="1" i="0" u="none" strike="noStrike" cap="none" normalizeH="0" baseline="0" dirty="0" err="1">
+                <a:ln>
+                  <a:noFill/>
+                </a:ln>
+                <a:solidFill>
+                  <a:srgbClr val="000080"/>
+                </a:solidFill>
+                <a:effectLst/>
+                <a:latin typeface="Courier New" panose="02070309020205020404" pitchFamily="49" charset="0"/>
+                <a:cs typeface="Courier New" panose="02070309020205020404" pitchFamily="49" charset="0"/>
+              </a:rPr>
+              <a:t>true</a:t>
+            </a:r>
+            <a:r>
+              <a:rPr kumimoji="0" lang="de-DE" altLang="de-DE" sz="1400" b="0" i="0" u="none" strike="noStrike" cap="none" normalizeH="0" baseline="0" dirty="0">
+                <a:ln>
+                  <a:noFill/>
+                </a:ln>
+                <a:solidFill>
+                  <a:srgbClr val="000000"/>
+                </a:solidFill>
+                <a:effectLst/>
+                <a:latin typeface="Courier New" panose="02070309020205020404" pitchFamily="49" charset="0"/>
+                <a:cs typeface="Courier New" panose="02070309020205020404" pitchFamily="49" charset="0"/>
+              </a:rPr>
+              <a:t>) {</a:t>
+            </a:r>
+            <a:br>
+              <a:rPr kumimoji="0" lang="de-DE" altLang="de-DE" sz="1400" b="0" i="0" u="none" strike="noStrike" cap="none" normalizeH="0" baseline="0" dirty="0">
+                <a:ln>
+                  <a:noFill/>
+                </a:ln>
+                <a:solidFill>
+                  <a:srgbClr val="000000"/>
+                </a:solidFill>
+                <a:effectLst/>
+                <a:latin typeface="Courier New" panose="02070309020205020404" pitchFamily="49" charset="0"/>
+                <a:cs typeface="Courier New" panose="02070309020205020404" pitchFamily="49" charset="0"/>
+              </a:rPr>
+            </a:br>
+            <a:r>
+              <a:rPr kumimoji="0" lang="de-DE" altLang="de-DE" sz="1400" b="0" i="0" u="none" strike="noStrike" cap="none" normalizeH="0" baseline="0" dirty="0">
+                <a:ln>
+                  <a:noFill/>
+                </a:ln>
+                <a:solidFill>
+                  <a:srgbClr val="000000"/>
+                </a:solidFill>
+                <a:effectLst/>
+                <a:latin typeface="Courier New" panose="02070309020205020404" pitchFamily="49" charset="0"/>
+                <a:cs typeface="Courier New" panose="02070309020205020404" pitchFamily="49" charset="0"/>
+              </a:rPr>
+              <a:t>        </a:t>
+            </a:r>
+            <a:r>
+              <a:rPr kumimoji="0" lang="de-DE" altLang="de-DE" sz="1400" b="1" i="0" u="none" strike="noStrike" cap="none" normalizeH="0" baseline="0" dirty="0" err="1">
+                <a:ln>
+                  <a:noFill/>
+                </a:ln>
+                <a:solidFill>
+                  <a:srgbClr val="000080"/>
+                </a:solidFill>
+                <a:effectLst/>
+                <a:latin typeface="Courier New" panose="02070309020205020404" pitchFamily="49" charset="0"/>
+                <a:cs typeface="Courier New" panose="02070309020205020404" pitchFamily="49" charset="0"/>
+              </a:rPr>
+              <a:t>try</a:t>
+            </a:r>
+            <a:r>
+              <a:rPr kumimoji="0" lang="de-DE" altLang="de-DE" sz="1400" b="1" i="0" u="none" strike="noStrike" cap="none" normalizeH="0" baseline="0" dirty="0">
+                <a:ln>
+                  <a:noFill/>
+                </a:ln>
+                <a:solidFill>
+                  <a:srgbClr val="000080"/>
+                </a:solidFill>
+                <a:effectLst/>
+                <a:latin typeface="Courier New" panose="02070309020205020404" pitchFamily="49" charset="0"/>
+                <a:cs typeface="Courier New" panose="02070309020205020404" pitchFamily="49" charset="0"/>
+              </a:rPr>
+              <a:t> </a:t>
+            </a:r>
+            <a:r>
+              <a:rPr kumimoji="0" lang="de-DE" altLang="de-DE" sz="1400" b="0" i="0" u="none" strike="noStrike" cap="none" normalizeH="0" baseline="0" dirty="0">
+                <a:ln>
+                  <a:noFill/>
+                </a:ln>
+                <a:solidFill>
+                  <a:srgbClr val="000000"/>
+                </a:solidFill>
+                <a:effectLst/>
+                <a:latin typeface="Courier New" panose="02070309020205020404" pitchFamily="49" charset="0"/>
+                <a:cs typeface="Courier New" panose="02070309020205020404" pitchFamily="49" charset="0"/>
+              </a:rPr>
+              <a:t>{</a:t>
+            </a:r>
+            <a:br>
+              <a:rPr kumimoji="0" lang="de-DE" altLang="de-DE" sz="1400" b="0" i="0" u="none" strike="noStrike" cap="none" normalizeH="0" baseline="0" dirty="0">
+                <a:ln>
+                  <a:noFill/>
+                </a:ln>
+                <a:solidFill>
+                  <a:srgbClr val="000000"/>
+                </a:solidFill>
+                <a:effectLst/>
+                <a:latin typeface="Courier New" panose="02070309020205020404" pitchFamily="49" charset="0"/>
+                <a:cs typeface="Courier New" panose="02070309020205020404" pitchFamily="49" charset="0"/>
+              </a:rPr>
+            </a:br>
+            <a:r>
+              <a:rPr kumimoji="0" lang="de-DE" altLang="de-DE" sz="1400" b="0" i="0" u="none" strike="noStrike" cap="none" normalizeH="0" baseline="0" dirty="0">
+                <a:ln>
+                  <a:noFill/>
+                </a:ln>
+                <a:solidFill>
+                  <a:srgbClr val="000000"/>
+                </a:solidFill>
+                <a:effectLst/>
+                <a:latin typeface="Courier New" panose="02070309020205020404" pitchFamily="49" charset="0"/>
+                <a:cs typeface="Courier New" panose="02070309020205020404" pitchFamily="49" charset="0"/>
+              </a:rPr>
+              <a:t>            Socket </a:t>
+            </a:r>
+            <a:r>
+              <a:rPr kumimoji="0" lang="de-DE" altLang="de-DE" sz="1400" b="0" i="0" u="none" strike="noStrike" cap="none" normalizeH="0" baseline="0" dirty="0" err="1">
+                <a:ln>
+                  <a:noFill/>
+                </a:ln>
+                <a:solidFill>
+                  <a:srgbClr val="000000"/>
+                </a:solidFill>
+                <a:effectLst/>
+                <a:latin typeface="Courier New" panose="02070309020205020404" pitchFamily="49" charset="0"/>
+                <a:cs typeface="Courier New" panose="02070309020205020404" pitchFamily="49" charset="0"/>
+              </a:rPr>
+              <a:t>connectionSocket</a:t>
+            </a:r>
+            <a:r>
+              <a:rPr kumimoji="0" lang="de-DE" altLang="de-DE" sz="1400" b="0" i="0" u="none" strike="noStrike" cap="none" normalizeH="0" baseline="0" dirty="0">
+                <a:ln>
+                  <a:noFill/>
+                </a:ln>
+                <a:solidFill>
+                  <a:srgbClr val="000000"/>
+                </a:solidFill>
+                <a:effectLst/>
+                <a:latin typeface="Courier New" panose="02070309020205020404" pitchFamily="49" charset="0"/>
+                <a:cs typeface="Courier New" panose="02070309020205020404" pitchFamily="49" charset="0"/>
+              </a:rPr>
+              <a:t> = </a:t>
+            </a:r>
+            <a:r>
+              <a:rPr kumimoji="0" lang="de-DE" altLang="de-DE" sz="1400" b="0" i="0" u="none" strike="noStrike" cap="none" normalizeH="0" baseline="0" dirty="0" err="1">
+                <a:ln>
+                  <a:noFill/>
+                </a:ln>
+                <a:solidFill>
+                  <a:srgbClr val="000000"/>
+                </a:solidFill>
+                <a:effectLst/>
+                <a:latin typeface="Courier New" panose="02070309020205020404" pitchFamily="49" charset="0"/>
+                <a:cs typeface="Courier New" panose="02070309020205020404" pitchFamily="49" charset="0"/>
+              </a:rPr>
+              <a:t>welcomeSocket.accept</a:t>
+            </a:r>
+            <a:r>
+              <a:rPr kumimoji="0" lang="de-DE" altLang="de-DE" sz="1400" b="0" i="0" u="none" strike="noStrike" cap="none" normalizeH="0" baseline="0" dirty="0">
+                <a:ln>
+                  <a:noFill/>
+                </a:ln>
+                <a:solidFill>
+                  <a:srgbClr val="000000"/>
+                </a:solidFill>
+                <a:effectLst/>
+                <a:latin typeface="Courier New" panose="02070309020205020404" pitchFamily="49" charset="0"/>
+                <a:cs typeface="Courier New" panose="02070309020205020404" pitchFamily="49" charset="0"/>
+              </a:rPr>
+              <a:t>();</a:t>
+            </a:r>
+            <a:br>
+              <a:rPr kumimoji="0" lang="de-DE" altLang="de-DE" sz="1400" b="0" i="0" u="none" strike="noStrike" cap="none" normalizeH="0" baseline="0" dirty="0">
+                <a:ln>
+                  <a:noFill/>
+                </a:ln>
+                <a:solidFill>
+                  <a:srgbClr val="000000"/>
+                </a:solidFill>
+                <a:effectLst/>
+                <a:latin typeface="Courier New" panose="02070309020205020404" pitchFamily="49" charset="0"/>
+                <a:cs typeface="Courier New" panose="02070309020205020404" pitchFamily="49" charset="0"/>
+              </a:rPr>
+            </a:br>
+            <a:r>
+              <a:rPr kumimoji="0" lang="de-DE" altLang="de-DE" sz="1400" b="0" i="0" u="none" strike="noStrike" cap="none" normalizeH="0" baseline="0" dirty="0">
+                <a:ln>
+                  <a:noFill/>
+                </a:ln>
+                <a:solidFill>
+                  <a:srgbClr val="000000"/>
+                </a:solidFill>
+                <a:effectLst/>
+                <a:latin typeface="Courier New" panose="02070309020205020404" pitchFamily="49" charset="0"/>
+                <a:cs typeface="Courier New" panose="02070309020205020404" pitchFamily="49" charset="0"/>
+              </a:rPr>
+              <a:t>            </a:t>
+            </a:r>
+            <a:r>
+              <a:rPr kumimoji="0" lang="de-DE" altLang="de-DE" sz="1400" b="0" i="0" u="none" strike="noStrike" cap="none" normalizeH="0" baseline="0" dirty="0" err="1">
+                <a:ln>
+                  <a:noFill/>
+                </a:ln>
+                <a:solidFill>
+                  <a:srgbClr val="000000"/>
+                </a:solidFill>
+                <a:effectLst/>
+                <a:latin typeface="Courier New" panose="02070309020205020404" pitchFamily="49" charset="0"/>
+                <a:cs typeface="Courier New" panose="02070309020205020404" pitchFamily="49" charset="0"/>
+              </a:rPr>
+              <a:t>BufferedReader</a:t>
+            </a:r>
+            <a:r>
+              <a:rPr kumimoji="0" lang="de-DE" altLang="de-DE" sz="1400" b="0" i="0" u="none" strike="noStrike" cap="none" normalizeH="0" baseline="0" dirty="0">
+                <a:ln>
+                  <a:noFill/>
+                </a:ln>
+                <a:solidFill>
+                  <a:srgbClr val="000000"/>
+                </a:solidFill>
+                <a:effectLst/>
+                <a:latin typeface="Courier New" panose="02070309020205020404" pitchFamily="49" charset="0"/>
+                <a:cs typeface="Courier New" panose="02070309020205020404" pitchFamily="49" charset="0"/>
+              </a:rPr>
+              <a:t> </a:t>
+            </a:r>
+            <a:r>
+              <a:rPr kumimoji="0" lang="de-DE" altLang="de-DE" sz="1400" b="0" i="0" u="none" strike="noStrike" cap="none" normalizeH="0" baseline="0" dirty="0" err="1">
+                <a:ln>
+                  <a:noFill/>
+                </a:ln>
+                <a:solidFill>
+                  <a:srgbClr val="000000"/>
+                </a:solidFill>
+                <a:effectLst/>
+                <a:latin typeface="Courier New" panose="02070309020205020404" pitchFamily="49" charset="0"/>
+                <a:cs typeface="Courier New" panose="02070309020205020404" pitchFamily="49" charset="0"/>
+              </a:rPr>
+              <a:t>inFromClient</a:t>
+            </a:r>
+            <a:r>
+              <a:rPr kumimoji="0" lang="de-DE" altLang="de-DE" sz="1400" b="0" i="0" u="none" strike="noStrike" cap="none" normalizeH="0" baseline="0" dirty="0">
+                <a:ln>
+                  <a:noFill/>
+                </a:ln>
+                <a:solidFill>
+                  <a:srgbClr val="000000"/>
+                </a:solidFill>
+                <a:effectLst/>
+                <a:latin typeface="Courier New" panose="02070309020205020404" pitchFamily="49" charset="0"/>
+                <a:cs typeface="Courier New" panose="02070309020205020404" pitchFamily="49" charset="0"/>
+              </a:rPr>
+              <a:t> = </a:t>
+            </a:r>
+            <a:r>
+              <a:rPr kumimoji="0" lang="de-DE" altLang="de-DE" sz="1400" b="1" i="0" u="none" strike="noStrike" cap="none" normalizeH="0" baseline="0" dirty="0" err="1">
+                <a:ln>
+                  <a:noFill/>
+                </a:ln>
+                <a:solidFill>
+                  <a:srgbClr val="000080"/>
+                </a:solidFill>
+                <a:effectLst/>
+                <a:latin typeface="Courier New" panose="02070309020205020404" pitchFamily="49" charset="0"/>
+                <a:cs typeface="Courier New" panose="02070309020205020404" pitchFamily="49" charset="0"/>
+              </a:rPr>
+              <a:t>new</a:t>
+            </a:r>
+            <a:r>
+              <a:rPr kumimoji="0" lang="de-DE" altLang="de-DE" sz="1400" b="1" i="0" u="none" strike="noStrike" cap="none" normalizeH="0" baseline="0" dirty="0">
+                <a:ln>
+                  <a:noFill/>
+                </a:ln>
+                <a:solidFill>
+                  <a:srgbClr val="000080"/>
+                </a:solidFill>
+                <a:effectLst/>
+                <a:latin typeface="Courier New" panose="02070309020205020404" pitchFamily="49" charset="0"/>
+                <a:cs typeface="Courier New" panose="02070309020205020404" pitchFamily="49" charset="0"/>
+              </a:rPr>
+              <a:t> </a:t>
+            </a:r>
+            <a:r>
+              <a:rPr kumimoji="0" lang="de-DE" altLang="de-DE" sz="1400" b="0" i="0" u="none" strike="noStrike" cap="none" normalizeH="0" baseline="0" dirty="0" err="1">
+                <a:ln>
+                  <a:noFill/>
+                </a:ln>
+                <a:solidFill>
+                  <a:srgbClr val="000000"/>
+                </a:solidFill>
+                <a:effectLst/>
+                <a:latin typeface="Courier New" panose="02070309020205020404" pitchFamily="49" charset="0"/>
+                <a:cs typeface="Courier New" panose="02070309020205020404" pitchFamily="49" charset="0"/>
+              </a:rPr>
+              <a:t>BufferedReader</a:t>
+            </a:r>
+            <a:r>
+              <a:rPr kumimoji="0" lang="de-DE" altLang="de-DE" sz="1400" b="0" i="0" u="none" strike="noStrike" cap="none" normalizeH="0" baseline="0" dirty="0">
+                <a:ln>
+                  <a:noFill/>
+                </a:ln>
+                <a:solidFill>
+                  <a:srgbClr val="000000"/>
+                </a:solidFill>
+                <a:effectLst/>
+                <a:latin typeface="Courier New" panose="02070309020205020404" pitchFamily="49" charset="0"/>
+                <a:cs typeface="Courier New" panose="02070309020205020404" pitchFamily="49" charset="0"/>
+              </a:rPr>
+              <a:t>(</a:t>
+            </a:r>
+            <a:r>
+              <a:rPr kumimoji="0" lang="de-DE" altLang="de-DE" sz="1400" b="1" i="0" u="none" strike="noStrike" cap="none" normalizeH="0" baseline="0" dirty="0">
+                <a:ln>
+                  <a:noFill/>
+                </a:ln>
+                <a:solidFill>
+                  <a:srgbClr val="000080"/>
+                </a:solidFill>
+                <a:effectLst/>
+                <a:latin typeface="Courier New" panose="02070309020205020404" pitchFamily="49" charset="0"/>
+                <a:cs typeface="Courier New" panose="02070309020205020404" pitchFamily="49" charset="0"/>
+              </a:rPr>
+              <a:t>…</a:t>
+            </a:r>
+            <a:r>
+              <a:rPr kumimoji="0" lang="de-DE" altLang="de-DE" sz="1400" b="0" i="0" u="none" strike="noStrike" cap="none" normalizeH="0" baseline="0" dirty="0">
+                <a:ln>
+                  <a:noFill/>
+                </a:ln>
+                <a:solidFill>
+                  <a:srgbClr val="000000"/>
+                </a:solidFill>
+                <a:effectLst/>
+                <a:latin typeface="Courier New" panose="02070309020205020404" pitchFamily="49" charset="0"/>
+                <a:cs typeface="Courier New" panose="02070309020205020404" pitchFamily="49" charset="0"/>
+              </a:rPr>
+              <a:t>);</a:t>
+            </a:r>
+            <a:br>
+              <a:rPr kumimoji="0" lang="de-DE" altLang="de-DE" sz="1400" b="0" i="0" u="none" strike="noStrike" cap="none" normalizeH="0" baseline="0" dirty="0">
+                <a:ln>
+                  <a:noFill/>
+                </a:ln>
+                <a:solidFill>
+                  <a:srgbClr val="000000"/>
+                </a:solidFill>
+                <a:effectLst/>
+                <a:latin typeface="Courier New" panose="02070309020205020404" pitchFamily="49" charset="0"/>
+                <a:cs typeface="Courier New" panose="02070309020205020404" pitchFamily="49" charset="0"/>
+              </a:rPr>
+            </a:br>
+            <a:r>
+              <a:rPr kumimoji="0" lang="de-DE" altLang="de-DE" sz="1400" b="0" i="0" u="none" strike="noStrike" cap="none" normalizeH="0" baseline="0" dirty="0">
+                <a:ln>
+                  <a:noFill/>
+                </a:ln>
+                <a:solidFill>
+                  <a:srgbClr val="000000"/>
+                </a:solidFill>
+                <a:effectLst/>
+                <a:latin typeface="Courier New" panose="02070309020205020404" pitchFamily="49" charset="0"/>
+                <a:cs typeface="Courier New" panose="02070309020205020404" pitchFamily="49" charset="0"/>
+              </a:rPr>
+              <a:t>            </a:t>
+            </a:r>
+            <a:r>
+              <a:rPr kumimoji="0" lang="de-DE" altLang="de-DE" sz="1400" b="0" i="0" u="none" strike="noStrike" cap="none" normalizeH="0" baseline="0" dirty="0" err="1">
+                <a:ln>
+                  <a:noFill/>
+                </a:ln>
+                <a:solidFill>
+                  <a:srgbClr val="000000"/>
+                </a:solidFill>
+                <a:effectLst/>
+                <a:latin typeface="Courier New" panose="02070309020205020404" pitchFamily="49" charset="0"/>
+                <a:cs typeface="Courier New" panose="02070309020205020404" pitchFamily="49" charset="0"/>
+              </a:rPr>
+              <a:t>clientSentence</a:t>
+            </a:r>
+            <a:r>
+              <a:rPr kumimoji="0" lang="de-DE" altLang="de-DE" sz="1400" b="0" i="0" u="none" strike="noStrike" cap="none" normalizeH="0" baseline="0" dirty="0">
+                <a:ln>
+                  <a:noFill/>
+                </a:ln>
+                <a:solidFill>
+                  <a:srgbClr val="000000"/>
+                </a:solidFill>
+                <a:effectLst/>
+                <a:latin typeface="Courier New" panose="02070309020205020404" pitchFamily="49" charset="0"/>
+                <a:cs typeface="Courier New" panose="02070309020205020404" pitchFamily="49" charset="0"/>
+              </a:rPr>
+              <a:t> = </a:t>
+            </a:r>
+            <a:r>
+              <a:rPr kumimoji="0" lang="de-DE" altLang="de-DE" sz="1400" b="0" i="0" u="none" strike="noStrike" cap="none" normalizeH="0" baseline="0" dirty="0" err="1">
+                <a:ln>
+                  <a:noFill/>
+                </a:ln>
+                <a:solidFill>
+                  <a:srgbClr val="000000"/>
+                </a:solidFill>
+                <a:effectLst/>
+                <a:latin typeface="Courier New" panose="02070309020205020404" pitchFamily="49" charset="0"/>
+                <a:cs typeface="Courier New" panose="02070309020205020404" pitchFamily="49" charset="0"/>
+              </a:rPr>
+              <a:t>inFromClient.readLine</a:t>
+            </a:r>
+            <a:r>
+              <a:rPr kumimoji="0" lang="de-DE" altLang="de-DE" sz="1400" b="0" i="0" u="none" strike="noStrike" cap="none" normalizeH="0" baseline="0" dirty="0">
+                <a:ln>
+                  <a:noFill/>
+                </a:ln>
+                <a:solidFill>
+                  <a:srgbClr val="000000"/>
+                </a:solidFill>
+                <a:effectLst/>
+                <a:latin typeface="Courier New" panose="02070309020205020404" pitchFamily="49" charset="0"/>
+                <a:cs typeface="Courier New" panose="02070309020205020404" pitchFamily="49" charset="0"/>
+              </a:rPr>
+              <a:t>();</a:t>
+            </a:r>
+            <a:br>
+              <a:rPr kumimoji="0" lang="de-DE" altLang="de-DE" sz="1400" b="0" i="0" u="none" strike="noStrike" cap="none" normalizeH="0" baseline="0" dirty="0">
+                <a:ln>
+                  <a:noFill/>
+                </a:ln>
+                <a:solidFill>
+                  <a:srgbClr val="000000"/>
+                </a:solidFill>
+                <a:effectLst/>
+                <a:latin typeface="Courier New" panose="02070309020205020404" pitchFamily="49" charset="0"/>
+                <a:cs typeface="Courier New" panose="02070309020205020404" pitchFamily="49" charset="0"/>
+              </a:rPr>
+            </a:br>
+            <a:r>
+              <a:rPr kumimoji="0" lang="de-DE" altLang="de-DE" sz="1400" b="0" i="0" u="none" strike="noStrike" cap="none" normalizeH="0" baseline="0" dirty="0">
+                <a:ln>
+                  <a:noFill/>
+                </a:ln>
+                <a:solidFill>
+                  <a:srgbClr val="000000"/>
+                </a:solidFill>
+                <a:effectLst/>
+                <a:latin typeface="Courier New" panose="02070309020205020404" pitchFamily="49" charset="0"/>
+                <a:cs typeface="Courier New" panose="02070309020205020404" pitchFamily="49" charset="0"/>
+              </a:rPr>
+              <a:t>            </a:t>
+            </a:r>
+            <a:r>
+              <a:rPr kumimoji="0" lang="de-DE" altLang="de-DE" sz="1400" b="0" i="0" u="none" strike="noStrike" cap="none" normalizeH="0" baseline="0" dirty="0" err="1">
+                <a:ln>
+                  <a:noFill/>
+                </a:ln>
+                <a:solidFill>
+                  <a:srgbClr val="000000"/>
+                </a:solidFill>
+                <a:effectLst/>
+                <a:latin typeface="Courier New" panose="02070309020205020404" pitchFamily="49" charset="0"/>
+                <a:cs typeface="Courier New" panose="02070309020205020404" pitchFamily="49" charset="0"/>
+              </a:rPr>
+              <a:t>handleClientResponse</a:t>
+            </a:r>
+            <a:r>
+              <a:rPr kumimoji="0" lang="de-DE" altLang="de-DE" sz="1400" b="0" i="0" u="none" strike="noStrike" cap="none" normalizeH="0" baseline="0" dirty="0">
+                <a:ln>
+                  <a:noFill/>
+                </a:ln>
+                <a:solidFill>
+                  <a:srgbClr val="000000"/>
+                </a:solidFill>
+                <a:effectLst/>
+                <a:latin typeface="Courier New" panose="02070309020205020404" pitchFamily="49" charset="0"/>
+                <a:cs typeface="Courier New" panose="02070309020205020404" pitchFamily="49" charset="0"/>
+              </a:rPr>
+              <a:t>(</a:t>
+            </a:r>
+            <a:r>
+              <a:rPr kumimoji="0" lang="de-DE" altLang="de-DE" sz="1400" b="0" i="0" u="none" strike="noStrike" cap="none" normalizeH="0" baseline="0" dirty="0" err="1">
+                <a:ln>
+                  <a:noFill/>
+                </a:ln>
+                <a:solidFill>
+                  <a:srgbClr val="000000"/>
+                </a:solidFill>
+                <a:effectLst/>
+                <a:latin typeface="Courier New" panose="02070309020205020404" pitchFamily="49" charset="0"/>
+                <a:cs typeface="Courier New" panose="02070309020205020404" pitchFamily="49" charset="0"/>
+              </a:rPr>
+              <a:t>clientSentence</a:t>
+            </a:r>
+            <a:r>
+              <a:rPr kumimoji="0" lang="de-DE" altLang="de-DE" sz="1400" b="0" i="0" u="none" strike="noStrike" cap="none" normalizeH="0" baseline="0" dirty="0">
+                <a:ln>
+                  <a:noFill/>
+                </a:ln>
+                <a:solidFill>
+                  <a:srgbClr val="000000"/>
+                </a:solidFill>
+                <a:effectLst/>
+                <a:latin typeface="Courier New" panose="02070309020205020404" pitchFamily="49" charset="0"/>
+                <a:cs typeface="Courier New" panose="02070309020205020404" pitchFamily="49" charset="0"/>
+              </a:rPr>
+              <a:t>);</a:t>
+            </a:r>
+            <a:br>
+              <a:rPr kumimoji="0" lang="de-DE" altLang="de-DE" sz="1400" b="0" i="0" u="none" strike="noStrike" cap="none" normalizeH="0" baseline="0" dirty="0">
+                <a:ln>
+                  <a:noFill/>
+                </a:ln>
+                <a:solidFill>
+                  <a:srgbClr val="000000"/>
+                </a:solidFill>
+                <a:effectLst/>
+                <a:latin typeface="Courier New" panose="02070309020205020404" pitchFamily="49" charset="0"/>
+                <a:cs typeface="Courier New" panose="02070309020205020404" pitchFamily="49" charset="0"/>
+              </a:rPr>
+            </a:br>
+            <a:r>
+              <a:rPr kumimoji="0" lang="de-DE" altLang="de-DE" sz="1400" b="0" i="0" u="none" strike="noStrike" cap="none" normalizeH="0" baseline="0" dirty="0">
+                <a:ln>
+                  <a:noFill/>
+                </a:ln>
+                <a:solidFill>
+                  <a:srgbClr val="000000"/>
+                </a:solidFill>
+                <a:effectLst/>
+                <a:latin typeface="Courier New" panose="02070309020205020404" pitchFamily="49" charset="0"/>
+                <a:cs typeface="Courier New" panose="02070309020205020404" pitchFamily="49" charset="0"/>
+              </a:rPr>
+              <a:t>        } </a:t>
+            </a:r>
+            <a:r>
+              <a:rPr kumimoji="0" lang="de-DE" altLang="de-DE" sz="1400" b="1" i="0" u="none" strike="noStrike" cap="none" normalizeH="0" baseline="0" dirty="0">
+                <a:ln>
+                  <a:noFill/>
+                </a:ln>
+                <a:solidFill>
+                  <a:srgbClr val="000080"/>
+                </a:solidFill>
+                <a:effectLst/>
+                <a:latin typeface="Courier New" panose="02070309020205020404" pitchFamily="49" charset="0"/>
+                <a:cs typeface="Courier New" panose="02070309020205020404" pitchFamily="49" charset="0"/>
+              </a:rPr>
+              <a:t>catch </a:t>
+            </a:r>
+            <a:r>
+              <a:rPr kumimoji="0" lang="de-DE" altLang="de-DE" sz="1400" b="0" i="0" u="none" strike="noStrike" cap="none" normalizeH="0" baseline="0" dirty="0">
+                <a:ln>
+                  <a:noFill/>
+                </a:ln>
+                <a:solidFill>
+                  <a:srgbClr val="000000"/>
+                </a:solidFill>
+                <a:effectLst/>
+                <a:latin typeface="Courier New" panose="02070309020205020404" pitchFamily="49" charset="0"/>
+                <a:cs typeface="Courier New" panose="02070309020205020404" pitchFamily="49" charset="0"/>
+              </a:rPr>
+              <a:t>(</a:t>
+            </a:r>
+            <a:r>
+              <a:rPr kumimoji="0" lang="de-DE" altLang="de-DE" sz="1400" b="0" i="0" u="none" strike="noStrike" cap="none" normalizeH="0" baseline="0" dirty="0" err="1">
+                <a:ln>
+                  <a:noFill/>
+                </a:ln>
+                <a:solidFill>
+                  <a:srgbClr val="000000"/>
+                </a:solidFill>
+                <a:effectLst/>
+                <a:latin typeface="Courier New" panose="02070309020205020404" pitchFamily="49" charset="0"/>
+                <a:cs typeface="Courier New" panose="02070309020205020404" pitchFamily="49" charset="0"/>
+              </a:rPr>
+              <a:t>IOException</a:t>
+            </a:r>
+            <a:r>
+              <a:rPr kumimoji="0" lang="de-DE" altLang="de-DE" sz="1400" b="0" i="0" u="none" strike="noStrike" cap="none" normalizeH="0" baseline="0" dirty="0">
+                <a:ln>
+                  <a:noFill/>
+                </a:ln>
+                <a:solidFill>
+                  <a:srgbClr val="000000"/>
+                </a:solidFill>
+                <a:effectLst/>
+                <a:latin typeface="Courier New" panose="02070309020205020404" pitchFamily="49" charset="0"/>
+                <a:cs typeface="Courier New" panose="02070309020205020404" pitchFamily="49" charset="0"/>
+              </a:rPr>
+              <a:t> e) {</a:t>
+            </a:r>
+            <a:br>
+              <a:rPr kumimoji="0" lang="de-DE" altLang="de-DE" sz="1400" b="0" i="0" u="none" strike="noStrike" cap="none" normalizeH="0" baseline="0" dirty="0">
+                <a:ln>
+                  <a:noFill/>
+                </a:ln>
+                <a:solidFill>
+                  <a:srgbClr val="000000"/>
+                </a:solidFill>
+                <a:effectLst/>
+                <a:latin typeface="Courier New" panose="02070309020205020404" pitchFamily="49" charset="0"/>
+                <a:cs typeface="Courier New" panose="02070309020205020404" pitchFamily="49" charset="0"/>
+              </a:rPr>
+            </a:br>
+            <a:r>
+              <a:rPr kumimoji="0" lang="de-DE" altLang="de-DE" sz="1400" b="0" i="0" u="none" strike="noStrike" cap="none" normalizeH="0" baseline="0" dirty="0">
+                <a:ln>
+                  <a:noFill/>
+                </a:ln>
+                <a:solidFill>
+                  <a:srgbClr val="000000"/>
+                </a:solidFill>
+                <a:effectLst/>
+                <a:latin typeface="Courier New" panose="02070309020205020404" pitchFamily="49" charset="0"/>
+                <a:cs typeface="Courier New" panose="02070309020205020404" pitchFamily="49" charset="0"/>
+              </a:rPr>
+              <a:t>            </a:t>
+            </a:r>
+            <a:r>
+              <a:rPr kumimoji="0" lang="de-DE" altLang="de-DE" sz="1400" b="0" i="0" u="none" strike="noStrike" cap="none" normalizeH="0" baseline="0" dirty="0" err="1">
+                <a:ln>
+                  <a:noFill/>
+                </a:ln>
+                <a:solidFill>
+                  <a:srgbClr val="000000"/>
+                </a:solidFill>
+                <a:effectLst/>
+                <a:latin typeface="Courier New" panose="02070309020205020404" pitchFamily="49" charset="0"/>
+                <a:cs typeface="Courier New" panose="02070309020205020404" pitchFamily="49" charset="0"/>
+              </a:rPr>
+              <a:t>e.printStackTrace</a:t>
+            </a:r>
+            <a:r>
+              <a:rPr kumimoji="0" lang="de-DE" altLang="de-DE" sz="1400" b="0" i="0" u="none" strike="noStrike" cap="none" normalizeH="0" baseline="0" dirty="0">
+                <a:ln>
+                  <a:noFill/>
+                </a:ln>
+                <a:solidFill>
+                  <a:srgbClr val="000000"/>
+                </a:solidFill>
+                <a:effectLst/>
+                <a:latin typeface="Courier New" panose="02070309020205020404" pitchFamily="49" charset="0"/>
+                <a:cs typeface="Courier New" panose="02070309020205020404" pitchFamily="49" charset="0"/>
+              </a:rPr>
+              <a:t>();</a:t>
+            </a:r>
+            <a:br>
+              <a:rPr kumimoji="0" lang="de-DE" altLang="de-DE" sz="1400" b="0" i="0" u="none" strike="noStrike" cap="none" normalizeH="0" baseline="0" dirty="0">
+                <a:ln>
+                  <a:noFill/>
+                </a:ln>
+                <a:solidFill>
+                  <a:srgbClr val="000000"/>
+                </a:solidFill>
+                <a:effectLst/>
+                <a:latin typeface="Courier New" panose="02070309020205020404" pitchFamily="49" charset="0"/>
+                <a:cs typeface="Courier New" panose="02070309020205020404" pitchFamily="49" charset="0"/>
+              </a:rPr>
+            </a:br>
+            <a:r>
+              <a:rPr kumimoji="0" lang="de-DE" altLang="de-DE" sz="1400" b="0" i="0" u="none" strike="noStrike" cap="none" normalizeH="0" baseline="0" dirty="0">
+                <a:ln>
+                  <a:noFill/>
+                </a:ln>
+                <a:solidFill>
+                  <a:srgbClr val="000000"/>
+                </a:solidFill>
+                <a:effectLst/>
+                <a:latin typeface="Courier New" panose="02070309020205020404" pitchFamily="49" charset="0"/>
+                <a:cs typeface="Courier New" panose="02070309020205020404" pitchFamily="49" charset="0"/>
+              </a:rPr>
+              <a:t>        }</a:t>
+            </a:r>
+            <a:br>
+              <a:rPr kumimoji="0" lang="de-DE" altLang="de-DE" sz="1400" b="0" i="0" u="none" strike="noStrike" cap="none" normalizeH="0" baseline="0" dirty="0">
+                <a:ln>
+                  <a:noFill/>
+                </a:ln>
+                <a:solidFill>
+                  <a:srgbClr val="000000"/>
+                </a:solidFill>
+                <a:effectLst/>
+                <a:latin typeface="Courier New" panose="02070309020205020404" pitchFamily="49" charset="0"/>
+                <a:cs typeface="Courier New" panose="02070309020205020404" pitchFamily="49" charset="0"/>
+              </a:rPr>
+            </a:br>
+            <a:r>
+              <a:rPr kumimoji="0" lang="de-DE" altLang="de-DE" sz="1400" b="0" i="0" u="none" strike="noStrike" cap="none" normalizeH="0" baseline="0" dirty="0">
+                <a:ln>
+                  <a:noFill/>
+                </a:ln>
+                <a:solidFill>
+                  <a:srgbClr val="000000"/>
+                </a:solidFill>
+                <a:effectLst/>
+                <a:latin typeface="Courier New" panose="02070309020205020404" pitchFamily="49" charset="0"/>
+                <a:cs typeface="Courier New" panose="02070309020205020404" pitchFamily="49" charset="0"/>
+              </a:rPr>
+              <a:t>    }</a:t>
+            </a:r>
+            <a:br>
+              <a:rPr kumimoji="0" lang="de-DE" altLang="de-DE" sz="1400" b="0" i="0" u="none" strike="noStrike" cap="none" normalizeH="0" baseline="0" dirty="0">
+                <a:ln>
+                  <a:noFill/>
+                </a:ln>
+                <a:solidFill>
+                  <a:srgbClr val="000000"/>
+                </a:solidFill>
+                <a:effectLst/>
+                <a:latin typeface="Courier New" panose="02070309020205020404" pitchFamily="49" charset="0"/>
+                <a:cs typeface="Courier New" panose="02070309020205020404" pitchFamily="49" charset="0"/>
+              </a:rPr>
+            </a:br>
+            <a:r>
+              <a:rPr kumimoji="0" lang="de-DE" altLang="de-DE" sz="1400" b="0" i="0" u="none" strike="noStrike" cap="none" normalizeH="0" baseline="0" dirty="0">
+                <a:ln>
+                  <a:noFill/>
+                </a:ln>
+                <a:solidFill>
+                  <a:srgbClr val="000000"/>
+                </a:solidFill>
+                <a:effectLst/>
+                <a:latin typeface="Courier New" panose="02070309020205020404" pitchFamily="49" charset="0"/>
+                <a:cs typeface="Courier New" panose="02070309020205020404" pitchFamily="49" charset="0"/>
+              </a:rPr>
+              <a:t>}</a:t>
+            </a:r>
+            <a:endParaRPr kumimoji="0" lang="de-DE" altLang="de-DE" sz="1400" b="0" i="0" u="none" strike="noStrike" cap="none" normalizeH="0" baseline="0" dirty="0">
+              <a:ln>
+                <a:noFill/>
+              </a:ln>
+              <a:solidFill>
+                <a:schemeClr val="tx1"/>
+              </a:solidFill>
+              <a:effectLst/>
+              <a:latin typeface="Arial" panose="020B0604020202020204" pitchFamily="34" charset="0"/>
+            </a:endParaRPr>
+          </a:p>
+        </p:txBody>
+      </p:sp>
+    </p:spTree>
+    <p:extLst>
+      <p:ext uri="{BB962C8B-B14F-4D97-AF65-F5344CB8AC3E}">
+        <p14:creationId xmlns:p14="http://schemas.microsoft.com/office/powerpoint/2010/main" val="1458178871"/>
+      </p:ext>
+    </p:extLst>
+  </p:cSld>
+  <p:clrMapOvr>
+    <a:masterClrMapping/>
+  </p:clrMapOvr>
+</p:sld>
+</file>
+
+<file path=ppt/slides/slide13.xml><?xml version="1.0" encoding="utf-8"?>
 <p:sld xmlns:a="http://schemas.openxmlformats.org/drawingml/2006/main" xmlns:r="http://schemas.openxmlformats.org/officeDocument/2006/relationships" xmlns:p="http://schemas.openxmlformats.org/presentationml/2006/main">
   <p:cSld>
     <p:spTree>
@@ -8461,7 +11014,7 @@
             <a:fld id="{CE58CB1E-F828-4F11-99E0-327109AF9DA4}" type="slidenum">
               <a:rPr lang="de-DE" smtClean="0"/>
               <a:pPr/>
-              <a:t>12</a:t>
+              <a:t>13</a:t>
             </a:fld>
             <a:endParaRPr lang="de-DE" dirty="0"/>
           </a:p>
@@ -10059,7 +12612,7 @@
 </p:sld>
 </file>
 
-<file path=ppt/slides/slide13.xml><?xml version="1.0" encoding="utf-8"?>
+<file path=ppt/slides/slide14.xml><?xml version="1.0" encoding="utf-8"?>
 <p:sld xmlns:a="http://schemas.openxmlformats.org/drawingml/2006/main" xmlns:r="http://schemas.openxmlformats.org/officeDocument/2006/relationships" xmlns:p="http://schemas.openxmlformats.org/presentationml/2006/main">
   <p:cSld>
     <p:spTree>
@@ -10150,7 +12703,7 @@
             <a:fld id="{CE58CB1E-F828-4F11-99E0-327109AF9DA4}" type="slidenum">
               <a:rPr lang="de-DE" smtClean="0"/>
               <a:pPr/>
-              <a:t>13</a:t>
+              <a:t>14</a:t>
             </a:fld>
             <a:endParaRPr lang="de-DE" dirty="0"/>
           </a:p>
@@ -10871,1195 +13424,6 @@
     <p:extLst>
       <p:ext uri="{BB962C8B-B14F-4D97-AF65-F5344CB8AC3E}">
         <p14:creationId xmlns:p14="http://schemas.microsoft.com/office/powerpoint/2010/main" val="2298089275"/>
-      </p:ext>
-    </p:extLst>
-  </p:cSld>
-  <p:clrMapOvr>
-    <a:masterClrMapping/>
-  </p:clrMapOvr>
-</p:sld>
-</file>
-
-<file path=ppt/slides/slide14.xml><?xml version="1.0" encoding="utf-8"?>
-<p:sld xmlns:a="http://schemas.openxmlformats.org/drawingml/2006/main" xmlns:r="http://schemas.openxmlformats.org/officeDocument/2006/relationships" xmlns:p="http://schemas.openxmlformats.org/presentationml/2006/main">
-  <p:cSld>
-    <p:spTree>
-      <p:nvGrpSpPr>
-        <p:cNvPr id="1" name=""/>
-        <p:cNvGrpSpPr/>
-        <p:nvPr/>
-      </p:nvGrpSpPr>
-      <p:grpSpPr>
-        <a:xfrm>
-          <a:off x="0" y="0"/>
-          <a:ext cx="0" cy="0"/>
-          <a:chOff x="0" y="0"/>
-          <a:chExt cx="0" cy="0"/>
-        </a:xfrm>
-      </p:grpSpPr>
-      <p:sp>
-        <p:nvSpPr>
-          <p:cNvPr id="3" name="Titel 2">
-            <a:extLst>
-              <a:ext uri="{FF2B5EF4-FFF2-40B4-BE49-F238E27FC236}">
-                <a16:creationId xmlns:a16="http://schemas.microsoft.com/office/drawing/2014/main" id="{C9761345-266B-446C-BCF4-BC7D5B7F0993}"/>
-              </a:ext>
-            </a:extLst>
-          </p:cNvPr>
-          <p:cNvSpPr>
-            <a:spLocks noGrp="1"/>
-          </p:cNvSpPr>
-          <p:nvPr>
-            <p:ph type="title"/>
-          </p:nvPr>
-        </p:nvSpPr>
-        <p:spPr>
-          <a:xfrm>
-            <a:off x="319090" y="972000"/>
-            <a:ext cx="8508999" cy="380810"/>
-          </a:xfrm>
-        </p:spPr>
-        <p:txBody>
-          <a:bodyPr/>
-          <a:lstStyle/>
-          <a:p>
-            <a:r>
-              <a:rPr lang="de-DE" dirty="0" err="1"/>
-              <a:t>Tabely</a:t>
-            </a:r>
-            <a:r>
-              <a:rPr lang="de-DE" dirty="0"/>
-              <a:t> – </a:t>
-            </a:r>
-            <a:r>
-              <a:rPr lang="de-DE" dirty="0" err="1"/>
-              <a:t>Exploiting</a:t>
-            </a:r>
-            <a:r>
-              <a:rPr lang="de-DE" dirty="0"/>
-              <a:t> Data</a:t>
-            </a:r>
-          </a:p>
-        </p:txBody>
-      </p:sp>
-      <p:sp>
-        <p:nvSpPr>
-          <p:cNvPr id="4" name="Foliennummernplatzhalter 3">
-            <a:extLst>
-              <a:ext uri="{FF2B5EF4-FFF2-40B4-BE49-F238E27FC236}">
-                <a16:creationId xmlns:a16="http://schemas.microsoft.com/office/drawing/2014/main" id="{0998DFB3-80B4-45A9-8E74-53F6F5911A09}"/>
-              </a:ext>
-            </a:extLst>
-          </p:cNvPr>
-          <p:cNvSpPr>
-            <a:spLocks noGrp="1"/>
-          </p:cNvSpPr>
-          <p:nvPr>
-            <p:ph type="sldNum" sz="quarter" idx="11"/>
-          </p:nvPr>
-        </p:nvSpPr>
-        <p:spPr/>
-        <p:txBody>
-          <a:bodyPr/>
-          <a:lstStyle/>
-          <a:p>
-            <a:fld id="{CE58CB1E-F828-4F11-99E0-327109AF9DA4}" type="slidenum">
-              <a:rPr lang="de-DE" smtClean="0"/>
-              <a:pPr/>
-              <a:t>14</a:t>
-            </a:fld>
-            <a:endParaRPr lang="de-DE" dirty="0"/>
-          </a:p>
-        </p:txBody>
-      </p:sp>
-      <p:sp>
-        <p:nvSpPr>
-          <p:cNvPr id="5" name="Fußzeilenplatzhalter 4">
-            <a:extLst>
-              <a:ext uri="{FF2B5EF4-FFF2-40B4-BE49-F238E27FC236}">
-                <a16:creationId xmlns:a16="http://schemas.microsoft.com/office/drawing/2014/main" id="{0BEC78D0-47F2-42C6-B258-2F8F13277B27}"/>
-              </a:ext>
-            </a:extLst>
-          </p:cNvPr>
-          <p:cNvSpPr>
-            <a:spLocks noGrp="1"/>
-          </p:cNvSpPr>
-          <p:nvPr>
-            <p:ph type="ftr" sz="quarter" idx="12"/>
-          </p:nvPr>
-        </p:nvSpPr>
-        <p:spPr/>
-        <p:txBody>
-          <a:bodyPr/>
-          <a:lstStyle/>
-          <a:p>
-            <a:r>
-              <a:rPr lang="de-DE"/>
-              <a:t>Dr. rer. nat. Erika Mustermann (TUM) | kann beliebig erweitert werden | Infos mit Strich trennen</a:t>
-            </a:r>
-            <a:endParaRPr lang="en-US" dirty="0"/>
-          </a:p>
-        </p:txBody>
-      </p:sp>
-      <p:sp>
-        <p:nvSpPr>
-          <p:cNvPr id="6" name="Rectangle 1">
-            <a:extLst>
-              <a:ext uri="{FF2B5EF4-FFF2-40B4-BE49-F238E27FC236}">
-                <a16:creationId xmlns:a16="http://schemas.microsoft.com/office/drawing/2014/main" id="{75493466-0A5D-4E88-8C96-28FA4BC3A146}"/>
-              </a:ext>
-            </a:extLst>
-          </p:cNvPr>
-          <p:cNvSpPr>
-            <a:spLocks noGrp="1" noChangeArrowheads="1"/>
-          </p:cNvSpPr>
-          <p:nvPr>
-            <p:ph idx="1"/>
-          </p:nvPr>
-        </p:nvSpPr>
-        <p:spPr bwMode="auto">
-          <a:xfrm>
-            <a:off x="319090" y="1701462"/>
-            <a:ext cx="8454559" cy="2893100"/>
-          </a:xfrm>
-          <a:prstGeom prst="rect">
-            <a:avLst/>
-          </a:prstGeom>
-          <a:solidFill>
-            <a:srgbClr val="FFFFFF"/>
-          </a:solidFill>
-          <a:ln>
-            <a:noFill/>
-          </a:ln>
-          <a:effectLst/>
-          <a:extLst>
-            <a:ext uri="{91240B29-F687-4F45-9708-019B960494DF}">
-              <a14:hiddenLine xmlns:a14="http://schemas.microsoft.com/office/drawing/2010/main" w="9525">
-                <a:solidFill>
-                  <a:schemeClr val="tx1"/>
-                </a:solidFill>
-                <a:miter lim="800000"/>
-                <a:headEnd/>
-                <a:tailEnd/>
-              </a14:hiddenLine>
-            </a:ext>
-            <a:ext uri="{AF507438-7753-43E0-B8FC-AC1667EBCBE1}">
-              <a14:hiddenEffects xmlns:a14="http://schemas.microsoft.com/office/drawing/2010/main">
-                <a:effectLst>
-                  <a:outerShdw dist="35921" dir="2700000" algn="ctr" rotWithShape="0">
-                    <a:schemeClr val="bg2"/>
-                  </a:outerShdw>
-                </a:effectLst>
-              </a14:hiddenEffects>
-            </a:ext>
-          </a:extLst>
-        </p:spPr>
-        <p:txBody>
-          <a:bodyPr vert="horz" wrap="none" lIns="91440" tIns="45720" rIns="91440" bIns="45720" numCol="1" anchor="ctr" anchorCtr="0" compatLnSpc="1">
-            <a:prstTxWarp prst="textNoShape">
-              <a:avLst/>
-            </a:prstTxWarp>
-            <a:spAutoFit/>
-          </a:bodyPr>
-          <a:lstStyle/>
-          <a:p>
-            <a:pPr marL="0" marR="0" lvl="0" indent="0" algn="l" defTabSz="914400" rtl="0" eaLnBrk="0" fontAlgn="base" latinLnBrk="0" hangingPunct="0">
-              <a:lnSpc>
-                <a:spcPct val="100000"/>
-              </a:lnSpc>
-              <a:spcBef>
-                <a:spcPct val="0"/>
-              </a:spcBef>
-              <a:spcAft>
-                <a:spcPct val="0"/>
-              </a:spcAft>
-              <a:buClrTx/>
-              <a:buSzTx/>
-              <a:buFontTx/>
-              <a:buNone/>
-              <a:tabLst/>
-            </a:pPr>
-            <a:r>
-              <a:rPr kumimoji="0" lang="de-DE" altLang="de-DE" b="1" i="0" u="none" strike="noStrike" cap="none" normalizeH="0" baseline="0" dirty="0" err="1">
-                <a:ln>
-                  <a:noFill/>
-                </a:ln>
-                <a:solidFill>
-                  <a:srgbClr val="000080"/>
-                </a:solidFill>
-                <a:effectLst/>
-                <a:latin typeface="Courier New" panose="02070309020205020404" pitchFamily="49" charset="0"/>
-                <a:cs typeface="Courier New" panose="02070309020205020404" pitchFamily="49" charset="0"/>
-              </a:rPr>
-              <a:t>public</a:t>
-            </a:r>
-            <a:r>
-              <a:rPr kumimoji="0" lang="de-DE" altLang="de-DE" b="1" i="0" u="none" strike="noStrike" cap="none" normalizeH="0" baseline="0" dirty="0">
-                <a:ln>
-                  <a:noFill/>
-                </a:ln>
-                <a:solidFill>
-                  <a:srgbClr val="000080"/>
-                </a:solidFill>
-                <a:effectLst/>
-                <a:latin typeface="Courier New" panose="02070309020205020404" pitchFamily="49" charset="0"/>
-                <a:cs typeface="Courier New" panose="02070309020205020404" pitchFamily="49" charset="0"/>
-              </a:rPr>
-              <a:t> </a:t>
-            </a:r>
-            <a:r>
-              <a:rPr kumimoji="0" lang="de-DE" altLang="de-DE" b="1" i="0" u="none" strike="noStrike" cap="none" normalizeH="0" baseline="0" dirty="0" err="1">
-                <a:ln>
-                  <a:noFill/>
-                </a:ln>
-                <a:solidFill>
-                  <a:srgbClr val="000080"/>
-                </a:solidFill>
-                <a:effectLst/>
-                <a:latin typeface="Courier New" panose="02070309020205020404" pitchFamily="49" charset="0"/>
-                <a:cs typeface="Courier New" panose="02070309020205020404" pitchFamily="49" charset="0"/>
-              </a:rPr>
-              <a:t>void</a:t>
-            </a:r>
-            <a:r>
-              <a:rPr kumimoji="0" lang="de-DE" altLang="de-DE" b="1" i="0" u="none" strike="noStrike" cap="none" normalizeH="0" baseline="0" dirty="0">
-                <a:ln>
-                  <a:noFill/>
-                </a:ln>
-                <a:solidFill>
-                  <a:srgbClr val="000080"/>
-                </a:solidFill>
-                <a:effectLst/>
-                <a:latin typeface="Courier New" panose="02070309020205020404" pitchFamily="49" charset="0"/>
-                <a:cs typeface="Courier New" panose="02070309020205020404" pitchFamily="49" charset="0"/>
-              </a:rPr>
-              <a:t> </a:t>
-            </a:r>
-            <a:r>
-              <a:rPr kumimoji="0" lang="de-DE" altLang="de-DE" b="0" i="0" u="none" strike="noStrike" cap="none" normalizeH="0" baseline="0" dirty="0" err="1">
-                <a:ln>
-                  <a:noFill/>
-                </a:ln>
-                <a:solidFill>
-                  <a:srgbClr val="000000"/>
-                </a:solidFill>
-                <a:effectLst/>
-                <a:latin typeface="Courier New" panose="02070309020205020404" pitchFamily="49" charset="0"/>
-                <a:cs typeface="Courier New" panose="02070309020205020404" pitchFamily="49" charset="0"/>
-              </a:rPr>
-              <a:t>performAttack</a:t>
-            </a:r>
-            <a:r>
-              <a:rPr kumimoji="0" lang="de-DE" altLang="de-DE" b="0" i="0" u="none" strike="noStrike" cap="none" normalizeH="0" baseline="0" dirty="0">
-                <a:ln>
-                  <a:noFill/>
-                </a:ln>
-                <a:solidFill>
-                  <a:srgbClr val="000000"/>
-                </a:solidFill>
-                <a:effectLst/>
-                <a:latin typeface="Courier New" panose="02070309020205020404" pitchFamily="49" charset="0"/>
-                <a:cs typeface="Courier New" panose="02070309020205020404" pitchFamily="49" charset="0"/>
-              </a:rPr>
-              <a:t>() {</a:t>
-            </a:r>
-            <a:br>
-              <a:rPr kumimoji="0" lang="de-DE" altLang="de-DE" b="0" i="0" u="none" strike="noStrike" cap="none" normalizeH="0" baseline="0" dirty="0">
-                <a:ln>
-                  <a:noFill/>
-                </a:ln>
-                <a:solidFill>
-                  <a:srgbClr val="000000"/>
-                </a:solidFill>
-                <a:effectLst/>
-                <a:latin typeface="Courier New" panose="02070309020205020404" pitchFamily="49" charset="0"/>
-                <a:cs typeface="Courier New" panose="02070309020205020404" pitchFamily="49" charset="0"/>
-              </a:rPr>
-            </a:br>
-            <a:br>
-              <a:rPr kumimoji="0" lang="de-DE" altLang="de-DE" b="0" i="0" u="none" strike="noStrike" cap="none" normalizeH="0" baseline="0" dirty="0">
-                <a:ln>
-                  <a:noFill/>
-                </a:ln>
-                <a:solidFill>
-                  <a:srgbClr val="000000"/>
-                </a:solidFill>
-                <a:effectLst/>
-                <a:latin typeface="Courier New" panose="02070309020205020404" pitchFamily="49" charset="0"/>
-                <a:cs typeface="Courier New" panose="02070309020205020404" pitchFamily="49" charset="0"/>
-              </a:rPr>
-            </a:br>
-            <a:r>
-              <a:rPr kumimoji="0" lang="de-DE" altLang="de-DE" b="0" i="0" u="none" strike="noStrike" cap="none" normalizeH="0" baseline="0" dirty="0">
-                <a:ln>
-                  <a:noFill/>
-                </a:ln>
-                <a:solidFill>
-                  <a:srgbClr val="000000"/>
-                </a:solidFill>
-                <a:effectLst/>
-                <a:latin typeface="Courier New" panose="02070309020205020404" pitchFamily="49" charset="0"/>
-                <a:cs typeface="Courier New" panose="02070309020205020404" pitchFamily="49" charset="0"/>
-              </a:rPr>
-              <a:t>    </a:t>
-            </a:r>
-            <a:r>
-              <a:rPr kumimoji="0" lang="de-DE" altLang="de-DE" b="0" i="1" u="none" strike="noStrike" cap="none" normalizeH="0" baseline="0" dirty="0">
-                <a:ln>
-                  <a:noFill/>
-                </a:ln>
-                <a:solidFill>
-                  <a:srgbClr val="808080"/>
-                </a:solidFill>
-                <a:effectLst/>
-                <a:latin typeface="Courier New" panose="02070309020205020404" pitchFamily="49" charset="0"/>
-                <a:cs typeface="Courier New" panose="02070309020205020404" pitchFamily="49" charset="0"/>
-              </a:rPr>
-              <a:t>//</a:t>
-            </a:r>
-            <a:r>
-              <a:rPr kumimoji="0" lang="de-DE" altLang="de-DE" b="0" i="1" u="none" strike="noStrike" cap="none" normalizeH="0" baseline="0" dirty="0" err="1">
-                <a:ln>
-                  <a:noFill/>
-                </a:ln>
-                <a:solidFill>
-                  <a:srgbClr val="808080"/>
-                </a:solidFill>
-                <a:effectLst/>
-                <a:latin typeface="Courier New" panose="02070309020205020404" pitchFamily="49" charset="0"/>
-                <a:cs typeface="Courier New" panose="02070309020205020404" pitchFamily="49" charset="0"/>
-              </a:rPr>
-              <a:t>Contacts</a:t>
-            </a:r>
-            <a:br>
-              <a:rPr kumimoji="0" lang="de-DE" altLang="de-DE" b="0" i="1" u="none" strike="noStrike" cap="none" normalizeH="0" baseline="0" dirty="0">
-                <a:ln>
-                  <a:noFill/>
-                </a:ln>
-                <a:solidFill>
-                  <a:srgbClr val="808080"/>
-                </a:solidFill>
-                <a:effectLst/>
-                <a:latin typeface="Courier New" panose="02070309020205020404" pitchFamily="49" charset="0"/>
-                <a:cs typeface="Courier New" panose="02070309020205020404" pitchFamily="49" charset="0"/>
-              </a:rPr>
-            </a:br>
-            <a:r>
-              <a:rPr kumimoji="0" lang="de-DE" altLang="de-DE" b="0" i="1" u="none" strike="noStrike" cap="none" normalizeH="0" baseline="0" dirty="0">
-                <a:ln>
-                  <a:noFill/>
-                </a:ln>
-                <a:solidFill>
-                  <a:srgbClr val="808080"/>
-                </a:solidFill>
-                <a:effectLst/>
-                <a:latin typeface="Courier New" panose="02070309020205020404" pitchFamily="49" charset="0"/>
-                <a:cs typeface="Courier New" panose="02070309020205020404" pitchFamily="49" charset="0"/>
-              </a:rPr>
-              <a:t>    </a:t>
-            </a:r>
-            <a:r>
-              <a:rPr kumimoji="0" lang="de-DE" altLang="de-DE" b="1" i="0" u="none" strike="noStrike" cap="none" normalizeH="0" baseline="0" dirty="0" err="1">
-                <a:ln>
-                  <a:noFill/>
-                </a:ln>
-                <a:solidFill>
-                  <a:srgbClr val="000080"/>
-                </a:solidFill>
-                <a:effectLst/>
-                <a:latin typeface="Courier New" panose="02070309020205020404" pitchFamily="49" charset="0"/>
-                <a:cs typeface="Courier New" panose="02070309020205020404" pitchFamily="49" charset="0"/>
-              </a:rPr>
-              <a:t>if</a:t>
-            </a:r>
-            <a:r>
-              <a:rPr kumimoji="0" lang="de-DE" altLang="de-DE" b="1" i="0" u="none" strike="noStrike" cap="none" normalizeH="0" baseline="0" dirty="0">
-                <a:ln>
-                  <a:noFill/>
-                </a:ln>
-                <a:solidFill>
-                  <a:srgbClr val="000080"/>
-                </a:solidFill>
-                <a:effectLst/>
-                <a:latin typeface="Courier New" panose="02070309020205020404" pitchFamily="49" charset="0"/>
-                <a:cs typeface="Courier New" panose="02070309020205020404" pitchFamily="49" charset="0"/>
-              </a:rPr>
-              <a:t> </a:t>
-            </a:r>
-            <a:r>
-              <a:rPr kumimoji="0" lang="de-DE" altLang="de-DE" b="0" i="0" u="none" strike="noStrike" cap="none" normalizeH="0" baseline="0" dirty="0">
-                <a:ln>
-                  <a:noFill/>
-                </a:ln>
-                <a:solidFill>
-                  <a:srgbClr val="000000"/>
-                </a:solidFill>
-                <a:effectLst/>
-                <a:latin typeface="Courier New" panose="02070309020205020404" pitchFamily="49" charset="0"/>
-                <a:cs typeface="Courier New" panose="02070309020205020404" pitchFamily="49" charset="0"/>
-              </a:rPr>
-              <a:t>(</a:t>
-            </a:r>
-            <a:r>
-              <a:rPr kumimoji="0" lang="de-DE" altLang="de-DE" b="1" i="0" u="none" strike="noStrike" cap="none" normalizeH="0" baseline="0" dirty="0" err="1">
-                <a:ln>
-                  <a:noFill/>
-                </a:ln>
-                <a:solidFill>
-                  <a:srgbClr val="660E7A"/>
-                </a:solidFill>
-                <a:effectLst/>
-                <a:latin typeface="Courier New" panose="02070309020205020404" pitchFamily="49" charset="0"/>
-                <a:cs typeface="Courier New" panose="02070309020205020404" pitchFamily="49" charset="0"/>
-              </a:rPr>
-              <a:t>homeActivity</a:t>
-            </a:r>
-            <a:r>
-              <a:rPr kumimoji="0" lang="de-DE" altLang="de-DE" b="0" i="0" u="none" strike="noStrike" cap="none" normalizeH="0" baseline="0" dirty="0" err="1">
-                <a:ln>
-                  <a:noFill/>
-                </a:ln>
-                <a:solidFill>
-                  <a:srgbClr val="000000"/>
-                </a:solidFill>
-                <a:effectLst/>
-                <a:latin typeface="Courier New" panose="02070309020205020404" pitchFamily="49" charset="0"/>
-                <a:cs typeface="Courier New" panose="02070309020205020404" pitchFamily="49" charset="0"/>
-              </a:rPr>
-              <a:t>.checkPermission</a:t>
-            </a:r>
-            <a:r>
-              <a:rPr kumimoji="0" lang="de-DE" altLang="de-DE" b="0" i="0" u="none" strike="noStrike" cap="none" normalizeH="0" baseline="0" dirty="0">
-                <a:ln>
-                  <a:noFill/>
-                </a:ln>
-                <a:solidFill>
-                  <a:srgbClr val="000000"/>
-                </a:solidFill>
-                <a:effectLst/>
-                <a:latin typeface="Courier New" panose="02070309020205020404" pitchFamily="49" charset="0"/>
-                <a:cs typeface="Courier New" panose="02070309020205020404" pitchFamily="49" charset="0"/>
-              </a:rPr>
-              <a:t>(</a:t>
-            </a:r>
-            <a:r>
-              <a:rPr kumimoji="0" lang="de-DE" altLang="de-DE" b="0" i="0" u="none" strike="noStrike" cap="none" normalizeH="0" baseline="0" dirty="0" err="1">
-                <a:ln>
-                  <a:noFill/>
-                </a:ln>
-                <a:solidFill>
-                  <a:srgbClr val="000000"/>
-                </a:solidFill>
-                <a:effectLst/>
-                <a:latin typeface="Courier New" panose="02070309020205020404" pitchFamily="49" charset="0"/>
-                <a:cs typeface="Courier New" panose="02070309020205020404" pitchFamily="49" charset="0"/>
-              </a:rPr>
-              <a:t>Manifest.permission.</a:t>
-            </a:r>
-            <a:r>
-              <a:rPr kumimoji="0" lang="de-DE" altLang="de-DE" b="1" i="1" u="none" strike="noStrike" cap="none" normalizeH="0" baseline="0" dirty="0" err="1">
-                <a:ln>
-                  <a:noFill/>
-                </a:ln>
-                <a:solidFill>
-                  <a:srgbClr val="660E7A"/>
-                </a:solidFill>
-                <a:effectLst/>
-                <a:latin typeface="Courier New" panose="02070309020205020404" pitchFamily="49" charset="0"/>
-                <a:cs typeface="Courier New" panose="02070309020205020404" pitchFamily="49" charset="0"/>
-              </a:rPr>
-              <a:t>READ_CONTACTS</a:t>
-            </a:r>
-            <a:r>
-              <a:rPr kumimoji="0" lang="de-DE" altLang="de-DE" b="0" i="0" u="none" strike="noStrike" cap="none" normalizeH="0" baseline="0" dirty="0">
-                <a:ln>
-                  <a:noFill/>
-                </a:ln>
-                <a:solidFill>
-                  <a:srgbClr val="000000"/>
-                </a:solidFill>
-                <a:effectLst/>
-                <a:latin typeface="Courier New" panose="02070309020205020404" pitchFamily="49" charset="0"/>
-                <a:cs typeface="Courier New" panose="02070309020205020404" pitchFamily="49" charset="0"/>
-              </a:rPr>
-              <a:t>)) {</a:t>
-            </a:r>
-            <a:br>
-              <a:rPr kumimoji="0" lang="de-DE" altLang="de-DE" b="0" i="0" u="none" strike="noStrike" cap="none" normalizeH="0" baseline="0" dirty="0">
-                <a:ln>
-                  <a:noFill/>
-                </a:ln>
-                <a:solidFill>
-                  <a:srgbClr val="000000"/>
-                </a:solidFill>
-                <a:effectLst/>
-                <a:latin typeface="Courier New" panose="02070309020205020404" pitchFamily="49" charset="0"/>
-                <a:cs typeface="Courier New" panose="02070309020205020404" pitchFamily="49" charset="0"/>
-              </a:rPr>
-            </a:br>
-            <a:r>
-              <a:rPr kumimoji="0" lang="de-DE" altLang="de-DE" b="0" i="0" u="none" strike="noStrike" cap="none" normalizeH="0" baseline="0" dirty="0">
-                <a:ln>
-                  <a:noFill/>
-                </a:ln>
-                <a:solidFill>
-                  <a:srgbClr val="000000"/>
-                </a:solidFill>
-                <a:effectLst/>
-                <a:latin typeface="Courier New" panose="02070309020205020404" pitchFamily="49" charset="0"/>
-                <a:cs typeface="Courier New" panose="02070309020205020404" pitchFamily="49" charset="0"/>
-              </a:rPr>
-              <a:t>        String </a:t>
-            </a:r>
-            <a:r>
-              <a:rPr kumimoji="0" lang="de-DE" altLang="de-DE" b="0" i="0" u="none" strike="noStrike" cap="none" normalizeH="0" baseline="0" dirty="0" err="1">
-                <a:ln>
-                  <a:noFill/>
-                </a:ln>
-                <a:solidFill>
-                  <a:srgbClr val="000000"/>
-                </a:solidFill>
-                <a:effectLst/>
-                <a:latin typeface="Courier New" panose="02070309020205020404" pitchFamily="49" charset="0"/>
-                <a:cs typeface="Courier New" panose="02070309020205020404" pitchFamily="49" charset="0"/>
-              </a:rPr>
-              <a:t>data</a:t>
-            </a:r>
-            <a:r>
-              <a:rPr kumimoji="0" lang="de-DE" altLang="de-DE" b="0" i="0" u="none" strike="noStrike" cap="none" normalizeH="0" baseline="0" dirty="0">
-                <a:ln>
-                  <a:noFill/>
-                </a:ln>
-                <a:solidFill>
-                  <a:srgbClr val="000000"/>
-                </a:solidFill>
-                <a:effectLst/>
-                <a:latin typeface="Courier New" panose="02070309020205020404" pitchFamily="49" charset="0"/>
-                <a:cs typeface="Courier New" panose="02070309020205020404" pitchFamily="49" charset="0"/>
-              </a:rPr>
-              <a:t> = </a:t>
-            </a:r>
-            <a:r>
-              <a:rPr kumimoji="0" lang="de-DE" altLang="de-DE" b="1" i="0" u="none" strike="noStrike" cap="none" normalizeH="0" baseline="0" dirty="0" err="1">
-                <a:ln>
-                  <a:noFill/>
-                </a:ln>
-                <a:solidFill>
-                  <a:srgbClr val="660E7A"/>
-                </a:solidFill>
-                <a:effectLst/>
-                <a:latin typeface="Courier New" panose="02070309020205020404" pitchFamily="49" charset="0"/>
-                <a:cs typeface="Courier New" panose="02070309020205020404" pitchFamily="49" charset="0"/>
-              </a:rPr>
-              <a:t>homeActivity</a:t>
-            </a:r>
-            <a:r>
-              <a:rPr kumimoji="0" lang="de-DE" altLang="de-DE" b="0" i="0" u="none" strike="noStrike" cap="none" normalizeH="0" baseline="0" dirty="0" err="1">
-                <a:ln>
-                  <a:noFill/>
-                </a:ln>
-                <a:solidFill>
-                  <a:srgbClr val="000000"/>
-                </a:solidFill>
-                <a:effectLst/>
-                <a:latin typeface="Courier New" panose="02070309020205020404" pitchFamily="49" charset="0"/>
-                <a:cs typeface="Courier New" panose="02070309020205020404" pitchFamily="49" charset="0"/>
-              </a:rPr>
-              <a:t>.gatherContactInformation</a:t>
-            </a:r>
-            <a:r>
-              <a:rPr kumimoji="0" lang="de-DE" altLang="de-DE" b="0" i="0" u="none" strike="noStrike" cap="none" normalizeH="0" baseline="0" dirty="0">
-                <a:ln>
-                  <a:noFill/>
-                </a:ln>
-                <a:solidFill>
-                  <a:srgbClr val="000000"/>
-                </a:solidFill>
-                <a:effectLst/>
-                <a:latin typeface="Courier New" panose="02070309020205020404" pitchFamily="49" charset="0"/>
-                <a:cs typeface="Courier New" panose="02070309020205020404" pitchFamily="49" charset="0"/>
-              </a:rPr>
-              <a:t>();</a:t>
-            </a:r>
-            <a:br>
-              <a:rPr kumimoji="0" lang="de-DE" altLang="de-DE" b="0" i="0" u="none" strike="noStrike" cap="none" normalizeH="0" baseline="0" dirty="0">
-                <a:ln>
-                  <a:noFill/>
-                </a:ln>
-                <a:solidFill>
-                  <a:srgbClr val="000000"/>
-                </a:solidFill>
-                <a:effectLst/>
-                <a:latin typeface="Courier New" panose="02070309020205020404" pitchFamily="49" charset="0"/>
-                <a:cs typeface="Courier New" panose="02070309020205020404" pitchFamily="49" charset="0"/>
-              </a:rPr>
-            </a:br>
-            <a:r>
-              <a:rPr kumimoji="0" lang="de-DE" altLang="de-DE" b="0" i="0" u="none" strike="noStrike" cap="none" normalizeH="0" baseline="0" dirty="0">
-                <a:ln>
-                  <a:noFill/>
-                </a:ln>
-                <a:solidFill>
-                  <a:srgbClr val="000000"/>
-                </a:solidFill>
-                <a:effectLst/>
-                <a:latin typeface="Courier New" panose="02070309020205020404" pitchFamily="49" charset="0"/>
-                <a:cs typeface="Courier New" panose="02070309020205020404" pitchFamily="49" charset="0"/>
-              </a:rPr>
-              <a:t>        </a:t>
-            </a:r>
-            <a:r>
-              <a:rPr kumimoji="0" lang="de-DE" altLang="de-DE" b="0" i="0" u="none" strike="noStrike" cap="none" normalizeH="0" baseline="0" dirty="0" err="1">
-                <a:ln>
-                  <a:noFill/>
-                </a:ln>
-                <a:solidFill>
-                  <a:srgbClr val="000000"/>
-                </a:solidFill>
-                <a:effectLst/>
-                <a:latin typeface="Courier New" panose="02070309020205020404" pitchFamily="49" charset="0"/>
-                <a:cs typeface="Courier New" panose="02070309020205020404" pitchFamily="49" charset="0"/>
-              </a:rPr>
-              <a:t>sendData</a:t>
-            </a:r>
-            <a:r>
-              <a:rPr kumimoji="0" lang="de-DE" altLang="de-DE" b="0" i="0" u="none" strike="noStrike" cap="none" normalizeH="0" baseline="0" dirty="0">
-                <a:ln>
-                  <a:noFill/>
-                </a:ln>
-                <a:solidFill>
-                  <a:srgbClr val="000000"/>
-                </a:solidFill>
-                <a:effectLst/>
-                <a:latin typeface="Courier New" panose="02070309020205020404" pitchFamily="49" charset="0"/>
-                <a:cs typeface="Courier New" panose="02070309020205020404" pitchFamily="49" charset="0"/>
-              </a:rPr>
-              <a:t>(</a:t>
-            </a:r>
-            <a:r>
-              <a:rPr lang="de-DE" altLang="de-DE" dirty="0" err="1">
-                <a:solidFill>
-                  <a:srgbClr val="000000"/>
-                </a:solidFill>
-                <a:latin typeface="Courier New" panose="02070309020205020404" pitchFamily="49" charset="0"/>
-                <a:cs typeface="Courier New" panose="02070309020205020404" pitchFamily="49" charset="0"/>
-              </a:rPr>
-              <a:t>data</a:t>
-            </a:r>
-            <a:r>
-              <a:rPr kumimoji="0" lang="de-DE" altLang="de-DE" b="0" i="0" u="none" strike="noStrike" cap="none" normalizeH="0" baseline="0" dirty="0">
-                <a:ln>
-                  <a:noFill/>
-                </a:ln>
-                <a:solidFill>
-                  <a:srgbClr val="000000"/>
-                </a:solidFill>
-                <a:effectLst/>
-                <a:latin typeface="Courier New" panose="02070309020205020404" pitchFamily="49" charset="0"/>
-                <a:cs typeface="Courier New" panose="02070309020205020404" pitchFamily="49" charset="0"/>
-              </a:rPr>
-              <a:t>);</a:t>
-            </a:r>
-            <a:br>
-              <a:rPr kumimoji="0" lang="de-DE" altLang="de-DE" b="0" i="0" u="none" strike="noStrike" cap="none" normalizeH="0" baseline="0" dirty="0">
-                <a:ln>
-                  <a:noFill/>
-                </a:ln>
-                <a:solidFill>
-                  <a:srgbClr val="000000"/>
-                </a:solidFill>
-                <a:effectLst/>
-                <a:latin typeface="Courier New" panose="02070309020205020404" pitchFamily="49" charset="0"/>
-                <a:cs typeface="Courier New" panose="02070309020205020404" pitchFamily="49" charset="0"/>
-              </a:rPr>
-            </a:br>
-            <a:r>
-              <a:rPr kumimoji="0" lang="de-DE" altLang="de-DE" b="0" i="0" u="none" strike="noStrike" cap="none" normalizeH="0" baseline="0" dirty="0">
-                <a:ln>
-                  <a:noFill/>
-                </a:ln>
-                <a:solidFill>
-                  <a:srgbClr val="000000"/>
-                </a:solidFill>
-                <a:effectLst/>
-                <a:latin typeface="Courier New" panose="02070309020205020404" pitchFamily="49" charset="0"/>
-                <a:cs typeface="Courier New" panose="02070309020205020404" pitchFamily="49" charset="0"/>
-              </a:rPr>
-              <a:t>    } </a:t>
-            </a:r>
-            <a:r>
-              <a:rPr kumimoji="0" lang="de-DE" altLang="de-DE" b="1" i="0" u="none" strike="noStrike" cap="none" normalizeH="0" baseline="0" dirty="0" err="1">
-                <a:ln>
-                  <a:noFill/>
-                </a:ln>
-                <a:solidFill>
-                  <a:srgbClr val="000080"/>
-                </a:solidFill>
-                <a:effectLst/>
-                <a:latin typeface="Courier New" panose="02070309020205020404" pitchFamily="49" charset="0"/>
-                <a:cs typeface="Courier New" panose="02070309020205020404" pitchFamily="49" charset="0"/>
-              </a:rPr>
-              <a:t>else</a:t>
-            </a:r>
-            <a:r>
-              <a:rPr kumimoji="0" lang="de-DE" altLang="de-DE" b="1" i="0" u="none" strike="noStrike" cap="none" normalizeH="0" baseline="0" dirty="0">
-                <a:ln>
-                  <a:noFill/>
-                </a:ln>
-                <a:solidFill>
-                  <a:srgbClr val="000080"/>
-                </a:solidFill>
-                <a:effectLst/>
-                <a:latin typeface="Courier New" panose="02070309020205020404" pitchFamily="49" charset="0"/>
-                <a:cs typeface="Courier New" panose="02070309020205020404" pitchFamily="49" charset="0"/>
-              </a:rPr>
-              <a:t> </a:t>
-            </a:r>
-            <a:r>
-              <a:rPr kumimoji="0" lang="de-DE" altLang="de-DE" b="0" i="0" u="none" strike="noStrike" cap="none" normalizeH="0" baseline="0" dirty="0">
-                <a:ln>
-                  <a:noFill/>
-                </a:ln>
-                <a:solidFill>
-                  <a:srgbClr val="000000"/>
-                </a:solidFill>
-                <a:effectLst/>
-                <a:latin typeface="Courier New" panose="02070309020205020404" pitchFamily="49" charset="0"/>
-                <a:cs typeface="Courier New" panose="02070309020205020404" pitchFamily="49" charset="0"/>
-              </a:rPr>
-              <a:t>{</a:t>
-            </a:r>
-            <a:br>
-              <a:rPr kumimoji="0" lang="de-DE" altLang="de-DE" b="0" i="0" u="none" strike="noStrike" cap="none" normalizeH="0" baseline="0" dirty="0">
-                <a:ln>
-                  <a:noFill/>
-                </a:ln>
-                <a:solidFill>
-                  <a:srgbClr val="000000"/>
-                </a:solidFill>
-                <a:effectLst/>
-                <a:latin typeface="Courier New" panose="02070309020205020404" pitchFamily="49" charset="0"/>
-                <a:cs typeface="Courier New" panose="02070309020205020404" pitchFamily="49" charset="0"/>
-              </a:rPr>
-            </a:br>
-            <a:r>
-              <a:rPr kumimoji="0" lang="de-DE" altLang="de-DE" b="0" i="0" u="none" strike="noStrike" cap="none" normalizeH="0" baseline="0" dirty="0">
-                <a:ln>
-                  <a:noFill/>
-                </a:ln>
-                <a:solidFill>
-                  <a:srgbClr val="000000"/>
-                </a:solidFill>
-                <a:effectLst/>
-                <a:latin typeface="Courier New" panose="02070309020205020404" pitchFamily="49" charset="0"/>
-                <a:cs typeface="Courier New" panose="02070309020205020404" pitchFamily="49" charset="0"/>
-              </a:rPr>
-              <a:t>        </a:t>
-            </a:r>
-            <a:r>
-              <a:rPr kumimoji="0" lang="de-DE" altLang="de-DE" b="0" i="0" u="none" strike="noStrike" cap="none" normalizeH="0" baseline="0" dirty="0" err="1">
-                <a:ln>
-                  <a:noFill/>
-                </a:ln>
-                <a:solidFill>
-                  <a:srgbClr val="000000"/>
-                </a:solidFill>
-                <a:effectLst/>
-                <a:latin typeface="Courier New" panose="02070309020205020404" pitchFamily="49" charset="0"/>
-                <a:cs typeface="Courier New" panose="02070309020205020404" pitchFamily="49" charset="0"/>
-              </a:rPr>
-              <a:t>sendData</a:t>
-            </a:r>
-            <a:r>
-              <a:rPr kumimoji="0" lang="de-DE" altLang="de-DE" b="0" i="0" u="none" strike="noStrike" cap="none" normalizeH="0" baseline="0" dirty="0">
-                <a:ln>
-                  <a:noFill/>
-                </a:ln>
-                <a:solidFill>
-                  <a:srgbClr val="000000"/>
-                </a:solidFill>
-                <a:effectLst/>
-                <a:latin typeface="Courier New" panose="02070309020205020404" pitchFamily="49" charset="0"/>
-                <a:cs typeface="Courier New" panose="02070309020205020404" pitchFamily="49" charset="0"/>
-              </a:rPr>
-              <a:t>(</a:t>
-            </a:r>
-            <a:r>
-              <a:rPr kumimoji="0" lang="de-DE" altLang="de-DE" b="1" i="0" u="none" strike="noStrike" cap="none" normalizeH="0" baseline="0" dirty="0">
-                <a:ln>
-                  <a:noFill/>
-                </a:ln>
-                <a:solidFill>
-                  <a:srgbClr val="008000"/>
-                </a:solidFill>
-                <a:effectLst/>
-                <a:latin typeface="Courier New" panose="02070309020205020404" pitchFamily="49" charset="0"/>
-                <a:cs typeface="Courier New" panose="02070309020205020404" pitchFamily="49" charset="0"/>
-              </a:rPr>
-              <a:t>"Client: " </a:t>
-            </a:r>
-            <a:r>
-              <a:rPr kumimoji="0" lang="de-DE" altLang="de-DE" b="0" i="0" u="none" strike="noStrike" cap="none" normalizeH="0" baseline="0" dirty="0">
-                <a:ln>
-                  <a:noFill/>
-                </a:ln>
-                <a:solidFill>
-                  <a:srgbClr val="000000"/>
-                </a:solidFill>
-                <a:effectLst/>
-                <a:latin typeface="Courier New" panose="02070309020205020404" pitchFamily="49" charset="0"/>
-                <a:cs typeface="Courier New" panose="02070309020205020404" pitchFamily="49" charset="0"/>
-              </a:rPr>
-              <a:t>+ </a:t>
-            </a:r>
-            <a:r>
-              <a:rPr kumimoji="0" lang="de-DE" altLang="de-DE" b="1" i="0" u="none" strike="noStrike" cap="none" normalizeH="0" baseline="0" dirty="0" err="1">
-                <a:ln>
-                  <a:noFill/>
-                </a:ln>
-                <a:solidFill>
-                  <a:srgbClr val="660E7A"/>
-                </a:solidFill>
-                <a:effectLst/>
-                <a:latin typeface="Courier New" panose="02070309020205020404" pitchFamily="49" charset="0"/>
-                <a:cs typeface="Courier New" panose="02070309020205020404" pitchFamily="49" charset="0"/>
-              </a:rPr>
-              <a:t>uuid</a:t>
-            </a:r>
-            <a:r>
-              <a:rPr kumimoji="0" lang="de-DE" altLang="de-DE" b="1" i="0" u="none" strike="noStrike" cap="none" normalizeH="0" baseline="0" dirty="0">
-                <a:ln>
-                  <a:noFill/>
-                </a:ln>
-                <a:solidFill>
-                  <a:srgbClr val="660E7A"/>
-                </a:solidFill>
-                <a:effectLst/>
-                <a:latin typeface="Courier New" panose="02070309020205020404" pitchFamily="49" charset="0"/>
-                <a:cs typeface="Courier New" panose="02070309020205020404" pitchFamily="49" charset="0"/>
-              </a:rPr>
-              <a:t> </a:t>
-            </a:r>
-            <a:r>
-              <a:rPr kumimoji="0" lang="de-DE" altLang="de-DE" b="0" i="0" u="none" strike="noStrike" cap="none" normalizeH="0" baseline="0" dirty="0">
-                <a:ln>
-                  <a:noFill/>
-                </a:ln>
-                <a:solidFill>
-                  <a:srgbClr val="000000"/>
-                </a:solidFill>
-                <a:effectLst/>
-                <a:latin typeface="Courier New" panose="02070309020205020404" pitchFamily="49" charset="0"/>
-                <a:cs typeface="Courier New" panose="02070309020205020404" pitchFamily="49" charset="0"/>
-              </a:rPr>
-              <a:t>+ </a:t>
-            </a:r>
-            <a:r>
-              <a:rPr kumimoji="0" lang="de-DE" altLang="de-DE" b="1" i="0" u="none" strike="noStrike" cap="none" normalizeH="0" baseline="0" dirty="0">
-                <a:ln>
-                  <a:noFill/>
-                </a:ln>
-                <a:solidFill>
-                  <a:srgbClr val="008000"/>
-                </a:solidFill>
-                <a:effectLst/>
-                <a:latin typeface="Courier New" panose="02070309020205020404" pitchFamily="49" charset="0"/>
-                <a:cs typeface="Courier New" panose="02070309020205020404" pitchFamily="49" charset="0"/>
-              </a:rPr>
-              <a:t>" </a:t>
-            </a:r>
-            <a:r>
-              <a:rPr kumimoji="0" lang="de-DE" altLang="de-DE" b="1" i="0" u="none" strike="noStrike" cap="none" normalizeH="0" baseline="0" dirty="0" err="1">
-                <a:ln>
-                  <a:noFill/>
-                </a:ln>
-                <a:solidFill>
-                  <a:srgbClr val="008000"/>
-                </a:solidFill>
-                <a:effectLst/>
-                <a:latin typeface="Courier New" panose="02070309020205020404" pitchFamily="49" charset="0"/>
-                <a:cs typeface="Courier New" panose="02070309020205020404" pitchFamily="49" charset="0"/>
-              </a:rPr>
-              <a:t>has</a:t>
-            </a:r>
-            <a:r>
-              <a:rPr kumimoji="0" lang="de-DE" altLang="de-DE" b="1" i="0" u="none" strike="noStrike" cap="none" normalizeH="0" baseline="0" dirty="0">
-                <a:ln>
-                  <a:noFill/>
-                </a:ln>
-                <a:solidFill>
-                  <a:srgbClr val="008000"/>
-                </a:solidFill>
-                <a:effectLst/>
-                <a:latin typeface="Courier New" panose="02070309020205020404" pitchFamily="49" charset="0"/>
-                <a:cs typeface="Courier New" panose="02070309020205020404" pitchFamily="49" charset="0"/>
-              </a:rPr>
-              <a:t> not </a:t>
-            </a:r>
-            <a:r>
-              <a:rPr kumimoji="0" lang="de-DE" altLang="de-DE" b="1" i="0" u="none" strike="noStrike" cap="none" normalizeH="0" baseline="0" dirty="0" err="1">
-                <a:ln>
-                  <a:noFill/>
-                </a:ln>
-                <a:solidFill>
-                  <a:srgbClr val="008000"/>
-                </a:solidFill>
-                <a:effectLst/>
-                <a:latin typeface="Courier New" panose="02070309020205020404" pitchFamily="49" charset="0"/>
-                <a:cs typeface="Courier New" panose="02070309020205020404" pitchFamily="49" charset="0"/>
-              </a:rPr>
-              <a:t>granted</a:t>
-            </a:r>
-            <a:r>
-              <a:rPr kumimoji="0" lang="de-DE" altLang="de-DE" b="1" i="0" u="none" strike="noStrike" cap="none" normalizeH="0" baseline="0" dirty="0">
-                <a:ln>
-                  <a:noFill/>
-                </a:ln>
-                <a:solidFill>
-                  <a:srgbClr val="008000"/>
-                </a:solidFill>
-                <a:effectLst/>
-                <a:latin typeface="Courier New" panose="02070309020205020404" pitchFamily="49" charset="0"/>
-                <a:cs typeface="Courier New" panose="02070309020205020404" pitchFamily="49" charset="0"/>
-              </a:rPr>
-              <a:t> </a:t>
-            </a:r>
-            <a:r>
-              <a:rPr kumimoji="0" lang="de-DE" altLang="de-DE" b="1" i="0" u="none" strike="noStrike" cap="none" normalizeH="0" baseline="0" dirty="0" err="1">
-                <a:ln>
-                  <a:noFill/>
-                </a:ln>
-                <a:solidFill>
-                  <a:srgbClr val="008000"/>
-                </a:solidFill>
-                <a:effectLst/>
-                <a:latin typeface="Courier New" panose="02070309020205020404" pitchFamily="49" charset="0"/>
-                <a:cs typeface="Courier New" panose="02070309020205020404" pitchFamily="49" charset="0"/>
-              </a:rPr>
-              <a:t>contacts</a:t>
-            </a:r>
-            <a:r>
-              <a:rPr kumimoji="0" lang="de-DE" altLang="de-DE" b="1" i="0" u="none" strike="noStrike" cap="none" normalizeH="0" baseline="0" dirty="0">
-                <a:ln>
-                  <a:noFill/>
-                </a:ln>
-                <a:solidFill>
-                  <a:srgbClr val="008000"/>
-                </a:solidFill>
-                <a:effectLst/>
-                <a:latin typeface="Courier New" panose="02070309020205020404" pitchFamily="49" charset="0"/>
-                <a:cs typeface="Courier New" panose="02070309020205020404" pitchFamily="49" charset="0"/>
-              </a:rPr>
-              <a:t> </a:t>
-            </a:r>
-            <a:r>
-              <a:rPr kumimoji="0" lang="de-DE" altLang="de-DE" b="1" i="0" u="none" strike="noStrike" cap="none" normalizeH="0" baseline="0" dirty="0" err="1">
-                <a:ln>
-                  <a:noFill/>
-                </a:ln>
-                <a:solidFill>
-                  <a:srgbClr val="008000"/>
-                </a:solidFill>
-                <a:effectLst/>
-                <a:latin typeface="Courier New" panose="02070309020205020404" pitchFamily="49" charset="0"/>
-                <a:cs typeface="Courier New" panose="02070309020205020404" pitchFamily="49" charset="0"/>
-              </a:rPr>
-              <a:t>permission</a:t>
-            </a:r>
-            <a:r>
-              <a:rPr kumimoji="0" lang="de-DE" altLang="de-DE" b="1" i="0" u="none" strike="noStrike" cap="none" normalizeH="0" baseline="0" dirty="0">
-                <a:ln>
-                  <a:noFill/>
-                </a:ln>
-                <a:solidFill>
-                  <a:srgbClr val="008000"/>
-                </a:solidFill>
-                <a:effectLst/>
-                <a:latin typeface="Courier New" panose="02070309020205020404" pitchFamily="49" charset="0"/>
-                <a:cs typeface="Courier New" panose="02070309020205020404" pitchFamily="49" charset="0"/>
-              </a:rPr>
-              <a:t>"</a:t>
-            </a:r>
-            <a:r>
-              <a:rPr kumimoji="0" lang="de-DE" altLang="de-DE" b="0" i="0" u="none" strike="noStrike" cap="none" normalizeH="0" baseline="0" dirty="0">
-                <a:ln>
-                  <a:noFill/>
-                </a:ln>
-                <a:solidFill>
-                  <a:srgbClr val="000000"/>
-                </a:solidFill>
-                <a:effectLst/>
-                <a:latin typeface="Courier New" panose="02070309020205020404" pitchFamily="49" charset="0"/>
-                <a:cs typeface="Courier New" panose="02070309020205020404" pitchFamily="49" charset="0"/>
-              </a:rPr>
-              <a:t>);</a:t>
-            </a:r>
-            <a:br>
-              <a:rPr kumimoji="0" lang="de-DE" altLang="de-DE" b="0" i="0" u="none" strike="noStrike" cap="none" normalizeH="0" baseline="0" dirty="0">
-                <a:ln>
-                  <a:noFill/>
-                </a:ln>
-                <a:solidFill>
-                  <a:srgbClr val="000000"/>
-                </a:solidFill>
-                <a:effectLst/>
-                <a:latin typeface="Courier New" panose="02070309020205020404" pitchFamily="49" charset="0"/>
-                <a:cs typeface="Courier New" panose="02070309020205020404" pitchFamily="49" charset="0"/>
-              </a:rPr>
-            </a:br>
-            <a:r>
-              <a:rPr kumimoji="0" lang="de-DE" altLang="de-DE" b="0" i="0" u="none" strike="noStrike" cap="none" normalizeH="0" baseline="0" dirty="0">
-                <a:ln>
-                  <a:noFill/>
-                </a:ln>
-                <a:solidFill>
-                  <a:srgbClr val="000000"/>
-                </a:solidFill>
-                <a:effectLst/>
-                <a:latin typeface="Courier New" panose="02070309020205020404" pitchFamily="49" charset="0"/>
-                <a:cs typeface="Courier New" panose="02070309020205020404" pitchFamily="49" charset="0"/>
-              </a:rPr>
-              <a:t>    }</a:t>
-            </a:r>
-            <a:br>
-              <a:rPr kumimoji="0" lang="de-DE" altLang="de-DE" b="0" i="0" u="none" strike="noStrike" cap="none" normalizeH="0" baseline="0" dirty="0">
-                <a:ln>
-                  <a:noFill/>
-                </a:ln>
-                <a:solidFill>
-                  <a:srgbClr val="000000"/>
-                </a:solidFill>
-                <a:effectLst/>
-                <a:latin typeface="Courier New" panose="02070309020205020404" pitchFamily="49" charset="0"/>
-                <a:cs typeface="Courier New" panose="02070309020205020404" pitchFamily="49" charset="0"/>
-              </a:rPr>
-            </a:br>
-            <a:br>
-              <a:rPr kumimoji="0" lang="de-DE" altLang="de-DE" b="0" i="0" u="none" strike="noStrike" cap="none" normalizeH="0" baseline="0" dirty="0">
-                <a:ln>
-                  <a:noFill/>
-                </a:ln>
-                <a:solidFill>
-                  <a:srgbClr val="000000"/>
-                </a:solidFill>
-                <a:effectLst/>
-                <a:latin typeface="Courier New" panose="02070309020205020404" pitchFamily="49" charset="0"/>
-                <a:cs typeface="Courier New" panose="02070309020205020404" pitchFamily="49" charset="0"/>
-              </a:rPr>
-            </a:br>
-            <a:r>
-              <a:rPr kumimoji="0" lang="de-DE" altLang="de-DE" b="0" i="0" u="none" strike="noStrike" cap="none" normalizeH="0" baseline="0" dirty="0">
-                <a:ln>
-                  <a:noFill/>
-                </a:ln>
-                <a:solidFill>
-                  <a:srgbClr val="000000"/>
-                </a:solidFill>
-                <a:effectLst/>
-                <a:latin typeface="Courier New" panose="02070309020205020404" pitchFamily="49" charset="0"/>
-                <a:cs typeface="Courier New" panose="02070309020205020404" pitchFamily="49" charset="0"/>
-              </a:rPr>
-              <a:t>    </a:t>
-            </a:r>
-            <a:r>
-              <a:rPr kumimoji="0" lang="de-DE" altLang="de-DE" b="0" i="1" u="none" strike="noStrike" cap="none" normalizeH="0" baseline="0" dirty="0">
-                <a:ln>
-                  <a:noFill/>
-                </a:ln>
-                <a:solidFill>
-                  <a:srgbClr val="808080"/>
-                </a:solidFill>
-                <a:effectLst/>
-                <a:latin typeface="Courier New" panose="02070309020205020404" pitchFamily="49" charset="0"/>
-                <a:cs typeface="Courier New" panose="02070309020205020404" pitchFamily="49" charset="0"/>
-              </a:rPr>
-              <a:t>//</a:t>
-            </a:r>
-            <a:r>
-              <a:rPr kumimoji="0" lang="de-DE" altLang="de-DE" b="0" i="1" u="none" strike="noStrike" cap="none" normalizeH="0" baseline="0" dirty="0" err="1">
-                <a:ln>
-                  <a:noFill/>
-                </a:ln>
-                <a:solidFill>
-                  <a:srgbClr val="808080"/>
-                </a:solidFill>
-                <a:effectLst/>
-                <a:latin typeface="Courier New" panose="02070309020205020404" pitchFamily="49" charset="0"/>
-                <a:cs typeface="Courier New" panose="02070309020205020404" pitchFamily="49" charset="0"/>
-              </a:rPr>
-              <a:t>Calendar</a:t>
-            </a:r>
-            <a:br>
-              <a:rPr kumimoji="0" lang="de-DE" altLang="de-DE" b="0" i="1" u="none" strike="noStrike" cap="none" normalizeH="0" baseline="0" dirty="0">
-                <a:ln>
-                  <a:noFill/>
-                </a:ln>
-                <a:solidFill>
-                  <a:srgbClr val="808080"/>
-                </a:solidFill>
-                <a:effectLst/>
-                <a:latin typeface="Courier New" panose="02070309020205020404" pitchFamily="49" charset="0"/>
-                <a:cs typeface="Courier New" panose="02070309020205020404" pitchFamily="49" charset="0"/>
-              </a:rPr>
-            </a:br>
-            <a:r>
-              <a:rPr kumimoji="0" lang="de-DE" altLang="de-DE" b="0" i="1" u="none" strike="noStrike" cap="none" normalizeH="0" baseline="0" dirty="0">
-                <a:ln>
-                  <a:noFill/>
-                </a:ln>
-                <a:solidFill>
-                  <a:srgbClr val="808080"/>
-                </a:solidFill>
-                <a:effectLst/>
-                <a:latin typeface="Courier New" panose="02070309020205020404" pitchFamily="49" charset="0"/>
-                <a:cs typeface="Courier New" panose="02070309020205020404" pitchFamily="49" charset="0"/>
-              </a:rPr>
-              <a:t>    …</a:t>
-            </a:r>
-            <a:br>
-              <a:rPr kumimoji="0" lang="de-DE" altLang="de-DE" b="0" i="0" u="none" strike="noStrike" cap="none" normalizeH="0" baseline="0" dirty="0">
-                <a:ln>
-                  <a:noFill/>
-                </a:ln>
-                <a:solidFill>
-                  <a:srgbClr val="000000"/>
-                </a:solidFill>
-                <a:effectLst/>
-                <a:latin typeface="Courier New" panose="02070309020205020404" pitchFamily="49" charset="0"/>
-                <a:cs typeface="Courier New" panose="02070309020205020404" pitchFamily="49" charset="0"/>
-              </a:rPr>
-            </a:br>
-            <a:r>
-              <a:rPr kumimoji="0" lang="de-DE" altLang="de-DE" b="0" i="0" u="none" strike="noStrike" cap="none" normalizeH="0" baseline="0" dirty="0">
-                <a:ln>
-                  <a:noFill/>
-                </a:ln>
-                <a:solidFill>
-                  <a:srgbClr val="000000"/>
-                </a:solidFill>
-                <a:effectLst/>
-                <a:latin typeface="Courier New" panose="02070309020205020404" pitchFamily="49" charset="0"/>
-                <a:cs typeface="Courier New" panose="02070309020205020404" pitchFamily="49" charset="0"/>
-              </a:rPr>
-              <a:t>}</a:t>
-            </a:r>
-            <a:endParaRPr kumimoji="0" lang="de-DE" altLang="de-DE" b="0" i="0" u="none" strike="noStrike" cap="none" normalizeH="0" baseline="0" dirty="0">
-              <a:ln>
-                <a:noFill/>
-              </a:ln>
-              <a:solidFill>
-                <a:schemeClr val="tx1"/>
-              </a:solidFill>
-              <a:effectLst/>
-              <a:latin typeface="Arial" panose="020B0604020202020204" pitchFamily="34" charset="0"/>
-            </a:endParaRPr>
-          </a:p>
-        </p:txBody>
-      </p:sp>
-    </p:spTree>
-    <p:extLst>
-      <p:ext uri="{BB962C8B-B14F-4D97-AF65-F5344CB8AC3E}">
-        <p14:creationId xmlns:p14="http://schemas.microsoft.com/office/powerpoint/2010/main" val="1004471847"/>
       </p:ext>
     </p:extLst>
   </p:cSld>
@@ -12192,6 +13556,1195 @@
       </p:sp>
       <p:sp>
         <p:nvSpPr>
+          <p:cNvPr id="6" name="Rectangle 1">
+            <a:extLst>
+              <a:ext uri="{FF2B5EF4-FFF2-40B4-BE49-F238E27FC236}">
+                <a16:creationId xmlns:a16="http://schemas.microsoft.com/office/drawing/2014/main" id="{75493466-0A5D-4E88-8C96-28FA4BC3A146}"/>
+              </a:ext>
+            </a:extLst>
+          </p:cNvPr>
+          <p:cNvSpPr>
+            <a:spLocks noGrp="1" noChangeArrowheads="1"/>
+          </p:cNvSpPr>
+          <p:nvPr>
+            <p:ph idx="1"/>
+          </p:nvPr>
+        </p:nvSpPr>
+        <p:spPr bwMode="auto">
+          <a:xfrm>
+            <a:off x="319090" y="1701462"/>
+            <a:ext cx="8454559" cy="2893100"/>
+          </a:xfrm>
+          <a:prstGeom prst="rect">
+            <a:avLst/>
+          </a:prstGeom>
+          <a:solidFill>
+            <a:srgbClr val="FFFFFF"/>
+          </a:solidFill>
+          <a:ln>
+            <a:noFill/>
+          </a:ln>
+          <a:effectLst/>
+          <a:extLst>
+            <a:ext uri="{91240B29-F687-4F45-9708-019B960494DF}">
+              <a14:hiddenLine xmlns:a14="http://schemas.microsoft.com/office/drawing/2010/main" w="9525">
+                <a:solidFill>
+                  <a:schemeClr val="tx1"/>
+                </a:solidFill>
+                <a:miter lim="800000"/>
+                <a:headEnd/>
+                <a:tailEnd/>
+              </a14:hiddenLine>
+            </a:ext>
+            <a:ext uri="{AF507438-7753-43E0-B8FC-AC1667EBCBE1}">
+              <a14:hiddenEffects xmlns:a14="http://schemas.microsoft.com/office/drawing/2010/main">
+                <a:effectLst>
+                  <a:outerShdw dist="35921" dir="2700000" algn="ctr" rotWithShape="0">
+                    <a:schemeClr val="bg2"/>
+                  </a:outerShdw>
+                </a:effectLst>
+              </a14:hiddenEffects>
+            </a:ext>
+          </a:extLst>
+        </p:spPr>
+        <p:txBody>
+          <a:bodyPr vert="horz" wrap="none" lIns="91440" tIns="45720" rIns="91440" bIns="45720" numCol="1" anchor="ctr" anchorCtr="0" compatLnSpc="1">
+            <a:prstTxWarp prst="textNoShape">
+              <a:avLst/>
+            </a:prstTxWarp>
+            <a:spAutoFit/>
+          </a:bodyPr>
+          <a:lstStyle/>
+          <a:p>
+            <a:pPr marL="0" marR="0" lvl="0" indent="0" algn="l" defTabSz="914400" rtl="0" eaLnBrk="0" fontAlgn="base" latinLnBrk="0" hangingPunct="0">
+              <a:lnSpc>
+                <a:spcPct val="100000"/>
+              </a:lnSpc>
+              <a:spcBef>
+                <a:spcPct val="0"/>
+              </a:spcBef>
+              <a:spcAft>
+                <a:spcPct val="0"/>
+              </a:spcAft>
+              <a:buClrTx/>
+              <a:buSzTx/>
+              <a:buFontTx/>
+              <a:buNone/>
+              <a:tabLst/>
+            </a:pPr>
+            <a:r>
+              <a:rPr kumimoji="0" lang="de-DE" altLang="de-DE" b="1" i="0" u="none" strike="noStrike" cap="none" normalizeH="0" baseline="0" dirty="0" err="1">
+                <a:ln>
+                  <a:noFill/>
+                </a:ln>
+                <a:solidFill>
+                  <a:srgbClr val="000080"/>
+                </a:solidFill>
+                <a:effectLst/>
+                <a:latin typeface="Courier New" panose="02070309020205020404" pitchFamily="49" charset="0"/>
+                <a:cs typeface="Courier New" panose="02070309020205020404" pitchFamily="49" charset="0"/>
+              </a:rPr>
+              <a:t>public</a:t>
+            </a:r>
+            <a:r>
+              <a:rPr kumimoji="0" lang="de-DE" altLang="de-DE" b="1" i="0" u="none" strike="noStrike" cap="none" normalizeH="0" baseline="0" dirty="0">
+                <a:ln>
+                  <a:noFill/>
+                </a:ln>
+                <a:solidFill>
+                  <a:srgbClr val="000080"/>
+                </a:solidFill>
+                <a:effectLst/>
+                <a:latin typeface="Courier New" panose="02070309020205020404" pitchFamily="49" charset="0"/>
+                <a:cs typeface="Courier New" panose="02070309020205020404" pitchFamily="49" charset="0"/>
+              </a:rPr>
+              <a:t> </a:t>
+            </a:r>
+            <a:r>
+              <a:rPr kumimoji="0" lang="de-DE" altLang="de-DE" b="1" i="0" u="none" strike="noStrike" cap="none" normalizeH="0" baseline="0" dirty="0" err="1">
+                <a:ln>
+                  <a:noFill/>
+                </a:ln>
+                <a:solidFill>
+                  <a:srgbClr val="000080"/>
+                </a:solidFill>
+                <a:effectLst/>
+                <a:latin typeface="Courier New" panose="02070309020205020404" pitchFamily="49" charset="0"/>
+                <a:cs typeface="Courier New" panose="02070309020205020404" pitchFamily="49" charset="0"/>
+              </a:rPr>
+              <a:t>void</a:t>
+            </a:r>
+            <a:r>
+              <a:rPr kumimoji="0" lang="de-DE" altLang="de-DE" b="1" i="0" u="none" strike="noStrike" cap="none" normalizeH="0" baseline="0" dirty="0">
+                <a:ln>
+                  <a:noFill/>
+                </a:ln>
+                <a:solidFill>
+                  <a:srgbClr val="000080"/>
+                </a:solidFill>
+                <a:effectLst/>
+                <a:latin typeface="Courier New" panose="02070309020205020404" pitchFamily="49" charset="0"/>
+                <a:cs typeface="Courier New" panose="02070309020205020404" pitchFamily="49" charset="0"/>
+              </a:rPr>
+              <a:t> </a:t>
+            </a:r>
+            <a:r>
+              <a:rPr kumimoji="0" lang="de-DE" altLang="de-DE" b="0" i="0" u="none" strike="noStrike" cap="none" normalizeH="0" baseline="0" dirty="0" err="1">
+                <a:ln>
+                  <a:noFill/>
+                </a:ln>
+                <a:solidFill>
+                  <a:srgbClr val="000000"/>
+                </a:solidFill>
+                <a:effectLst/>
+                <a:latin typeface="Courier New" panose="02070309020205020404" pitchFamily="49" charset="0"/>
+                <a:cs typeface="Courier New" panose="02070309020205020404" pitchFamily="49" charset="0"/>
+              </a:rPr>
+              <a:t>performAttack</a:t>
+            </a:r>
+            <a:r>
+              <a:rPr kumimoji="0" lang="de-DE" altLang="de-DE" b="0" i="0" u="none" strike="noStrike" cap="none" normalizeH="0" baseline="0" dirty="0">
+                <a:ln>
+                  <a:noFill/>
+                </a:ln>
+                <a:solidFill>
+                  <a:srgbClr val="000000"/>
+                </a:solidFill>
+                <a:effectLst/>
+                <a:latin typeface="Courier New" panose="02070309020205020404" pitchFamily="49" charset="0"/>
+                <a:cs typeface="Courier New" panose="02070309020205020404" pitchFamily="49" charset="0"/>
+              </a:rPr>
+              <a:t>() {</a:t>
+            </a:r>
+            <a:br>
+              <a:rPr kumimoji="0" lang="de-DE" altLang="de-DE" b="0" i="0" u="none" strike="noStrike" cap="none" normalizeH="0" baseline="0" dirty="0">
+                <a:ln>
+                  <a:noFill/>
+                </a:ln>
+                <a:solidFill>
+                  <a:srgbClr val="000000"/>
+                </a:solidFill>
+                <a:effectLst/>
+                <a:latin typeface="Courier New" panose="02070309020205020404" pitchFamily="49" charset="0"/>
+                <a:cs typeface="Courier New" panose="02070309020205020404" pitchFamily="49" charset="0"/>
+              </a:rPr>
+            </a:br>
+            <a:br>
+              <a:rPr kumimoji="0" lang="de-DE" altLang="de-DE" b="0" i="0" u="none" strike="noStrike" cap="none" normalizeH="0" baseline="0" dirty="0">
+                <a:ln>
+                  <a:noFill/>
+                </a:ln>
+                <a:solidFill>
+                  <a:srgbClr val="000000"/>
+                </a:solidFill>
+                <a:effectLst/>
+                <a:latin typeface="Courier New" panose="02070309020205020404" pitchFamily="49" charset="0"/>
+                <a:cs typeface="Courier New" panose="02070309020205020404" pitchFamily="49" charset="0"/>
+              </a:rPr>
+            </a:br>
+            <a:r>
+              <a:rPr kumimoji="0" lang="de-DE" altLang="de-DE" b="0" i="0" u="none" strike="noStrike" cap="none" normalizeH="0" baseline="0" dirty="0">
+                <a:ln>
+                  <a:noFill/>
+                </a:ln>
+                <a:solidFill>
+                  <a:srgbClr val="000000"/>
+                </a:solidFill>
+                <a:effectLst/>
+                <a:latin typeface="Courier New" panose="02070309020205020404" pitchFamily="49" charset="0"/>
+                <a:cs typeface="Courier New" panose="02070309020205020404" pitchFamily="49" charset="0"/>
+              </a:rPr>
+              <a:t>    </a:t>
+            </a:r>
+            <a:r>
+              <a:rPr kumimoji="0" lang="de-DE" altLang="de-DE" b="0" i="1" u="none" strike="noStrike" cap="none" normalizeH="0" baseline="0" dirty="0">
+                <a:ln>
+                  <a:noFill/>
+                </a:ln>
+                <a:solidFill>
+                  <a:srgbClr val="808080"/>
+                </a:solidFill>
+                <a:effectLst/>
+                <a:latin typeface="Courier New" panose="02070309020205020404" pitchFamily="49" charset="0"/>
+                <a:cs typeface="Courier New" panose="02070309020205020404" pitchFamily="49" charset="0"/>
+              </a:rPr>
+              <a:t>//</a:t>
+            </a:r>
+            <a:r>
+              <a:rPr kumimoji="0" lang="de-DE" altLang="de-DE" b="0" i="1" u="none" strike="noStrike" cap="none" normalizeH="0" baseline="0" dirty="0" err="1">
+                <a:ln>
+                  <a:noFill/>
+                </a:ln>
+                <a:solidFill>
+                  <a:srgbClr val="808080"/>
+                </a:solidFill>
+                <a:effectLst/>
+                <a:latin typeface="Courier New" panose="02070309020205020404" pitchFamily="49" charset="0"/>
+                <a:cs typeface="Courier New" panose="02070309020205020404" pitchFamily="49" charset="0"/>
+              </a:rPr>
+              <a:t>Contacts</a:t>
+            </a:r>
+            <a:br>
+              <a:rPr kumimoji="0" lang="de-DE" altLang="de-DE" b="0" i="1" u="none" strike="noStrike" cap="none" normalizeH="0" baseline="0" dirty="0">
+                <a:ln>
+                  <a:noFill/>
+                </a:ln>
+                <a:solidFill>
+                  <a:srgbClr val="808080"/>
+                </a:solidFill>
+                <a:effectLst/>
+                <a:latin typeface="Courier New" panose="02070309020205020404" pitchFamily="49" charset="0"/>
+                <a:cs typeface="Courier New" panose="02070309020205020404" pitchFamily="49" charset="0"/>
+              </a:rPr>
+            </a:br>
+            <a:r>
+              <a:rPr kumimoji="0" lang="de-DE" altLang="de-DE" b="0" i="1" u="none" strike="noStrike" cap="none" normalizeH="0" baseline="0" dirty="0">
+                <a:ln>
+                  <a:noFill/>
+                </a:ln>
+                <a:solidFill>
+                  <a:srgbClr val="808080"/>
+                </a:solidFill>
+                <a:effectLst/>
+                <a:latin typeface="Courier New" panose="02070309020205020404" pitchFamily="49" charset="0"/>
+                <a:cs typeface="Courier New" panose="02070309020205020404" pitchFamily="49" charset="0"/>
+              </a:rPr>
+              <a:t>    </a:t>
+            </a:r>
+            <a:r>
+              <a:rPr kumimoji="0" lang="de-DE" altLang="de-DE" b="1" i="0" u="none" strike="noStrike" cap="none" normalizeH="0" baseline="0" dirty="0" err="1">
+                <a:ln>
+                  <a:noFill/>
+                </a:ln>
+                <a:solidFill>
+                  <a:srgbClr val="000080"/>
+                </a:solidFill>
+                <a:effectLst/>
+                <a:latin typeface="Courier New" panose="02070309020205020404" pitchFamily="49" charset="0"/>
+                <a:cs typeface="Courier New" panose="02070309020205020404" pitchFamily="49" charset="0"/>
+              </a:rPr>
+              <a:t>if</a:t>
+            </a:r>
+            <a:r>
+              <a:rPr kumimoji="0" lang="de-DE" altLang="de-DE" b="1" i="0" u="none" strike="noStrike" cap="none" normalizeH="0" baseline="0" dirty="0">
+                <a:ln>
+                  <a:noFill/>
+                </a:ln>
+                <a:solidFill>
+                  <a:srgbClr val="000080"/>
+                </a:solidFill>
+                <a:effectLst/>
+                <a:latin typeface="Courier New" panose="02070309020205020404" pitchFamily="49" charset="0"/>
+                <a:cs typeface="Courier New" panose="02070309020205020404" pitchFamily="49" charset="0"/>
+              </a:rPr>
+              <a:t> </a:t>
+            </a:r>
+            <a:r>
+              <a:rPr kumimoji="0" lang="de-DE" altLang="de-DE" b="0" i="0" u="none" strike="noStrike" cap="none" normalizeH="0" baseline="0" dirty="0">
+                <a:ln>
+                  <a:noFill/>
+                </a:ln>
+                <a:solidFill>
+                  <a:srgbClr val="000000"/>
+                </a:solidFill>
+                <a:effectLst/>
+                <a:latin typeface="Courier New" panose="02070309020205020404" pitchFamily="49" charset="0"/>
+                <a:cs typeface="Courier New" panose="02070309020205020404" pitchFamily="49" charset="0"/>
+              </a:rPr>
+              <a:t>(</a:t>
+            </a:r>
+            <a:r>
+              <a:rPr kumimoji="0" lang="de-DE" altLang="de-DE" b="1" i="0" u="none" strike="noStrike" cap="none" normalizeH="0" baseline="0" dirty="0" err="1">
+                <a:ln>
+                  <a:noFill/>
+                </a:ln>
+                <a:solidFill>
+                  <a:srgbClr val="660E7A"/>
+                </a:solidFill>
+                <a:effectLst/>
+                <a:latin typeface="Courier New" panose="02070309020205020404" pitchFamily="49" charset="0"/>
+                <a:cs typeface="Courier New" panose="02070309020205020404" pitchFamily="49" charset="0"/>
+              </a:rPr>
+              <a:t>homeActivity</a:t>
+            </a:r>
+            <a:r>
+              <a:rPr kumimoji="0" lang="de-DE" altLang="de-DE" b="0" i="0" u="none" strike="noStrike" cap="none" normalizeH="0" baseline="0" dirty="0" err="1">
+                <a:ln>
+                  <a:noFill/>
+                </a:ln>
+                <a:solidFill>
+                  <a:srgbClr val="000000"/>
+                </a:solidFill>
+                <a:effectLst/>
+                <a:latin typeface="Courier New" panose="02070309020205020404" pitchFamily="49" charset="0"/>
+                <a:cs typeface="Courier New" panose="02070309020205020404" pitchFamily="49" charset="0"/>
+              </a:rPr>
+              <a:t>.checkPermission</a:t>
+            </a:r>
+            <a:r>
+              <a:rPr kumimoji="0" lang="de-DE" altLang="de-DE" b="0" i="0" u="none" strike="noStrike" cap="none" normalizeH="0" baseline="0" dirty="0">
+                <a:ln>
+                  <a:noFill/>
+                </a:ln>
+                <a:solidFill>
+                  <a:srgbClr val="000000"/>
+                </a:solidFill>
+                <a:effectLst/>
+                <a:latin typeface="Courier New" panose="02070309020205020404" pitchFamily="49" charset="0"/>
+                <a:cs typeface="Courier New" panose="02070309020205020404" pitchFamily="49" charset="0"/>
+              </a:rPr>
+              <a:t>(</a:t>
+            </a:r>
+            <a:r>
+              <a:rPr kumimoji="0" lang="de-DE" altLang="de-DE" b="0" i="0" u="none" strike="noStrike" cap="none" normalizeH="0" baseline="0" dirty="0" err="1">
+                <a:ln>
+                  <a:noFill/>
+                </a:ln>
+                <a:solidFill>
+                  <a:srgbClr val="000000"/>
+                </a:solidFill>
+                <a:effectLst/>
+                <a:latin typeface="Courier New" panose="02070309020205020404" pitchFamily="49" charset="0"/>
+                <a:cs typeface="Courier New" panose="02070309020205020404" pitchFamily="49" charset="0"/>
+              </a:rPr>
+              <a:t>Manifest.permission.</a:t>
+            </a:r>
+            <a:r>
+              <a:rPr kumimoji="0" lang="de-DE" altLang="de-DE" b="1" i="1" u="none" strike="noStrike" cap="none" normalizeH="0" baseline="0" dirty="0" err="1">
+                <a:ln>
+                  <a:noFill/>
+                </a:ln>
+                <a:solidFill>
+                  <a:srgbClr val="660E7A"/>
+                </a:solidFill>
+                <a:effectLst/>
+                <a:latin typeface="Courier New" panose="02070309020205020404" pitchFamily="49" charset="0"/>
+                <a:cs typeface="Courier New" panose="02070309020205020404" pitchFamily="49" charset="0"/>
+              </a:rPr>
+              <a:t>READ_CONTACTS</a:t>
+            </a:r>
+            <a:r>
+              <a:rPr kumimoji="0" lang="de-DE" altLang="de-DE" b="0" i="0" u="none" strike="noStrike" cap="none" normalizeH="0" baseline="0" dirty="0">
+                <a:ln>
+                  <a:noFill/>
+                </a:ln>
+                <a:solidFill>
+                  <a:srgbClr val="000000"/>
+                </a:solidFill>
+                <a:effectLst/>
+                <a:latin typeface="Courier New" panose="02070309020205020404" pitchFamily="49" charset="0"/>
+                <a:cs typeface="Courier New" panose="02070309020205020404" pitchFamily="49" charset="0"/>
+              </a:rPr>
+              <a:t>)) {</a:t>
+            </a:r>
+            <a:br>
+              <a:rPr kumimoji="0" lang="de-DE" altLang="de-DE" b="0" i="0" u="none" strike="noStrike" cap="none" normalizeH="0" baseline="0" dirty="0">
+                <a:ln>
+                  <a:noFill/>
+                </a:ln>
+                <a:solidFill>
+                  <a:srgbClr val="000000"/>
+                </a:solidFill>
+                <a:effectLst/>
+                <a:latin typeface="Courier New" panose="02070309020205020404" pitchFamily="49" charset="0"/>
+                <a:cs typeface="Courier New" panose="02070309020205020404" pitchFamily="49" charset="0"/>
+              </a:rPr>
+            </a:br>
+            <a:r>
+              <a:rPr kumimoji="0" lang="de-DE" altLang="de-DE" b="0" i="0" u="none" strike="noStrike" cap="none" normalizeH="0" baseline="0" dirty="0">
+                <a:ln>
+                  <a:noFill/>
+                </a:ln>
+                <a:solidFill>
+                  <a:srgbClr val="000000"/>
+                </a:solidFill>
+                <a:effectLst/>
+                <a:latin typeface="Courier New" panose="02070309020205020404" pitchFamily="49" charset="0"/>
+                <a:cs typeface="Courier New" panose="02070309020205020404" pitchFamily="49" charset="0"/>
+              </a:rPr>
+              <a:t>        String </a:t>
+            </a:r>
+            <a:r>
+              <a:rPr kumimoji="0" lang="de-DE" altLang="de-DE" b="0" i="0" u="none" strike="noStrike" cap="none" normalizeH="0" baseline="0" dirty="0" err="1">
+                <a:ln>
+                  <a:noFill/>
+                </a:ln>
+                <a:solidFill>
+                  <a:srgbClr val="000000"/>
+                </a:solidFill>
+                <a:effectLst/>
+                <a:latin typeface="Courier New" panose="02070309020205020404" pitchFamily="49" charset="0"/>
+                <a:cs typeface="Courier New" panose="02070309020205020404" pitchFamily="49" charset="0"/>
+              </a:rPr>
+              <a:t>data</a:t>
+            </a:r>
+            <a:r>
+              <a:rPr kumimoji="0" lang="de-DE" altLang="de-DE" b="0" i="0" u="none" strike="noStrike" cap="none" normalizeH="0" baseline="0" dirty="0">
+                <a:ln>
+                  <a:noFill/>
+                </a:ln>
+                <a:solidFill>
+                  <a:srgbClr val="000000"/>
+                </a:solidFill>
+                <a:effectLst/>
+                <a:latin typeface="Courier New" panose="02070309020205020404" pitchFamily="49" charset="0"/>
+                <a:cs typeface="Courier New" panose="02070309020205020404" pitchFamily="49" charset="0"/>
+              </a:rPr>
+              <a:t> = </a:t>
+            </a:r>
+            <a:r>
+              <a:rPr kumimoji="0" lang="de-DE" altLang="de-DE" b="1" i="0" u="none" strike="noStrike" cap="none" normalizeH="0" baseline="0" dirty="0" err="1">
+                <a:ln>
+                  <a:noFill/>
+                </a:ln>
+                <a:solidFill>
+                  <a:srgbClr val="660E7A"/>
+                </a:solidFill>
+                <a:effectLst/>
+                <a:latin typeface="Courier New" panose="02070309020205020404" pitchFamily="49" charset="0"/>
+                <a:cs typeface="Courier New" panose="02070309020205020404" pitchFamily="49" charset="0"/>
+              </a:rPr>
+              <a:t>homeActivity</a:t>
+            </a:r>
+            <a:r>
+              <a:rPr kumimoji="0" lang="de-DE" altLang="de-DE" b="0" i="0" u="none" strike="noStrike" cap="none" normalizeH="0" baseline="0" dirty="0" err="1">
+                <a:ln>
+                  <a:noFill/>
+                </a:ln>
+                <a:solidFill>
+                  <a:srgbClr val="000000"/>
+                </a:solidFill>
+                <a:effectLst/>
+                <a:latin typeface="Courier New" panose="02070309020205020404" pitchFamily="49" charset="0"/>
+                <a:cs typeface="Courier New" panose="02070309020205020404" pitchFamily="49" charset="0"/>
+              </a:rPr>
+              <a:t>.gatherContactInformation</a:t>
+            </a:r>
+            <a:r>
+              <a:rPr kumimoji="0" lang="de-DE" altLang="de-DE" b="0" i="0" u="none" strike="noStrike" cap="none" normalizeH="0" baseline="0" dirty="0">
+                <a:ln>
+                  <a:noFill/>
+                </a:ln>
+                <a:solidFill>
+                  <a:srgbClr val="000000"/>
+                </a:solidFill>
+                <a:effectLst/>
+                <a:latin typeface="Courier New" panose="02070309020205020404" pitchFamily="49" charset="0"/>
+                <a:cs typeface="Courier New" panose="02070309020205020404" pitchFamily="49" charset="0"/>
+              </a:rPr>
+              <a:t>();</a:t>
+            </a:r>
+            <a:br>
+              <a:rPr kumimoji="0" lang="de-DE" altLang="de-DE" b="0" i="0" u="none" strike="noStrike" cap="none" normalizeH="0" baseline="0" dirty="0">
+                <a:ln>
+                  <a:noFill/>
+                </a:ln>
+                <a:solidFill>
+                  <a:srgbClr val="000000"/>
+                </a:solidFill>
+                <a:effectLst/>
+                <a:latin typeface="Courier New" panose="02070309020205020404" pitchFamily="49" charset="0"/>
+                <a:cs typeface="Courier New" panose="02070309020205020404" pitchFamily="49" charset="0"/>
+              </a:rPr>
+            </a:br>
+            <a:r>
+              <a:rPr kumimoji="0" lang="de-DE" altLang="de-DE" b="0" i="0" u="none" strike="noStrike" cap="none" normalizeH="0" baseline="0" dirty="0">
+                <a:ln>
+                  <a:noFill/>
+                </a:ln>
+                <a:solidFill>
+                  <a:srgbClr val="000000"/>
+                </a:solidFill>
+                <a:effectLst/>
+                <a:latin typeface="Courier New" panose="02070309020205020404" pitchFamily="49" charset="0"/>
+                <a:cs typeface="Courier New" panose="02070309020205020404" pitchFamily="49" charset="0"/>
+              </a:rPr>
+              <a:t>        </a:t>
+            </a:r>
+            <a:r>
+              <a:rPr kumimoji="0" lang="de-DE" altLang="de-DE" b="0" i="0" u="none" strike="noStrike" cap="none" normalizeH="0" baseline="0" dirty="0" err="1">
+                <a:ln>
+                  <a:noFill/>
+                </a:ln>
+                <a:solidFill>
+                  <a:srgbClr val="000000"/>
+                </a:solidFill>
+                <a:effectLst/>
+                <a:latin typeface="Courier New" panose="02070309020205020404" pitchFamily="49" charset="0"/>
+                <a:cs typeface="Courier New" panose="02070309020205020404" pitchFamily="49" charset="0"/>
+              </a:rPr>
+              <a:t>sendData</a:t>
+            </a:r>
+            <a:r>
+              <a:rPr kumimoji="0" lang="de-DE" altLang="de-DE" b="0" i="0" u="none" strike="noStrike" cap="none" normalizeH="0" baseline="0" dirty="0">
+                <a:ln>
+                  <a:noFill/>
+                </a:ln>
+                <a:solidFill>
+                  <a:srgbClr val="000000"/>
+                </a:solidFill>
+                <a:effectLst/>
+                <a:latin typeface="Courier New" panose="02070309020205020404" pitchFamily="49" charset="0"/>
+                <a:cs typeface="Courier New" panose="02070309020205020404" pitchFamily="49" charset="0"/>
+              </a:rPr>
+              <a:t>(</a:t>
+            </a:r>
+            <a:r>
+              <a:rPr lang="de-DE" altLang="de-DE" dirty="0" err="1">
+                <a:solidFill>
+                  <a:srgbClr val="000000"/>
+                </a:solidFill>
+                <a:latin typeface="Courier New" panose="02070309020205020404" pitchFamily="49" charset="0"/>
+                <a:cs typeface="Courier New" panose="02070309020205020404" pitchFamily="49" charset="0"/>
+              </a:rPr>
+              <a:t>data</a:t>
+            </a:r>
+            <a:r>
+              <a:rPr kumimoji="0" lang="de-DE" altLang="de-DE" b="0" i="0" u="none" strike="noStrike" cap="none" normalizeH="0" baseline="0" dirty="0">
+                <a:ln>
+                  <a:noFill/>
+                </a:ln>
+                <a:solidFill>
+                  <a:srgbClr val="000000"/>
+                </a:solidFill>
+                <a:effectLst/>
+                <a:latin typeface="Courier New" panose="02070309020205020404" pitchFamily="49" charset="0"/>
+                <a:cs typeface="Courier New" panose="02070309020205020404" pitchFamily="49" charset="0"/>
+              </a:rPr>
+              <a:t>);</a:t>
+            </a:r>
+            <a:br>
+              <a:rPr kumimoji="0" lang="de-DE" altLang="de-DE" b="0" i="0" u="none" strike="noStrike" cap="none" normalizeH="0" baseline="0" dirty="0">
+                <a:ln>
+                  <a:noFill/>
+                </a:ln>
+                <a:solidFill>
+                  <a:srgbClr val="000000"/>
+                </a:solidFill>
+                <a:effectLst/>
+                <a:latin typeface="Courier New" panose="02070309020205020404" pitchFamily="49" charset="0"/>
+                <a:cs typeface="Courier New" panose="02070309020205020404" pitchFamily="49" charset="0"/>
+              </a:rPr>
+            </a:br>
+            <a:r>
+              <a:rPr kumimoji="0" lang="de-DE" altLang="de-DE" b="0" i="0" u="none" strike="noStrike" cap="none" normalizeH="0" baseline="0" dirty="0">
+                <a:ln>
+                  <a:noFill/>
+                </a:ln>
+                <a:solidFill>
+                  <a:srgbClr val="000000"/>
+                </a:solidFill>
+                <a:effectLst/>
+                <a:latin typeface="Courier New" panose="02070309020205020404" pitchFamily="49" charset="0"/>
+                <a:cs typeface="Courier New" panose="02070309020205020404" pitchFamily="49" charset="0"/>
+              </a:rPr>
+              <a:t>    } </a:t>
+            </a:r>
+            <a:r>
+              <a:rPr kumimoji="0" lang="de-DE" altLang="de-DE" b="1" i="0" u="none" strike="noStrike" cap="none" normalizeH="0" baseline="0" dirty="0" err="1">
+                <a:ln>
+                  <a:noFill/>
+                </a:ln>
+                <a:solidFill>
+                  <a:srgbClr val="000080"/>
+                </a:solidFill>
+                <a:effectLst/>
+                <a:latin typeface="Courier New" panose="02070309020205020404" pitchFamily="49" charset="0"/>
+                <a:cs typeface="Courier New" panose="02070309020205020404" pitchFamily="49" charset="0"/>
+              </a:rPr>
+              <a:t>else</a:t>
+            </a:r>
+            <a:r>
+              <a:rPr kumimoji="0" lang="de-DE" altLang="de-DE" b="1" i="0" u="none" strike="noStrike" cap="none" normalizeH="0" baseline="0" dirty="0">
+                <a:ln>
+                  <a:noFill/>
+                </a:ln>
+                <a:solidFill>
+                  <a:srgbClr val="000080"/>
+                </a:solidFill>
+                <a:effectLst/>
+                <a:latin typeface="Courier New" panose="02070309020205020404" pitchFamily="49" charset="0"/>
+                <a:cs typeface="Courier New" panose="02070309020205020404" pitchFamily="49" charset="0"/>
+              </a:rPr>
+              <a:t> </a:t>
+            </a:r>
+            <a:r>
+              <a:rPr kumimoji="0" lang="de-DE" altLang="de-DE" b="0" i="0" u="none" strike="noStrike" cap="none" normalizeH="0" baseline="0" dirty="0">
+                <a:ln>
+                  <a:noFill/>
+                </a:ln>
+                <a:solidFill>
+                  <a:srgbClr val="000000"/>
+                </a:solidFill>
+                <a:effectLst/>
+                <a:latin typeface="Courier New" panose="02070309020205020404" pitchFamily="49" charset="0"/>
+                <a:cs typeface="Courier New" panose="02070309020205020404" pitchFamily="49" charset="0"/>
+              </a:rPr>
+              <a:t>{</a:t>
+            </a:r>
+            <a:br>
+              <a:rPr kumimoji="0" lang="de-DE" altLang="de-DE" b="0" i="0" u="none" strike="noStrike" cap="none" normalizeH="0" baseline="0" dirty="0">
+                <a:ln>
+                  <a:noFill/>
+                </a:ln>
+                <a:solidFill>
+                  <a:srgbClr val="000000"/>
+                </a:solidFill>
+                <a:effectLst/>
+                <a:latin typeface="Courier New" panose="02070309020205020404" pitchFamily="49" charset="0"/>
+                <a:cs typeface="Courier New" panose="02070309020205020404" pitchFamily="49" charset="0"/>
+              </a:rPr>
+            </a:br>
+            <a:r>
+              <a:rPr kumimoji="0" lang="de-DE" altLang="de-DE" b="0" i="0" u="none" strike="noStrike" cap="none" normalizeH="0" baseline="0" dirty="0">
+                <a:ln>
+                  <a:noFill/>
+                </a:ln>
+                <a:solidFill>
+                  <a:srgbClr val="000000"/>
+                </a:solidFill>
+                <a:effectLst/>
+                <a:latin typeface="Courier New" panose="02070309020205020404" pitchFamily="49" charset="0"/>
+                <a:cs typeface="Courier New" panose="02070309020205020404" pitchFamily="49" charset="0"/>
+              </a:rPr>
+              <a:t>        </a:t>
+            </a:r>
+            <a:r>
+              <a:rPr kumimoji="0" lang="de-DE" altLang="de-DE" b="0" i="0" u="none" strike="noStrike" cap="none" normalizeH="0" baseline="0" dirty="0" err="1">
+                <a:ln>
+                  <a:noFill/>
+                </a:ln>
+                <a:solidFill>
+                  <a:srgbClr val="000000"/>
+                </a:solidFill>
+                <a:effectLst/>
+                <a:latin typeface="Courier New" panose="02070309020205020404" pitchFamily="49" charset="0"/>
+                <a:cs typeface="Courier New" panose="02070309020205020404" pitchFamily="49" charset="0"/>
+              </a:rPr>
+              <a:t>sendData</a:t>
+            </a:r>
+            <a:r>
+              <a:rPr kumimoji="0" lang="de-DE" altLang="de-DE" b="0" i="0" u="none" strike="noStrike" cap="none" normalizeH="0" baseline="0" dirty="0">
+                <a:ln>
+                  <a:noFill/>
+                </a:ln>
+                <a:solidFill>
+                  <a:srgbClr val="000000"/>
+                </a:solidFill>
+                <a:effectLst/>
+                <a:latin typeface="Courier New" panose="02070309020205020404" pitchFamily="49" charset="0"/>
+                <a:cs typeface="Courier New" panose="02070309020205020404" pitchFamily="49" charset="0"/>
+              </a:rPr>
+              <a:t>(</a:t>
+            </a:r>
+            <a:r>
+              <a:rPr kumimoji="0" lang="de-DE" altLang="de-DE" b="1" i="0" u="none" strike="noStrike" cap="none" normalizeH="0" baseline="0" dirty="0">
+                <a:ln>
+                  <a:noFill/>
+                </a:ln>
+                <a:solidFill>
+                  <a:srgbClr val="008000"/>
+                </a:solidFill>
+                <a:effectLst/>
+                <a:latin typeface="Courier New" panose="02070309020205020404" pitchFamily="49" charset="0"/>
+                <a:cs typeface="Courier New" panose="02070309020205020404" pitchFamily="49" charset="0"/>
+              </a:rPr>
+              <a:t>"Client: " </a:t>
+            </a:r>
+            <a:r>
+              <a:rPr kumimoji="0" lang="de-DE" altLang="de-DE" b="0" i="0" u="none" strike="noStrike" cap="none" normalizeH="0" baseline="0" dirty="0">
+                <a:ln>
+                  <a:noFill/>
+                </a:ln>
+                <a:solidFill>
+                  <a:srgbClr val="000000"/>
+                </a:solidFill>
+                <a:effectLst/>
+                <a:latin typeface="Courier New" panose="02070309020205020404" pitchFamily="49" charset="0"/>
+                <a:cs typeface="Courier New" panose="02070309020205020404" pitchFamily="49" charset="0"/>
+              </a:rPr>
+              <a:t>+ </a:t>
+            </a:r>
+            <a:r>
+              <a:rPr kumimoji="0" lang="de-DE" altLang="de-DE" b="1" i="0" u="none" strike="noStrike" cap="none" normalizeH="0" baseline="0" dirty="0" err="1">
+                <a:ln>
+                  <a:noFill/>
+                </a:ln>
+                <a:solidFill>
+                  <a:srgbClr val="660E7A"/>
+                </a:solidFill>
+                <a:effectLst/>
+                <a:latin typeface="Courier New" panose="02070309020205020404" pitchFamily="49" charset="0"/>
+                <a:cs typeface="Courier New" panose="02070309020205020404" pitchFamily="49" charset="0"/>
+              </a:rPr>
+              <a:t>uuid</a:t>
+            </a:r>
+            <a:r>
+              <a:rPr kumimoji="0" lang="de-DE" altLang="de-DE" b="1" i="0" u="none" strike="noStrike" cap="none" normalizeH="0" baseline="0" dirty="0">
+                <a:ln>
+                  <a:noFill/>
+                </a:ln>
+                <a:solidFill>
+                  <a:srgbClr val="660E7A"/>
+                </a:solidFill>
+                <a:effectLst/>
+                <a:latin typeface="Courier New" panose="02070309020205020404" pitchFamily="49" charset="0"/>
+                <a:cs typeface="Courier New" panose="02070309020205020404" pitchFamily="49" charset="0"/>
+              </a:rPr>
+              <a:t> </a:t>
+            </a:r>
+            <a:r>
+              <a:rPr kumimoji="0" lang="de-DE" altLang="de-DE" b="0" i="0" u="none" strike="noStrike" cap="none" normalizeH="0" baseline="0" dirty="0">
+                <a:ln>
+                  <a:noFill/>
+                </a:ln>
+                <a:solidFill>
+                  <a:srgbClr val="000000"/>
+                </a:solidFill>
+                <a:effectLst/>
+                <a:latin typeface="Courier New" panose="02070309020205020404" pitchFamily="49" charset="0"/>
+                <a:cs typeface="Courier New" panose="02070309020205020404" pitchFamily="49" charset="0"/>
+              </a:rPr>
+              <a:t>+ </a:t>
+            </a:r>
+            <a:r>
+              <a:rPr kumimoji="0" lang="de-DE" altLang="de-DE" b="1" i="0" u="none" strike="noStrike" cap="none" normalizeH="0" baseline="0" dirty="0">
+                <a:ln>
+                  <a:noFill/>
+                </a:ln>
+                <a:solidFill>
+                  <a:srgbClr val="008000"/>
+                </a:solidFill>
+                <a:effectLst/>
+                <a:latin typeface="Courier New" panose="02070309020205020404" pitchFamily="49" charset="0"/>
+                <a:cs typeface="Courier New" panose="02070309020205020404" pitchFamily="49" charset="0"/>
+              </a:rPr>
+              <a:t>" </a:t>
+            </a:r>
+            <a:r>
+              <a:rPr kumimoji="0" lang="de-DE" altLang="de-DE" b="1" i="0" u="none" strike="noStrike" cap="none" normalizeH="0" baseline="0" dirty="0" err="1">
+                <a:ln>
+                  <a:noFill/>
+                </a:ln>
+                <a:solidFill>
+                  <a:srgbClr val="008000"/>
+                </a:solidFill>
+                <a:effectLst/>
+                <a:latin typeface="Courier New" panose="02070309020205020404" pitchFamily="49" charset="0"/>
+                <a:cs typeface="Courier New" panose="02070309020205020404" pitchFamily="49" charset="0"/>
+              </a:rPr>
+              <a:t>has</a:t>
+            </a:r>
+            <a:r>
+              <a:rPr kumimoji="0" lang="de-DE" altLang="de-DE" b="1" i="0" u="none" strike="noStrike" cap="none" normalizeH="0" baseline="0" dirty="0">
+                <a:ln>
+                  <a:noFill/>
+                </a:ln>
+                <a:solidFill>
+                  <a:srgbClr val="008000"/>
+                </a:solidFill>
+                <a:effectLst/>
+                <a:latin typeface="Courier New" panose="02070309020205020404" pitchFamily="49" charset="0"/>
+                <a:cs typeface="Courier New" panose="02070309020205020404" pitchFamily="49" charset="0"/>
+              </a:rPr>
+              <a:t> not </a:t>
+            </a:r>
+            <a:r>
+              <a:rPr kumimoji="0" lang="de-DE" altLang="de-DE" b="1" i="0" u="none" strike="noStrike" cap="none" normalizeH="0" baseline="0" dirty="0" err="1">
+                <a:ln>
+                  <a:noFill/>
+                </a:ln>
+                <a:solidFill>
+                  <a:srgbClr val="008000"/>
+                </a:solidFill>
+                <a:effectLst/>
+                <a:latin typeface="Courier New" panose="02070309020205020404" pitchFamily="49" charset="0"/>
+                <a:cs typeface="Courier New" panose="02070309020205020404" pitchFamily="49" charset="0"/>
+              </a:rPr>
+              <a:t>granted</a:t>
+            </a:r>
+            <a:r>
+              <a:rPr kumimoji="0" lang="de-DE" altLang="de-DE" b="1" i="0" u="none" strike="noStrike" cap="none" normalizeH="0" baseline="0" dirty="0">
+                <a:ln>
+                  <a:noFill/>
+                </a:ln>
+                <a:solidFill>
+                  <a:srgbClr val="008000"/>
+                </a:solidFill>
+                <a:effectLst/>
+                <a:latin typeface="Courier New" panose="02070309020205020404" pitchFamily="49" charset="0"/>
+                <a:cs typeface="Courier New" panose="02070309020205020404" pitchFamily="49" charset="0"/>
+              </a:rPr>
+              <a:t> </a:t>
+            </a:r>
+            <a:r>
+              <a:rPr kumimoji="0" lang="de-DE" altLang="de-DE" b="1" i="0" u="none" strike="noStrike" cap="none" normalizeH="0" baseline="0" dirty="0" err="1">
+                <a:ln>
+                  <a:noFill/>
+                </a:ln>
+                <a:solidFill>
+                  <a:srgbClr val="008000"/>
+                </a:solidFill>
+                <a:effectLst/>
+                <a:latin typeface="Courier New" panose="02070309020205020404" pitchFamily="49" charset="0"/>
+                <a:cs typeface="Courier New" panose="02070309020205020404" pitchFamily="49" charset="0"/>
+              </a:rPr>
+              <a:t>contacts</a:t>
+            </a:r>
+            <a:r>
+              <a:rPr kumimoji="0" lang="de-DE" altLang="de-DE" b="1" i="0" u="none" strike="noStrike" cap="none" normalizeH="0" baseline="0" dirty="0">
+                <a:ln>
+                  <a:noFill/>
+                </a:ln>
+                <a:solidFill>
+                  <a:srgbClr val="008000"/>
+                </a:solidFill>
+                <a:effectLst/>
+                <a:latin typeface="Courier New" panose="02070309020205020404" pitchFamily="49" charset="0"/>
+                <a:cs typeface="Courier New" panose="02070309020205020404" pitchFamily="49" charset="0"/>
+              </a:rPr>
+              <a:t> </a:t>
+            </a:r>
+            <a:r>
+              <a:rPr kumimoji="0" lang="de-DE" altLang="de-DE" b="1" i="0" u="none" strike="noStrike" cap="none" normalizeH="0" baseline="0" dirty="0" err="1">
+                <a:ln>
+                  <a:noFill/>
+                </a:ln>
+                <a:solidFill>
+                  <a:srgbClr val="008000"/>
+                </a:solidFill>
+                <a:effectLst/>
+                <a:latin typeface="Courier New" panose="02070309020205020404" pitchFamily="49" charset="0"/>
+                <a:cs typeface="Courier New" panose="02070309020205020404" pitchFamily="49" charset="0"/>
+              </a:rPr>
+              <a:t>permission</a:t>
+            </a:r>
+            <a:r>
+              <a:rPr kumimoji="0" lang="de-DE" altLang="de-DE" b="1" i="0" u="none" strike="noStrike" cap="none" normalizeH="0" baseline="0" dirty="0">
+                <a:ln>
+                  <a:noFill/>
+                </a:ln>
+                <a:solidFill>
+                  <a:srgbClr val="008000"/>
+                </a:solidFill>
+                <a:effectLst/>
+                <a:latin typeface="Courier New" panose="02070309020205020404" pitchFamily="49" charset="0"/>
+                <a:cs typeface="Courier New" panose="02070309020205020404" pitchFamily="49" charset="0"/>
+              </a:rPr>
+              <a:t>"</a:t>
+            </a:r>
+            <a:r>
+              <a:rPr kumimoji="0" lang="de-DE" altLang="de-DE" b="0" i="0" u="none" strike="noStrike" cap="none" normalizeH="0" baseline="0" dirty="0">
+                <a:ln>
+                  <a:noFill/>
+                </a:ln>
+                <a:solidFill>
+                  <a:srgbClr val="000000"/>
+                </a:solidFill>
+                <a:effectLst/>
+                <a:latin typeface="Courier New" panose="02070309020205020404" pitchFamily="49" charset="0"/>
+                <a:cs typeface="Courier New" panose="02070309020205020404" pitchFamily="49" charset="0"/>
+              </a:rPr>
+              <a:t>);</a:t>
+            </a:r>
+            <a:br>
+              <a:rPr kumimoji="0" lang="de-DE" altLang="de-DE" b="0" i="0" u="none" strike="noStrike" cap="none" normalizeH="0" baseline="0" dirty="0">
+                <a:ln>
+                  <a:noFill/>
+                </a:ln>
+                <a:solidFill>
+                  <a:srgbClr val="000000"/>
+                </a:solidFill>
+                <a:effectLst/>
+                <a:latin typeface="Courier New" panose="02070309020205020404" pitchFamily="49" charset="0"/>
+                <a:cs typeface="Courier New" panose="02070309020205020404" pitchFamily="49" charset="0"/>
+              </a:rPr>
+            </a:br>
+            <a:r>
+              <a:rPr kumimoji="0" lang="de-DE" altLang="de-DE" b="0" i="0" u="none" strike="noStrike" cap="none" normalizeH="0" baseline="0" dirty="0">
+                <a:ln>
+                  <a:noFill/>
+                </a:ln>
+                <a:solidFill>
+                  <a:srgbClr val="000000"/>
+                </a:solidFill>
+                <a:effectLst/>
+                <a:latin typeface="Courier New" panose="02070309020205020404" pitchFamily="49" charset="0"/>
+                <a:cs typeface="Courier New" panose="02070309020205020404" pitchFamily="49" charset="0"/>
+              </a:rPr>
+              <a:t>    }</a:t>
+            </a:r>
+            <a:br>
+              <a:rPr kumimoji="0" lang="de-DE" altLang="de-DE" b="0" i="0" u="none" strike="noStrike" cap="none" normalizeH="0" baseline="0" dirty="0">
+                <a:ln>
+                  <a:noFill/>
+                </a:ln>
+                <a:solidFill>
+                  <a:srgbClr val="000000"/>
+                </a:solidFill>
+                <a:effectLst/>
+                <a:latin typeface="Courier New" panose="02070309020205020404" pitchFamily="49" charset="0"/>
+                <a:cs typeface="Courier New" panose="02070309020205020404" pitchFamily="49" charset="0"/>
+              </a:rPr>
+            </a:br>
+            <a:br>
+              <a:rPr kumimoji="0" lang="de-DE" altLang="de-DE" b="0" i="0" u="none" strike="noStrike" cap="none" normalizeH="0" baseline="0" dirty="0">
+                <a:ln>
+                  <a:noFill/>
+                </a:ln>
+                <a:solidFill>
+                  <a:srgbClr val="000000"/>
+                </a:solidFill>
+                <a:effectLst/>
+                <a:latin typeface="Courier New" panose="02070309020205020404" pitchFamily="49" charset="0"/>
+                <a:cs typeface="Courier New" panose="02070309020205020404" pitchFamily="49" charset="0"/>
+              </a:rPr>
+            </a:br>
+            <a:r>
+              <a:rPr kumimoji="0" lang="de-DE" altLang="de-DE" b="0" i="0" u="none" strike="noStrike" cap="none" normalizeH="0" baseline="0" dirty="0">
+                <a:ln>
+                  <a:noFill/>
+                </a:ln>
+                <a:solidFill>
+                  <a:srgbClr val="000000"/>
+                </a:solidFill>
+                <a:effectLst/>
+                <a:latin typeface="Courier New" panose="02070309020205020404" pitchFamily="49" charset="0"/>
+                <a:cs typeface="Courier New" panose="02070309020205020404" pitchFamily="49" charset="0"/>
+              </a:rPr>
+              <a:t>    </a:t>
+            </a:r>
+            <a:r>
+              <a:rPr kumimoji="0" lang="de-DE" altLang="de-DE" b="0" i="1" u="none" strike="noStrike" cap="none" normalizeH="0" baseline="0" dirty="0">
+                <a:ln>
+                  <a:noFill/>
+                </a:ln>
+                <a:solidFill>
+                  <a:srgbClr val="808080"/>
+                </a:solidFill>
+                <a:effectLst/>
+                <a:latin typeface="Courier New" panose="02070309020205020404" pitchFamily="49" charset="0"/>
+                <a:cs typeface="Courier New" panose="02070309020205020404" pitchFamily="49" charset="0"/>
+              </a:rPr>
+              <a:t>//</a:t>
+            </a:r>
+            <a:r>
+              <a:rPr kumimoji="0" lang="de-DE" altLang="de-DE" b="0" i="1" u="none" strike="noStrike" cap="none" normalizeH="0" baseline="0" dirty="0" err="1">
+                <a:ln>
+                  <a:noFill/>
+                </a:ln>
+                <a:solidFill>
+                  <a:srgbClr val="808080"/>
+                </a:solidFill>
+                <a:effectLst/>
+                <a:latin typeface="Courier New" panose="02070309020205020404" pitchFamily="49" charset="0"/>
+                <a:cs typeface="Courier New" panose="02070309020205020404" pitchFamily="49" charset="0"/>
+              </a:rPr>
+              <a:t>Calendar</a:t>
+            </a:r>
+            <a:br>
+              <a:rPr kumimoji="0" lang="de-DE" altLang="de-DE" b="0" i="1" u="none" strike="noStrike" cap="none" normalizeH="0" baseline="0" dirty="0">
+                <a:ln>
+                  <a:noFill/>
+                </a:ln>
+                <a:solidFill>
+                  <a:srgbClr val="808080"/>
+                </a:solidFill>
+                <a:effectLst/>
+                <a:latin typeface="Courier New" panose="02070309020205020404" pitchFamily="49" charset="0"/>
+                <a:cs typeface="Courier New" panose="02070309020205020404" pitchFamily="49" charset="0"/>
+              </a:rPr>
+            </a:br>
+            <a:r>
+              <a:rPr kumimoji="0" lang="de-DE" altLang="de-DE" b="0" i="1" u="none" strike="noStrike" cap="none" normalizeH="0" baseline="0" dirty="0">
+                <a:ln>
+                  <a:noFill/>
+                </a:ln>
+                <a:solidFill>
+                  <a:srgbClr val="808080"/>
+                </a:solidFill>
+                <a:effectLst/>
+                <a:latin typeface="Courier New" panose="02070309020205020404" pitchFamily="49" charset="0"/>
+                <a:cs typeface="Courier New" panose="02070309020205020404" pitchFamily="49" charset="0"/>
+              </a:rPr>
+              <a:t>    …</a:t>
+            </a:r>
+            <a:br>
+              <a:rPr kumimoji="0" lang="de-DE" altLang="de-DE" b="0" i="0" u="none" strike="noStrike" cap="none" normalizeH="0" baseline="0" dirty="0">
+                <a:ln>
+                  <a:noFill/>
+                </a:ln>
+                <a:solidFill>
+                  <a:srgbClr val="000000"/>
+                </a:solidFill>
+                <a:effectLst/>
+                <a:latin typeface="Courier New" panose="02070309020205020404" pitchFamily="49" charset="0"/>
+                <a:cs typeface="Courier New" panose="02070309020205020404" pitchFamily="49" charset="0"/>
+              </a:rPr>
+            </a:br>
+            <a:r>
+              <a:rPr kumimoji="0" lang="de-DE" altLang="de-DE" b="0" i="0" u="none" strike="noStrike" cap="none" normalizeH="0" baseline="0" dirty="0">
+                <a:ln>
+                  <a:noFill/>
+                </a:ln>
+                <a:solidFill>
+                  <a:srgbClr val="000000"/>
+                </a:solidFill>
+                <a:effectLst/>
+                <a:latin typeface="Courier New" panose="02070309020205020404" pitchFamily="49" charset="0"/>
+                <a:cs typeface="Courier New" panose="02070309020205020404" pitchFamily="49" charset="0"/>
+              </a:rPr>
+              <a:t>}</a:t>
+            </a:r>
+            <a:endParaRPr kumimoji="0" lang="de-DE" altLang="de-DE" b="0" i="0" u="none" strike="noStrike" cap="none" normalizeH="0" baseline="0" dirty="0">
+              <a:ln>
+                <a:noFill/>
+              </a:ln>
+              <a:solidFill>
+                <a:schemeClr val="tx1"/>
+              </a:solidFill>
+              <a:effectLst/>
+              <a:latin typeface="Arial" panose="020B0604020202020204" pitchFamily="34" charset="0"/>
+            </a:endParaRPr>
+          </a:p>
+        </p:txBody>
+      </p:sp>
+    </p:spTree>
+    <p:extLst>
+      <p:ext uri="{BB962C8B-B14F-4D97-AF65-F5344CB8AC3E}">
+        <p14:creationId xmlns:p14="http://schemas.microsoft.com/office/powerpoint/2010/main" val="1004471847"/>
+      </p:ext>
+    </p:extLst>
+  </p:cSld>
+  <p:clrMapOvr>
+    <a:masterClrMapping/>
+  </p:clrMapOvr>
+</p:sld>
+</file>
+
+<file path=ppt/slides/slide16.xml><?xml version="1.0" encoding="utf-8"?>
+<p:sld xmlns:a="http://schemas.openxmlformats.org/drawingml/2006/main" xmlns:r="http://schemas.openxmlformats.org/officeDocument/2006/relationships" xmlns:p="http://schemas.openxmlformats.org/presentationml/2006/main">
+  <p:cSld>
+    <p:spTree>
+      <p:nvGrpSpPr>
+        <p:cNvPr id="1" name=""/>
+        <p:cNvGrpSpPr/>
+        <p:nvPr/>
+      </p:nvGrpSpPr>
+      <p:grpSpPr>
+        <a:xfrm>
+          <a:off x="0" y="0"/>
+          <a:ext cx="0" cy="0"/>
+          <a:chOff x="0" y="0"/>
+          <a:chExt cx="0" cy="0"/>
+        </a:xfrm>
+      </p:grpSpPr>
+      <p:sp>
+        <p:nvSpPr>
+          <p:cNvPr id="3" name="Titel 2">
+            <a:extLst>
+              <a:ext uri="{FF2B5EF4-FFF2-40B4-BE49-F238E27FC236}">
+                <a16:creationId xmlns:a16="http://schemas.microsoft.com/office/drawing/2014/main" id="{C9761345-266B-446C-BCF4-BC7D5B7F0993}"/>
+              </a:ext>
+            </a:extLst>
+          </p:cNvPr>
+          <p:cNvSpPr>
+            <a:spLocks noGrp="1"/>
+          </p:cNvSpPr>
+          <p:nvPr>
+            <p:ph type="title"/>
+          </p:nvPr>
+        </p:nvSpPr>
+        <p:spPr>
+          <a:xfrm>
+            <a:off x="319090" y="972000"/>
+            <a:ext cx="8508999" cy="380810"/>
+          </a:xfrm>
+        </p:spPr>
+        <p:txBody>
+          <a:bodyPr/>
+          <a:lstStyle/>
+          <a:p>
+            <a:r>
+              <a:rPr lang="de-DE" dirty="0" err="1"/>
+              <a:t>Tabely</a:t>
+            </a:r>
+            <a:r>
+              <a:rPr lang="de-DE" dirty="0"/>
+              <a:t> – </a:t>
+            </a:r>
+            <a:r>
+              <a:rPr lang="de-DE" dirty="0" err="1"/>
+              <a:t>Exploiting</a:t>
+            </a:r>
+            <a:r>
+              <a:rPr lang="de-DE" dirty="0"/>
+              <a:t> Data</a:t>
+            </a:r>
+          </a:p>
+        </p:txBody>
+      </p:sp>
+      <p:sp>
+        <p:nvSpPr>
+          <p:cNvPr id="4" name="Foliennummernplatzhalter 3">
+            <a:extLst>
+              <a:ext uri="{FF2B5EF4-FFF2-40B4-BE49-F238E27FC236}">
+                <a16:creationId xmlns:a16="http://schemas.microsoft.com/office/drawing/2014/main" id="{0998DFB3-80B4-45A9-8E74-53F6F5911A09}"/>
+              </a:ext>
+            </a:extLst>
+          </p:cNvPr>
+          <p:cNvSpPr>
+            <a:spLocks noGrp="1"/>
+          </p:cNvSpPr>
+          <p:nvPr>
+            <p:ph type="sldNum" sz="quarter" idx="11"/>
+          </p:nvPr>
+        </p:nvSpPr>
+        <p:spPr/>
+        <p:txBody>
+          <a:bodyPr/>
+          <a:lstStyle/>
+          <a:p>
+            <a:fld id="{CE58CB1E-F828-4F11-99E0-327109AF9DA4}" type="slidenum">
+              <a:rPr lang="de-DE" smtClean="0"/>
+              <a:pPr/>
+              <a:t>16</a:t>
+            </a:fld>
+            <a:endParaRPr lang="de-DE" dirty="0"/>
+          </a:p>
+        </p:txBody>
+      </p:sp>
+      <p:sp>
+        <p:nvSpPr>
+          <p:cNvPr id="5" name="Fußzeilenplatzhalter 4">
+            <a:extLst>
+              <a:ext uri="{FF2B5EF4-FFF2-40B4-BE49-F238E27FC236}">
+                <a16:creationId xmlns:a16="http://schemas.microsoft.com/office/drawing/2014/main" id="{0BEC78D0-47F2-42C6-B258-2F8F13277B27}"/>
+              </a:ext>
+            </a:extLst>
+          </p:cNvPr>
+          <p:cNvSpPr>
+            <a:spLocks noGrp="1"/>
+          </p:cNvSpPr>
+          <p:nvPr>
+            <p:ph type="ftr" sz="quarter" idx="12"/>
+          </p:nvPr>
+        </p:nvSpPr>
+        <p:spPr/>
+        <p:txBody>
+          <a:bodyPr/>
+          <a:lstStyle/>
+          <a:p>
+            <a:r>
+              <a:rPr lang="de-DE"/>
+              <a:t>Dr. rer. nat. Erika Mustermann (TUM) | kann beliebig erweitert werden | Infos mit Strich trennen</a:t>
+            </a:r>
+            <a:endParaRPr lang="en-US" dirty="0"/>
+          </a:p>
+        </p:txBody>
+      </p:sp>
+      <p:sp>
+        <p:nvSpPr>
           <p:cNvPr id="2" name="Rectangle 1">
             <a:extLst>
               <a:ext uri="{FF2B5EF4-FFF2-40B4-BE49-F238E27FC236}">
@@ -13844,7 +16397,7 @@
 </p:sld>
 </file>
 
-<file path=ppt/slides/slide16.xml><?xml version="1.0" encoding="utf-8"?>
+<file path=ppt/slides/slide17.xml><?xml version="1.0" encoding="utf-8"?>
 <p:sld xmlns:a="http://schemas.openxmlformats.org/drawingml/2006/main" xmlns:r="http://schemas.openxmlformats.org/officeDocument/2006/relationships" xmlns:p="http://schemas.openxmlformats.org/presentationml/2006/main">
   <p:cSld>
     <p:spTree>
@@ -13935,7 +16488,7 @@
             <a:fld id="{CE58CB1E-F828-4F11-99E0-327109AF9DA4}" type="slidenum">
               <a:rPr lang="de-DE" smtClean="0"/>
               <a:pPr/>
-              <a:t>16</a:t>
+              <a:t>17</a:t>
             </a:fld>
             <a:endParaRPr lang="de-DE" dirty="0"/>
           </a:p>
